--- a/userProgramsASRforDummies/ExperimentFolderHier.pptx
+++ b/userProgramsASRforDummies/ExperimentFolderHier.pptx
@@ -869,7 +869,24 @@
       </dgm:t>
     </dgm:pt>
     <dgm:pt modelId="{DF6ABEDA-B470-8A44-8DEF-985A4FC332DB}">
-      <dgm:prSet phldrT="[Text]"/>
+      <dgm:prSet phldrT="[Text]">
+        <dgm:style>
+          <a:lnRef idx="2">
+            <a:schemeClr val="accent2">
+              <a:shade val="50000"/>
+            </a:schemeClr>
+          </a:lnRef>
+          <a:fillRef idx="1">
+            <a:schemeClr val="accent2"/>
+          </a:fillRef>
+          <a:effectRef idx="0">
+            <a:schemeClr val="accent2"/>
+          </a:effectRef>
+          <a:fontRef idx="minor">
+            <a:schemeClr val="lt1"/>
+          </a:fontRef>
+        </dgm:style>
+      </dgm:prSet>
       <dgm:spPr/>
       <dgm:t>
         <a:bodyPr/>
@@ -906,7 +923,22 @@
       </dgm:t>
     </dgm:pt>
     <dgm:pt modelId="{AF1179F8-1AC9-A348-A6C2-1011A260A93E}">
-      <dgm:prSet phldrT="[Text]"/>
+      <dgm:prSet phldrT="[Text]">
+        <dgm:style>
+          <a:lnRef idx="1">
+            <a:schemeClr val="accent5"/>
+          </a:lnRef>
+          <a:fillRef idx="3">
+            <a:schemeClr val="accent5"/>
+          </a:fillRef>
+          <a:effectRef idx="2">
+            <a:schemeClr val="accent5"/>
+          </a:effectRef>
+          <a:fontRef idx="minor">
+            <a:schemeClr val="lt1"/>
+          </a:fontRef>
+        </dgm:style>
+      </dgm:prSet>
       <dgm:spPr/>
       <dgm:t>
         <a:bodyPr/>
@@ -943,7 +975,22 @@
       </dgm:t>
     </dgm:pt>
     <dgm:pt modelId="{4E84EFC4-193A-A44D-ACE3-5B0EC2D2063E}">
-      <dgm:prSet phldrT="[Text]"/>
+      <dgm:prSet phldrT="[Text]">
+        <dgm:style>
+          <a:lnRef idx="1">
+            <a:schemeClr val="accent5"/>
+          </a:lnRef>
+          <a:fillRef idx="3">
+            <a:schemeClr val="accent5"/>
+          </a:fillRef>
+          <a:effectRef idx="2">
+            <a:schemeClr val="accent5"/>
+          </a:effectRef>
+          <a:fontRef idx="minor">
+            <a:schemeClr val="lt1"/>
+          </a:fontRef>
+        </dgm:style>
+      </dgm:prSet>
       <dgm:spPr/>
       <dgm:t>
         <a:bodyPr/>
@@ -980,7 +1027,22 @@
       </dgm:t>
     </dgm:pt>
     <dgm:pt modelId="{6C66D40B-7ABE-184A-8C13-EFB3BF64EBBB}">
-      <dgm:prSet phldrT="[Text]"/>
+      <dgm:prSet phldrT="[Text]">
+        <dgm:style>
+          <a:lnRef idx="1">
+            <a:schemeClr val="accent5"/>
+          </a:lnRef>
+          <a:fillRef idx="3">
+            <a:schemeClr val="accent5"/>
+          </a:fillRef>
+          <a:effectRef idx="2">
+            <a:schemeClr val="accent5"/>
+          </a:effectRef>
+          <a:fontRef idx="minor">
+            <a:schemeClr val="lt1"/>
+          </a:fontRef>
+        </dgm:style>
+      </dgm:prSet>
       <dgm:spPr/>
       <dgm:t>
         <a:bodyPr/>
@@ -1054,7 +1116,22 @@
       </dgm:t>
     </dgm:pt>
     <dgm:pt modelId="{A57DF884-63A5-D946-B873-22CB0DED072F}">
-      <dgm:prSet phldrT="[Text]"/>
+      <dgm:prSet phldrT="[Text]">
+        <dgm:style>
+          <a:lnRef idx="1">
+            <a:schemeClr val="accent5"/>
+          </a:lnRef>
+          <a:fillRef idx="2">
+            <a:schemeClr val="accent5"/>
+          </a:fillRef>
+          <a:effectRef idx="1">
+            <a:schemeClr val="accent5"/>
+          </a:effectRef>
+          <a:fontRef idx="minor">
+            <a:schemeClr val="dk1"/>
+          </a:fontRef>
+        </dgm:style>
+      </dgm:prSet>
       <dgm:spPr/>
       <dgm:t>
         <a:bodyPr/>
@@ -1091,7 +1168,22 @@
       </dgm:t>
     </dgm:pt>
     <dgm:pt modelId="{C111B2C8-1BB8-F14A-B234-928A60BF9CA3}">
-      <dgm:prSet phldrT="[Text]"/>
+      <dgm:prSet phldrT="[Text]">
+        <dgm:style>
+          <a:lnRef idx="1">
+            <a:schemeClr val="accent5"/>
+          </a:lnRef>
+          <a:fillRef idx="3">
+            <a:schemeClr val="accent5"/>
+          </a:fillRef>
+          <a:effectRef idx="2">
+            <a:schemeClr val="accent5"/>
+          </a:effectRef>
+          <a:fontRef idx="minor">
+            <a:schemeClr val="lt1"/>
+          </a:fontRef>
+        </dgm:style>
+      </dgm:prSet>
       <dgm:spPr/>
       <dgm:t>
         <a:bodyPr/>
@@ -1128,7 +1220,22 @@
       </dgm:t>
     </dgm:pt>
     <dgm:pt modelId="{3AD4EC40-EF60-6242-85E1-1A913CB28011}">
-      <dgm:prSet phldrT="[Text]"/>
+      <dgm:prSet phldrT="[Text]">
+        <dgm:style>
+          <a:lnRef idx="1">
+            <a:schemeClr val="accent5"/>
+          </a:lnRef>
+          <a:fillRef idx="3">
+            <a:schemeClr val="accent5"/>
+          </a:fillRef>
+          <a:effectRef idx="2">
+            <a:schemeClr val="accent5"/>
+          </a:effectRef>
+          <a:fontRef idx="minor">
+            <a:schemeClr val="lt1"/>
+          </a:fontRef>
+        </dgm:style>
+      </dgm:prSet>
       <dgm:spPr/>
       <dgm:t>
         <a:bodyPr/>
@@ -1276,7 +1383,22 @@
       </dgm:t>
     </dgm:pt>
     <dgm:pt modelId="{FB636273-1EDA-6949-9F1D-B5A6940D6064}">
-      <dgm:prSet phldrT="[Text]"/>
+      <dgm:prSet phldrT="[Text]">
+        <dgm:style>
+          <a:lnRef idx="1">
+            <a:schemeClr val="accent5"/>
+          </a:lnRef>
+          <a:fillRef idx="2">
+            <a:schemeClr val="accent5"/>
+          </a:fillRef>
+          <a:effectRef idx="1">
+            <a:schemeClr val="accent5"/>
+          </a:effectRef>
+          <a:fontRef idx="minor">
+            <a:schemeClr val="dk1"/>
+          </a:fontRef>
+        </dgm:style>
+      </dgm:prSet>
       <dgm:spPr/>
       <dgm:t>
         <a:bodyPr/>
@@ -1313,7 +1435,22 @@
       </dgm:t>
     </dgm:pt>
     <dgm:pt modelId="{9CC6B040-EE0D-0147-AFCE-4C28B4BA7F0D}">
-      <dgm:prSet phldrT="[Text]"/>
+      <dgm:prSet phldrT="[Text]">
+        <dgm:style>
+          <a:lnRef idx="1">
+            <a:schemeClr val="accent5"/>
+          </a:lnRef>
+          <a:fillRef idx="2">
+            <a:schemeClr val="accent5"/>
+          </a:fillRef>
+          <a:effectRef idx="1">
+            <a:schemeClr val="accent5"/>
+          </a:effectRef>
+          <a:fontRef idx="minor">
+            <a:schemeClr val="dk1"/>
+          </a:fontRef>
+        </dgm:style>
+      </dgm:prSet>
       <dgm:spPr/>
       <dgm:t>
         <a:bodyPr/>
@@ -1350,7 +1487,22 @@
       </dgm:t>
     </dgm:pt>
     <dgm:pt modelId="{356C763A-4C62-8F47-BB27-7ABB5623ECD9}">
-      <dgm:prSet phldrT="[Text]"/>
+      <dgm:prSet phldrT="[Text]">
+        <dgm:style>
+          <a:lnRef idx="1">
+            <a:schemeClr val="accent5"/>
+          </a:lnRef>
+          <a:fillRef idx="2">
+            <a:schemeClr val="accent5"/>
+          </a:fillRef>
+          <a:effectRef idx="1">
+            <a:schemeClr val="accent5"/>
+          </a:effectRef>
+          <a:fontRef idx="minor">
+            <a:schemeClr val="dk1"/>
+          </a:fontRef>
+        </dgm:style>
+      </dgm:prSet>
       <dgm:spPr/>
       <dgm:t>
         <a:bodyPr/>
@@ -1387,7 +1539,22 @@
       </dgm:t>
     </dgm:pt>
     <dgm:pt modelId="{C008F444-929A-AD41-A575-AA61027F53EA}">
-      <dgm:prSet phldrT="[Text]"/>
+      <dgm:prSet phldrT="[Text]">
+        <dgm:style>
+          <a:lnRef idx="1">
+            <a:schemeClr val="accent5"/>
+          </a:lnRef>
+          <a:fillRef idx="2">
+            <a:schemeClr val="accent5"/>
+          </a:fillRef>
+          <a:effectRef idx="1">
+            <a:schemeClr val="accent5"/>
+          </a:effectRef>
+          <a:fontRef idx="minor">
+            <a:schemeClr val="dk1"/>
+          </a:fontRef>
+        </dgm:style>
+      </dgm:prSet>
       <dgm:spPr/>
       <dgm:t>
         <a:bodyPr/>
@@ -1424,7 +1591,22 @@
       </dgm:t>
     </dgm:pt>
     <dgm:pt modelId="{76840EF0-7570-9C40-8303-3BEC817850F6}">
-      <dgm:prSet phldrT="[Text]"/>
+      <dgm:prSet phldrT="[Text]">
+        <dgm:style>
+          <a:lnRef idx="1">
+            <a:schemeClr val="accent5"/>
+          </a:lnRef>
+          <a:fillRef idx="2">
+            <a:schemeClr val="accent5"/>
+          </a:fillRef>
+          <a:effectRef idx="1">
+            <a:schemeClr val="accent5"/>
+          </a:effectRef>
+          <a:fontRef idx="minor">
+            <a:schemeClr val="dk1"/>
+          </a:fontRef>
+        </dgm:style>
+      </dgm:prSet>
       <dgm:spPr/>
       <dgm:t>
         <a:bodyPr/>
@@ -1457,6 +1639,58 @@
         <a:lstStyle/>
         <a:p>
           <a:endParaRPr lang="en-US"/>
+        </a:p>
+      </dgm:t>
+    </dgm:pt>
+    <dgm:pt modelId="{6EFF275E-FC57-4B4D-A93A-6AD7AABF0467}">
+      <dgm:prSet phldrT="[Text]">
+        <dgm:style>
+          <a:lnRef idx="1">
+            <a:schemeClr val="accent1"/>
+          </a:lnRef>
+          <a:fillRef idx="3">
+            <a:schemeClr val="accent1"/>
+          </a:fillRef>
+          <a:effectRef idx="2">
+            <a:schemeClr val="accent1"/>
+          </a:effectRef>
+          <a:fontRef idx="minor">
+            <a:schemeClr val="lt1"/>
+          </a:fontRef>
+        </dgm:style>
+      </dgm:prSet>
+      <dgm:spPr/>
+      <dgm:t>
+        <a:bodyPr/>
+        <a:lstStyle/>
+        <a:p>
+          <a:r>
+            <a:rPr lang="en-US" dirty="0" smtClean="0"/>
+            <a:t>jobObject.mat</a:t>
+          </a:r>
+          <a:endParaRPr lang="en-US" dirty="0"/>
+        </a:p>
+      </dgm:t>
+    </dgm:pt>
+    <dgm:pt modelId="{FB8F6223-9CA4-48A8-82AA-DEF7398D1AB9}" type="parTrans" cxnId="{F79EF927-5EF0-4AA4-A54F-C20F12027E75}">
+      <dgm:prSet/>
+      <dgm:spPr/>
+      <dgm:t>
+        <a:bodyPr/>
+        <a:lstStyle/>
+        <a:p>
+          <a:endParaRPr lang="en-GB"/>
+        </a:p>
+      </dgm:t>
+    </dgm:pt>
+    <dgm:pt modelId="{ACE63BB4-E8F2-422E-B9D9-79C9F461957F}" type="sibTrans" cxnId="{F79EF927-5EF0-4AA4-A54F-C20F12027E75}">
+      <dgm:prSet/>
+      <dgm:spPr/>
+      <dgm:t>
+        <a:bodyPr/>
+        <a:lstStyle/>
+        <a:p>
+          <a:endParaRPr lang="en-GB"/>
         </a:p>
       </dgm:t>
     </dgm:pt>
@@ -1471,6 +1705,13 @@
         </dgm:presLayoutVars>
       </dgm:prSet>
       <dgm:spPr/>
+      <dgm:t>
+        <a:bodyPr/>
+        <a:lstStyle/>
+        <a:p>
+          <a:endParaRPr lang="en-GB"/>
+        </a:p>
+      </dgm:t>
     </dgm:pt>
     <dgm:pt modelId="{436F071A-B56F-7642-A746-C1F5091FD0A6}" type="pres">
       <dgm:prSet presAssocID="{5497FA81-8BE4-A246-B613-95A0B7F8C4C2}" presName="hierFlow" presStyleCnt="0"/>
@@ -1491,12 +1732,19 @@
       <dgm:spPr/>
     </dgm:pt>
     <dgm:pt modelId="{2EAC16BB-B052-7841-8BC0-2DC7E177719B}" type="pres">
-      <dgm:prSet presAssocID="{DF6ABEDA-B470-8A44-8DEF-985A4FC332DB}" presName="level1Shape" presStyleLbl="node0" presStyleIdx="0" presStyleCnt="1">
+      <dgm:prSet presAssocID="{DF6ABEDA-B470-8A44-8DEF-985A4FC332DB}" presName="level1Shape" presStyleLbl="node0" presStyleIdx="0" presStyleCnt="1" custLinFactNeighborX="-16228" custLinFactNeighborY="-28637">
         <dgm:presLayoutVars>
           <dgm:chPref val="3"/>
         </dgm:presLayoutVars>
       </dgm:prSet>
       <dgm:spPr/>
+      <dgm:t>
+        <a:bodyPr/>
+        <a:lstStyle/>
+        <a:p>
+          <a:endParaRPr lang="en-GB"/>
+        </a:p>
+      </dgm:t>
     </dgm:pt>
     <dgm:pt modelId="{C30385A3-9067-3C40-A0DA-96E7707B2BAB}" type="pres">
       <dgm:prSet presAssocID="{DF6ABEDA-B470-8A44-8DEF-985A4FC332DB}" presName="hierChild2" presStyleCnt="0"/>
@@ -1505,10 +1753,24 @@
     <dgm:pt modelId="{484F3922-9C69-BA46-9809-7AD14156C2B6}" type="pres">
       <dgm:prSet presAssocID="{7C6C469C-C2BB-F746-9A42-97CFF38A0463}" presName="Name25" presStyleLbl="parChTrans1D2" presStyleIdx="0" presStyleCnt="3"/>
       <dgm:spPr/>
+      <dgm:t>
+        <a:bodyPr/>
+        <a:lstStyle/>
+        <a:p>
+          <a:endParaRPr lang="en-GB"/>
+        </a:p>
+      </dgm:t>
     </dgm:pt>
     <dgm:pt modelId="{992C7277-722F-4342-882A-DA1290436154}" type="pres">
       <dgm:prSet presAssocID="{7C6C469C-C2BB-F746-9A42-97CFF38A0463}" presName="connTx" presStyleLbl="parChTrans1D2" presStyleIdx="0" presStyleCnt="3"/>
       <dgm:spPr/>
+      <dgm:t>
+        <a:bodyPr/>
+        <a:lstStyle/>
+        <a:p>
+          <a:endParaRPr lang="en-GB"/>
+        </a:p>
+      </dgm:t>
     </dgm:pt>
     <dgm:pt modelId="{600EBB65-42BB-E84C-93D4-FFF327467F14}" type="pres">
       <dgm:prSet presAssocID="{AF1179F8-1AC9-A348-A6C2-1011A260A93E}" presName="Name30" presStyleCnt="0"/>
@@ -1517,86 +1779,177 @@
     <dgm:pt modelId="{2C42EB7B-4FDE-E542-A4DA-9522CEFAD7A2}" type="pres">
       <dgm:prSet presAssocID="{AF1179F8-1AC9-A348-A6C2-1011A260A93E}" presName="level2Shape" presStyleLbl="node2" presStyleIdx="0" presStyleCnt="3"/>
       <dgm:spPr/>
+      <dgm:t>
+        <a:bodyPr/>
+        <a:lstStyle/>
+        <a:p>
+          <a:endParaRPr lang="en-GB"/>
+        </a:p>
+      </dgm:t>
     </dgm:pt>
     <dgm:pt modelId="{28CAFBB7-939D-DC4D-BA1E-76F81AA9A1C3}" type="pres">
       <dgm:prSet presAssocID="{AF1179F8-1AC9-A348-A6C2-1011A260A93E}" presName="hierChild3" presStyleCnt="0"/>
       <dgm:spPr/>
     </dgm:pt>
     <dgm:pt modelId="{896BFDBB-DFE8-9640-918F-843F1DF71592}" type="pres">
-      <dgm:prSet presAssocID="{06298FA3-DFE4-144A-8966-397BDB34FC05}" presName="Name25" presStyleLbl="parChTrans1D3" presStyleIdx="0" presStyleCnt="12"/>
-      <dgm:spPr/>
+      <dgm:prSet presAssocID="{06298FA3-DFE4-144A-8966-397BDB34FC05}" presName="Name25" presStyleLbl="parChTrans1D3" presStyleIdx="0" presStyleCnt="13"/>
+      <dgm:spPr/>
+      <dgm:t>
+        <a:bodyPr/>
+        <a:lstStyle/>
+        <a:p>
+          <a:endParaRPr lang="en-GB"/>
+        </a:p>
+      </dgm:t>
     </dgm:pt>
     <dgm:pt modelId="{CCBE8F15-FBA1-4044-B7CC-DAB6DB1EAFD5}" type="pres">
-      <dgm:prSet presAssocID="{06298FA3-DFE4-144A-8966-397BDB34FC05}" presName="connTx" presStyleLbl="parChTrans1D3" presStyleIdx="0" presStyleCnt="12"/>
-      <dgm:spPr/>
+      <dgm:prSet presAssocID="{06298FA3-DFE4-144A-8966-397BDB34FC05}" presName="connTx" presStyleLbl="parChTrans1D3" presStyleIdx="0" presStyleCnt="13"/>
+      <dgm:spPr/>
+      <dgm:t>
+        <a:bodyPr/>
+        <a:lstStyle/>
+        <a:p>
+          <a:endParaRPr lang="en-GB"/>
+        </a:p>
+      </dgm:t>
     </dgm:pt>
     <dgm:pt modelId="{46B83F3A-B033-634C-95C1-FF965F994916}" type="pres">
       <dgm:prSet presAssocID="{4E84EFC4-193A-A44D-ACE3-5B0EC2D2063E}" presName="Name30" presStyleCnt="0"/>
       <dgm:spPr/>
     </dgm:pt>
     <dgm:pt modelId="{12ACF3D5-44C2-E344-B5ED-1E70A4542AA4}" type="pres">
-      <dgm:prSet presAssocID="{4E84EFC4-193A-A44D-ACE3-5B0EC2D2063E}" presName="level2Shape" presStyleLbl="node3" presStyleIdx="0" presStyleCnt="12"/>
-      <dgm:spPr/>
+      <dgm:prSet presAssocID="{4E84EFC4-193A-A44D-ACE3-5B0EC2D2063E}" presName="level2Shape" presStyleLbl="node3" presStyleIdx="0" presStyleCnt="13"/>
+      <dgm:spPr/>
+      <dgm:t>
+        <a:bodyPr/>
+        <a:lstStyle/>
+        <a:p>
+          <a:endParaRPr lang="en-GB"/>
+        </a:p>
+      </dgm:t>
     </dgm:pt>
     <dgm:pt modelId="{CC769E8C-AD23-5243-9BE4-9C55FE81F44F}" type="pres">
       <dgm:prSet presAssocID="{4E84EFC4-193A-A44D-ACE3-5B0EC2D2063E}" presName="hierChild3" presStyleCnt="0"/>
       <dgm:spPr/>
     </dgm:pt>
     <dgm:pt modelId="{1DD71699-0CCA-0A40-8CDC-C2BBA5468CE2}" type="pres">
-      <dgm:prSet presAssocID="{B92A28D7-807B-0F45-827E-44137B711F68}" presName="Name25" presStyleLbl="parChTrans1D3" presStyleIdx="1" presStyleCnt="12"/>
-      <dgm:spPr/>
+      <dgm:prSet presAssocID="{B92A28D7-807B-0F45-827E-44137B711F68}" presName="Name25" presStyleLbl="parChTrans1D3" presStyleIdx="1" presStyleCnt="13"/>
+      <dgm:spPr/>
+      <dgm:t>
+        <a:bodyPr/>
+        <a:lstStyle/>
+        <a:p>
+          <a:endParaRPr lang="en-GB"/>
+        </a:p>
+      </dgm:t>
     </dgm:pt>
     <dgm:pt modelId="{809D9094-DF62-FA4E-B4EC-FB183F9862F6}" type="pres">
-      <dgm:prSet presAssocID="{B92A28D7-807B-0F45-827E-44137B711F68}" presName="connTx" presStyleLbl="parChTrans1D3" presStyleIdx="1" presStyleCnt="12"/>
-      <dgm:spPr/>
+      <dgm:prSet presAssocID="{B92A28D7-807B-0F45-827E-44137B711F68}" presName="connTx" presStyleLbl="parChTrans1D3" presStyleIdx="1" presStyleCnt="13"/>
+      <dgm:spPr/>
+      <dgm:t>
+        <a:bodyPr/>
+        <a:lstStyle/>
+        <a:p>
+          <a:endParaRPr lang="en-GB"/>
+        </a:p>
+      </dgm:t>
     </dgm:pt>
     <dgm:pt modelId="{833748D8-82C3-454B-A1D8-BB42A635CFF2}" type="pres">
       <dgm:prSet presAssocID="{6C66D40B-7ABE-184A-8C13-EFB3BF64EBBB}" presName="Name30" presStyleCnt="0"/>
       <dgm:spPr/>
     </dgm:pt>
     <dgm:pt modelId="{CB0DE45B-F500-5342-AF9D-44ECCCAC36D5}" type="pres">
-      <dgm:prSet presAssocID="{6C66D40B-7ABE-184A-8C13-EFB3BF64EBBB}" presName="level2Shape" presStyleLbl="node3" presStyleIdx="1" presStyleCnt="12"/>
-      <dgm:spPr/>
+      <dgm:prSet presAssocID="{6C66D40B-7ABE-184A-8C13-EFB3BF64EBBB}" presName="level2Shape" presStyleLbl="node3" presStyleIdx="1" presStyleCnt="13"/>
+      <dgm:spPr/>
+      <dgm:t>
+        <a:bodyPr/>
+        <a:lstStyle/>
+        <a:p>
+          <a:endParaRPr lang="en-GB"/>
+        </a:p>
+      </dgm:t>
     </dgm:pt>
     <dgm:pt modelId="{0582D62D-806E-B642-94E2-91C12ACA173D}" type="pres">
       <dgm:prSet presAssocID="{6C66D40B-7ABE-184A-8C13-EFB3BF64EBBB}" presName="hierChild3" presStyleCnt="0"/>
       <dgm:spPr/>
     </dgm:pt>
     <dgm:pt modelId="{4C569D8C-DCE5-4A4F-AD46-E6530F45BA03}" type="pres">
-      <dgm:prSet presAssocID="{FDAC29A6-BB2E-A149-9FF0-668933FB8F10}" presName="Name25" presStyleLbl="parChTrans1D3" presStyleIdx="2" presStyleCnt="12"/>
-      <dgm:spPr/>
+      <dgm:prSet presAssocID="{FDAC29A6-BB2E-A149-9FF0-668933FB8F10}" presName="Name25" presStyleLbl="parChTrans1D3" presStyleIdx="2" presStyleCnt="13"/>
+      <dgm:spPr/>
+      <dgm:t>
+        <a:bodyPr/>
+        <a:lstStyle/>
+        <a:p>
+          <a:endParaRPr lang="en-GB"/>
+        </a:p>
+      </dgm:t>
     </dgm:pt>
     <dgm:pt modelId="{46356E39-4D5D-B540-A943-1A30714E03A6}" type="pres">
-      <dgm:prSet presAssocID="{FDAC29A6-BB2E-A149-9FF0-668933FB8F10}" presName="connTx" presStyleLbl="parChTrans1D3" presStyleIdx="2" presStyleCnt="12"/>
-      <dgm:spPr/>
+      <dgm:prSet presAssocID="{FDAC29A6-BB2E-A149-9FF0-668933FB8F10}" presName="connTx" presStyleLbl="parChTrans1D3" presStyleIdx="2" presStyleCnt="13"/>
+      <dgm:spPr/>
+      <dgm:t>
+        <a:bodyPr/>
+        <a:lstStyle/>
+        <a:p>
+          <a:endParaRPr lang="en-GB"/>
+        </a:p>
+      </dgm:t>
     </dgm:pt>
     <dgm:pt modelId="{6169243B-D24F-984B-996F-BEB7DD772448}" type="pres">
       <dgm:prSet presAssocID="{C111B2C8-1BB8-F14A-B234-928A60BF9CA3}" presName="Name30" presStyleCnt="0"/>
       <dgm:spPr/>
     </dgm:pt>
     <dgm:pt modelId="{6EA26667-D5E6-7142-BE46-86F5C9D41BF7}" type="pres">
-      <dgm:prSet presAssocID="{C111B2C8-1BB8-F14A-B234-928A60BF9CA3}" presName="level2Shape" presStyleLbl="node3" presStyleIdx="2" presStyleCnt="12"/>
-      <dgm:spPr/>
+      <dgm:prSet presAssocID="{C111B2C8-1BB8-F14A-B234-928A60BF9CA3}" presName="level2Shape" presStyleLbl="node3" presStyleIdx="2" presStyleCnt="13"/>
+      <dgm:spPr/>
+      <dgm:t>
+        <a:bodyPr/>
+        <a:lstStyle/>
+        <a:p>
+          <a:endParaRPr lang="en-GB"/>
+        </a:p>
+      </dgm:t>
     </dgm:pt>
     <dgm:pt modelId="{1C04E5F2-1889-9D44-B9DB-CB28BC2944C7}" type="pres">
       <dgm:prSet presAssocID="{C111B2C8-1BB8-F14A-B234-928A60BF9CA3}" presName="hierChild3" presStyleCnt="0"/>
       <dgm:spPr/>
     </dgm:pt>
     <dgm:pt modelId="{F21A2F2E-AD0A-AF4B-9FA3-F3EAD95A302B}" type="pres">
-      <dgm:prSet presAssocID="{5954C185-AF04-AC47-B083-4AF22873DBC2}" presName="Name25" presStyleLbl="parChTrans1D3" presStyleIdx="3" presStyleCnt="12"/>
-      <dgm:spPr/>
+      <dgm:prSet presAssocID="{5954C185-AF04-AC47-B083-4AF22873DBC2}" presName="Name25" presStyleLbl="parChTrans1D3" presStyleIdx="3" presStyleCnt="13"/>
+      <dgm:spPr/>
+      <dgm:t>
+        <a:bodyPr/>
+        <a:lstStyle/>
+        <a:p>
+          <a:endParaRPr lang="en-GB"/>
+        </a:p>
+      </dgm:t>
     </dgm:pt>
     <dgm:pt modelId="{B4840EDA-7FF1-0F49-AF97-08FFD3F8C985}" type="pres">
-      <dgm:prSet presAssocID="{5954C185-AF04-AC47-B083-4AF22873DBC2}" presName="connTx" presStyleLbl="parChTrans1D3" presStyleIdx="3" presStyleCnt="12"/>
-      <dgm:spPr/>
+      <dgm:prSet presAssocID="{5954C185-AF04-AC47-B083-4AF22873DBC2}" presName="connTx" presStyleLbl="parChTrans1D3" presStyleIdx="3" presStyleCnt="13"/>
+      <dgm:spPr/>
+      <dgm:t>
+        <a:bodyPr/>
+        <a:lstStyle/>
+        <a:p>
+          <a:endParaRPr lang="en-GB"/>
+        </a:p>
+      </dgm:t>
     </dgm:pt>
     <dgm:pt modelId="{36219C45-DEB9-B141-B54B-8D5BA79A1634}" type="pres">
       <dgm:prSet presAssocID="{3AD4EC40-EF60-6242-85E1-1A913CB28011}" presName="Name30" presStyleCnt="0"/>
       <dgm:spPr/>
     </dgm:pt>
     <dgm:pt modelId="{61C4C204-C9B5-224A-B021-4011A5E59734}" type="pres">
-      <dgm:prSet presAssocID="{3AD4EC40-EF60-6242-85E1-1A913CB28011}" presName="level2Shape" presStyleLbl="node3" presStyleIdx="3" presStyleCnt="12"/>
-      <dgm:spPr/>
+      <dgm:prSet presAssocID="{3AD4EC40-EF60-6242-85E1-1A913CB28011}" presName="level2Shape" presStyleLbl="node3" presStyleIdx="3" presStyleCnt="13"/>
+      <dgm:spPr/>
+      <dgm:t>
+        <a:bodyPr/>
+        <a:lstStyle/>
+        <a:p>
+          <a:endParaRPr lang="en-GB"/>
+        </a:p>
+      </dgm:t>
     </dgm:pt>
     <dgm:pt modelId="{00504FA8-E949-E348-926D-9085FD29BE97}" type="pres">
       <dgm:prSet presAssocID="{3AD4EC40-EF60-6242-85E1-1A913CB28011}" presName="hierChild3" presStyleCnt="0"/>
@@ -1605,10 +1958,24 @@
     <dgm:pt modelId="{3F009B34-E212-1940-A9A8-17188D519ECB}" type="pres">
       <dgm:prSet presAssocID="{FBC0DD77-6DC9-0E47-BBC7-34F4CEF0FA36}" presName="Name25" presStyleLbl="parChTrans1D2" presStyleIdx="1" presStyleCnt="3"/>
       <dgm:spPr/>
+      <dgm:t>
+        <a:bodyPr/>
+        <a:lstStyle/>
+        <a:p>
+          <a:endParaRPr lang="en-GB"/>
+        </a:p>
+      </dgm:t>
     </dgm:pt>
     <dgm:pt modelId="{15369465-6FB4-544E-A42D-141D719844B0}" type="pres">
       <dgm:prSet presAssocID="{FBC0DD77-6DC9-0E47-BBC7-34F4CEF0FA36}" presName="connTx" presStyleLbl="parChTrans1D2" presStyleIdx="1" presStyleCnt="3"/>
       <dgm:spPr/>
+      <dgm:t>
+        <a:bodyPr/>
+        <a:lstStyle/>
+        <a:p>
+          <a:endParaRPr lang="en-GB"/>
+        </a:p>
+      </dgm:t>
     </dgm:pt>
     <dgm:pt modelId="{0C9D859C-30BA-4D47-98F6-93D1CE2E3489}" type="pres">
       <dgm:prSet presAssocID="{165BCFF5-D307-834F-9513-D63DDB640EED}" presName="Name30" presStyleCnt="0"/>
@@ -1617,66 +1984,163 @@
     <dgm:pt modelId="{8125C6A5-ABB3-6345-AC76-5FB72A611740}" type="pres">
       <dgm:prSet presAssocID="{165BCFF5-D307-834F-9513-D63DDB640EED}" presName="level2Shape" presStyleLbl="node2" presStyleIdx="1" presStyleCnt="3"/>
       <dgm:spPr/>
+      <dgm:t>
+        <a:bodyPr/>
+        <a:lstStyle/>
+        <a:p>
+          <a:endParaRPr lang="en-GB"/>
+        </a:p>
+      </dgm:t>
     </dgm:pt>
     <dgm:pt modelId="{5CAF909E-868C-3444-90FB-A44A9950EB27}" type="pres">
       <dgm:prSet presAssocID="{165BCFF5-D307-834F-9513-D63DDB640EED}" presName="hierChild3" presStyleCnt="0"/>
       <dgm:spPr/>
     </dgm:pt>
     <dgm:pt modelId="{4ED16191-611F-4144-A940-15AAA4725161}" type="pres">
-      <dgm:prSet presAssocID="{5B4E0232-8E3B-694D-9BBA-56CF4E715784}" presName="Name25" presStyleLbl="parChTrans1D3" presStyleIdx="4" presStyleCnt="12"/>
-      <dgm:spPr/>
+      <dgm:prSet presAssocID="{5B4E0232-8E3B-694D-9BBA-56CF4E715784}" presName="Name25" presStyleLbl="parChTrans1D3" presStyleIdx="4" presStyleCnt="13"/>
+      <dgm:spPr/>
+      <dgm:t>
+        <a:bodyPr/>
+        <a:lstStyle/>
+        <a:p>
+          <a:endParaRPr lang="en-GB"/>
+        </a:p>
+      </dgm:t>
     </dgm:pt>
     <dgm:pt modelId="{4C30A27F-720D-144C-A24C-FD38444451A7}" type="pres">
-      <dgm:prSet presAssocID="{5B4E0232-8E3B-694D-9BBA-56CF4E715784}" presName="connTx" presStyleLbl="parChTrans1D3" presStyleIdx="4" presStyleCnt="12"/>
-      <dgm:spPr/>
+      <dgm:prSet presAssocID="{5B4E0232-8E3B-694D-9BBA-56CF4E715784}" presName="connTx" presStyleLbl="parChTrans1D3" presStyleIdx="4" presStyleCnt="13"/>
+      <dgm:spPr/>
+      <dgm:t>
+        <a:bodyPr/>
+        <a:lstStyle/>
+        <a:p>
+          <a:endParaRPr lang="en-GB"/>
+        </a:p>
+      </dgm:t>
     </dgm:pt>
     <dgm:pt modelId="{B879C3C4-8930-3D41-BC3E-C063D8C00D4B}" type="pres">
       <dgm:prSet presAssocID="{A0F5C7E8-65A8-0B43-916A-215271AE2A36}" presName="Name30" presStyleCnt="0"/>
       <dgm:spPr/>
     </dgm:pt>
     <dgm:pt modelId="{991AE36F-702E-604E-8B03-3783CDD3AF18}" type="pres">
-      <dgm:prSet presAssocID="{A0F5C7E8-65A8-0B43-916A-215271AE2A36}" presName="level2Shape" presStyleLbl="node3" presStyleIdx="4" presStyleCnt="12"/>
-      <dgm:spPr/>
+      <dgm:prSet presAssocID="{A0F5C7E8-65A8-0B43-916A-215271AE2A36}" presName="level2Shape" presStyleLbl="node3" presStyleIdx="4" presStyleCnt="13"/>
+      <dgm:spPr/>
+      <dgm:t>
+        <a:bodyPr/>
+        <a:lstStyle/>
+        <a:p>
+          <a:endParaRPr lang="en-GB"/>
+        </a:p>
+      </dgm:t>
     </dgm:pt>
     <dgm:pt modelId="{4D6928BB-BB6E-784D-96C2-66BEC7D3BD7C}" type="pres">
       <dgm:prSet presAssocID="{A0F5C7E8-65A8-0B43-916A-215271AE2A36}" presName="hierChild3" presStyleCnt="0"/>
       <dgm:spPr/>
     </dgm:pt>
+    <dgm:pt modelId="{F9BE6BE1-C741-48BF-B99B-527042DE33E2}" type="pres">
+      <dgm:prSet presAssocID="{FB8F6223-9CA4-48A8-82AA-DEF7398D1AB9}" presName="Name25" presStyleLbl="parChTrans1D3" presStyleIdx="5" presStyleCnt="13"/>
+      <dgm:spPr/>
+    </dgm:pt>
+    <dgm:pt modelId="{D67C5A45-7856-45B9-BFDA-248A3FFB618B}" type="pres">
+      <dgm:prSet presAssocID="{FB8F6223-9CA4-48A8-82AA-DEF7398D1AB9}" presName="connTx" presStyleLbl="parChTrans1D3" presStyleIdx="5" presStyleCnt="13"/>
+      <dgm:spPr/>
+    </dgm:pt>
+    <dgm:pt modelId="{D116E9FB-744D-4A90-ACA6-3290027846B7}" type="pres">
+      <dgm:prSet presAssocID="{6EFF275E-FC57-4B4D-A93A-6AD7AABF0467}" presName="Name30" presStyleCnt="0"/>
+      <dgm:spPr/>
+    </dgm:pt>
+    <dgm:pt modelId="{B6E113D7-8823-4451-9EDF-1610D06160F5}" type="pres">
+      <dgm:prSet presAssocID="{6EFF275E-FC57-4B4D-A93A-6AD7AABF0467}" presName="level2Shape" presStyleLbl="node3" presStyleIdx="5" presStyleCnt="13"/>
+      <dgm:spPr/>
+      <dgm:t>
+        <a:bodyPr/>
+        <a:lstStyle/>
+        <a:p>
+          <a:endParaRPr lang="en-GB"/>
+        </a:p>
+      </dgm:t>
+    </dgm:pt>
+    <dgm:pt modelId="{EDB8CDC4-6C99-4D2F-9277-A5D463F5E51E}" type="pres">
+      <dgm:prSet presAssocID="{6EFF275E-FC57-4B4D-A93A-6AD7AABF0467}" presName="hierChild3" presStyleCnt="0"/>
+      <dgm:spPr/>
+    </dgm:pt>
     <dgm:pt modelId="{DEB338D9-5153-3C45-A20C-019BE55E4289}" type="pres">
-      <dgm:prSet presAssocID="{DEFA968F-3DA3-6C41-879A-CE6E743E3F50}" presName="Name25" presStyleLbl="parChTrans1D3" presStyleIdx="5" presStyleCnt="12"/>
-      <dgm:spPr/>
+      <dgm:prSet presAssocID="{DEFA968F-3DA3-6C41-879A-CE6E743E3F50}" presName="Name25" presStyleLbl="parChTrans1D3" presStyleIdx="6" presStyleCnt="13"/>
+      <dgm:spPr/>
+      <dgm:t>
+        <a:bodyPr/>
+        <a:lstStyle/>
+        <a:p>
+          <a:endParaRPr lang="en-GB"/>
+        </a:p>
+      </dgm:t>
     </dgm:pt>
     <dgm:pt modelId="{15B239F7-7386-1841-9212-F52FB435AC79}" type="pres">
-      <dgm:prSet presAssocID="{DEFA968F-3DA3-6C41-879A-CE6E743E3F50}" presName="connTx" presStyleLbl="parChTrans1D3" presStyleIdx="5" presStyleCnt="12"/>
-      <dgm:spPr/>
+      <dgm:prSet presAssocID="{DEFA968F-3DA3-6C41-879A-CE6E743E3F50}" presName="connTx" presStyleLbl="parChTrans1D3" presStyleIdx="6" presStyleCnt="13"/>
+      <dgm:spPr/>
+      <dgm:t>
+        <a:bodyPr/>
+        <a:lstStyle/>
+        <a:p>
+          <a:endParaRPr lang="en-GB"/>
+        </a:p>
+      </dgm:t>
     </dgm:pt>
     <dgm:pt modelId="{CB2A3024-FC33-DB42-990E-CBBB3C45C4DD}" type="pres">
       <dgm:prSet presAssocID="{3E7F5C0F-54B8-D145-99B3-76E5F70F6973}" presName="Name30" presStyleCnt="0"/>
       <dgm:spPr/>
     </dgm:pt>
     <dgm:pt modelId="{3BFE038C-3F2F-0842-838C-F4B0FF121F71}" type="pres">
-      <dgm:prSet presAssocID="{3E7F5C0F-54B8-D145-99B3-76E5F70F6973}" presName="level2Shape" presStyleLbl="node3" presStyleIdx="5" presStyleCnt="12"/>
-      <dgm:spPr/>
+      <dgm:prSet presAssocID="{3E7F5C0F-54B8-D145-99B3-76E5F70F6973}" presName="level2Shape" presStyleLbl="node3" presStyleIdx="6" presStyleCnt="13"/>
+      <dgm:spPr/>
+      <dgm:t>
+        <a:bodyPr/>
+        <a:lstStyle/>
+        <a:p>
+          <a:endParaRPr lang="en-GB"/>
+        </a:p>
+      </dgm:t>
     </dgm:pt>
     <dgm:pt modelId="{2CCB80CA-B209-FC46-B459-2C682D68F798}" type="pres">
       <dgm:prSet presAssocID="{3E7F5C0F-54B8-D145-99B3-76E5F70F6973}" presName="hierChild3" presStyleCnt="0"/>
       <dgm:spPr/>
     </dgm:pt>
     <dgm:pt modelId="{8A227CA5-77E3-E44D-8FC6-12E69809ADD6}" type="pres">
-      <dgm:prSet presAssocID="{C57F6313-9CD0-AE4E-BC45-B01F466F551C}" presName="Name25" presStyleLbl="parChTrans1D3" presStyleIdx="6" presStyleCnt="12"/>
-      <dgm:spPr/>
+      <dgm:prSet presAssocID="{C57F6313-9CD0-AE4E-BC45-B01F466F551C}" presName="Name25" presStyleLbl="parChTrans1D3" presStyleIdx="7" presStyleCnt="13"/>
+      <dgm:spPr/>
+      <dgm:t>
+        <a:bodyPr/>
+        <a:lstStyle/>
+        <a:p>
+          <a:endParaRPr lang="en-GB"/>
+        </a:p>
+      </dgm:t>
     </dgm:pt>
     <dgm:pt modelId="{C7AA90CC-CEC4-E54B-B80B-C7948542FDD9}" type="pres">
-      <dgm:prSet presAssocID="{C57F6313-9CD0-AE4E-BC45-B01F466F551C}" presName="connTx" presStyleLbl="parChTrans1D3" presStyleIdx="6" presStyleCnt="12"/>
-      <dgm:spPr/>
+      <dgm:prSet presAssocID="{C57F6313-9CD0-AE4E-BC45-B01F466F551C}" presName="connTx" presStyleLbl="parChTrans1D3" presStyleIdx="7" presStyleCnt="13"/>
+      <dgm:spPr/>
+      <dgm:t>
+        <a:bodyPr/>
+        <a:lstStyle/>
+        <a:p>
+          <a:endParaRPr lang="en-GB"/>
+        </a:p>
+      </dgm:t>
     </dgm:pt>
     <dgm:pt modelId="{22A84F7F-F09A-1349-85A7-6DB4695B66E4}" type="pres">
       <dgm:prSet presAssocID="{56CA5FF7-BA38-8B4F-8CE4-2F704DC978A2}" presName="Name30" presStyleCnt="0"/>
       <dgm:spPr/>
     </dgm:pt>
     <dgm:pt modelId="{DCA1D83B-1E26-E945-92BA-4480561F7FF3}" type="pres">
-      <dgm:prSet presAssocID="{56CA5FF7-BA38-8B4F-8CE4-2F704DC978A2}" presName="level2Shape" presStyleLbl="node3" presStyleIdx="6" presStyleCnt="12"/>
-      <dgm:spPr/>
+      <dgm:prSet presAssocID="{56CA5FF7-BA38-8B4F-8CE4-2F704DC978A2}" presName="level2Shape" presStyleLbl="node3" presStyleIdx="7" presStyleCnt="13"/>
+      <dgm:spPr/>
+      <dgm:t>
+        <a:bodyPr/>
+        <a:lstStyle/>
+        <a:p>
+          <a:endParaRPr lang="en-GB"/>
+        </a:p>
+      </dgm:t>
     </dgm:pt>
     <dgm:pt modelId="{49B61104-5BD1-F44A-98F9-D027160B6F19}" type="pres">
       <dgm:prSet presAssocID="{56CA5FF7-BA38-8B4F-8CE4-2F704DC978A2}" presName="hierChild3" presStyleCnt="0"/>
@@ -1685,10 +2149,24 @@
     <dgm:pt modelId="{FB940781-B036-0D4D-8481-11843FB112EB}" type="pres">
       <dgm:prSet presAssocID="{1972B39D-B0E6-E44D-A064-ABF10AAE8757}" presName="Name25" presStyleLbl="parChTrans1D2" presStyleIdx="2" presStyleCnt="3"/>
       <dgm:spPr/>
+      <dgm:t>
+        <a:bodyPr/>
+        <a:lstStyle/>
+        <a:p>
+          <a:endParaRPr lang="en-GB"/>
+        </a:p>
+      </dgm:t>
     </dgm:pt>
     <dgm:pt modelId="{184A50B8-990E-F04C-B2B8-827C3289D489}" type="pres">
       <dgm:prSet presAssocID="{1972B39D-B0E6-E44D-A064-ABF10AAE8757}" presName="connTx" presStyleLbl="parChTrans1D2" presStyleIdx="2" presStyleCnt="3"/>
       <dgm:spPr/>
+      <dgm:t>
+        <a:bodyPr/>
+        <a:lstStyle/>
+        <a:p>
+          <a:endParaRPr lang="en-GB"/>
+        </a:p>
+      </dgm:t>
     </dgm:pt>
     <dgm:pt modelId="{84F62AF8-023A-BA47-9F9B-9FD9D9807BF7}" type="pres">
       <dgm:prSet presAssocID="{A57DF884-63A5-D946-B873-22CB0DED072F}" presName="Name30" presStyleCnt="0"/>
@@ -1697,106 +2175,218 @@
     <dgm:pt modelId="{08AC7F4A-54BD-0A4C-BF93-2E54E1140454}" type="pres">
       <dgm:prSet presAssocID="{A57DF884-63A5-D946-B873-22CB0DED072F}" presName="level2Shape" presStyleLbl="node2" presStyleIdx="2" presStyleCnt="3"/>
       <dgm:spPr/>
+      <dgm:t>
+        <a:bodyPr/>
+        <a:lstStyle/>
+        <a:p>
+          <a:endParaRPr lang="en-GB"/>
+        </a:p>
+      </dgm:t>
     </dgm:pt>
     <dgm:pt modelId="{16D181E7-C0F6-664F-A9C2-6EEC4A4032B6}" type="pres">
       <dgm:prSet presAssocID="{A57DF884-63A5-D946-B873-22CB0DED072F}" presName="hierChild3" presStyleCnt="0"/>
       <dgm:spPr/>
     </dgm:pt>
     <dgm:pt modelId="{C7C74E78-F9FB-1F45-AFE4-DBC0EAF0AEED}" type="pres">
-      <dgm:prSet presAssocID="{5C62F770-ACCD-7842-A40D-C68C1A62B5E4}" presName="Name25" presStyleLbl="parChTrans1D3" presStyleIdx="7" presStyleCnt="12"/>
-      <dgm:spPr/>
+      <dgm:prSet presAssocID="{5C62F770-ACCD-7842-A40D-C68C1A62B5E4}" presName="Name25" presStyleLbl="parChTrans1D3" presStyleIdx="8" presStyleCnt="13"/>
+      <dgm:spPr/>
+      <dgm:t>
+        <a:bodyPr/>
+        <a:lstStyle/>
+        <a:p>
+          <a:endParaRPr lang="en-GB"/>
+        </a:p>
+      </dgm:t>
     </dgm:pt>
     <dgm:pt modelId="{DB1AE67F-F051-0149-9E65-42732B19A003}" type="pres">
-      <dgm:prSet presAssocID="{5C62F770-ACCD-7842-A40D-C68C1A62B5E4}" presName="connTx" presStyleLbl="parChTrans1D3" presStyleIdx="7" presStyleCnt="12"/>
-      <dgm:spPr/>
+      <dgm:prSet presAssocID="{5C62F770-ACCD-7842-A40D-C68C1A62B5E4}" presName="connTx" presStyleLbl="parChTrans1D3" presStyleIdx="8" presStyleCnt="13"/>
+      <dgm:spPr/>
+      <dgm:t>
+        <a:bodyPr/>
+        <a:lstStyle/>
+        <a:p>
+          <a:endParaRPr lang="en-GB"/>
+        </a:p>
+      </dgm:t>
     </dgm:pt>
     <dgm:pt modelId="{B9740B6C-583F-9A43-8075-AA86300DE42C}" type="pres">
       <dgm:prSet presAssocID="{FB636273-1EDA-6949-9F1D-B5A6940D6064}" presName="Name30" presStyleCnt="0"/>
       <dgm:spPr/>
     </dgm:pt>
     <dgm:pt modelId="{58BB4A0B-7B2B-4747-B0EF-7D9403963C26}" type="pres">
-      <dgm:prSet presAssocID="{FB636273-1EDA-6949-9F1D-B5A6940D6064}" presName="level2Shape" presStyleLbl="node3" presStyleIdx="7" presStyleCnt="12"/>
-      <dgm:spPr/>
+      <dgm:prSet presAssocID="{FB636273-1EDA-6949-9F1D-B5A6940D6064}" presName="level2Shape" presStyleLbl="node3" presStyleIdx="8" presStyleCnt="13"/>
+      <dgm:spPr/>
+      <dgm:t>
+        <a:bodyPr/>
+        <a:lstStyle/>
+        <a:p>
+          <a:endParaRPr lang="en-GB"/>
+        </a:p>
+      </dgm:t>
     </dgm:pt>
     <dgm:pt modelId="{23434F16-35CC-5341-BD50-C446B52CD941}" type="pres">
       <dgm:prSet presAssocID="{FB636273-1EDA-6949-9F1D-B5A6940D6064}" presName="hierChild3" presStyleCnt="0"/>
       <dgm:spPr/>
     </dgm:pt>
     <dgm:pt modelId="{D1551F6F-3DDE-7A4E-8707-682681D08E60}" type="pres">
-      <dgm:prSet presAssocID="{27AF6CFC-8445-614A-BC51-31F44C44763C}" presName="Name25" presStyleLbl="parChTrans1D3" presStyleIdx="8" presStyleCnt="12"/>
-      <dgm:spPr/>
+      <dgm:prSet presAssocID="{27AF6CFC-8445-614A-BC51-31F44C44763C}" presName="Name25" presStyleLbl="parChTrans1D3" presStyleIdx="9" presStyleCnt="13"/>
+      <dgm:spPr/>
+      <dgm:t>
+        <a:bodyPr/>
+        <a:lstStyle/>
+        <a:p>
+          <a:endParaRPr lang="en-GB"/>
+        </a:p>
+      </dgm:t>
     </dgm:pt>
     <dgm:pt modelId="{CE70EB54-9535-FB49-AE78-94F609459568}" type="pres">
-      <dgm:prSet presAssocID="{27AF6CFC-8445-614A-BC51-31F44C44763C}" presName="connTx" presStyleLbl="parChTrans1D3" presStyleIdx="8" presStyleCnt="12"/>
-      <dgm:spPr/>
+      <dgm:prSet presAssocID="{27AF6CFC-8445-614A-BC51-31F44C44763C}" presName="connTx" presStyleLbl="parChTrans1D3" presStyleIdx="9" presStyleCnt="13"/>
+      <dgm:spPr/>
+      <dgm:t>
+        <a:bodyPr/>
+        <a:lstStyle/>
+        <a:p>
+          <a:endParaRPr lang="en-GB"/>
+        </a:p>
+      </dgm:t>
     </dgm:pt>
     <dgm:pt modelId="{BCFAC9C9-9BFF-B94B-B08C-DDF98BE0D92C}" type="pres">
       <dgm:prSet presAssocID="{9CC6B040-EE0D-0147-AFCE-4C28B4BA7F0D}" presName="Name30" presStyleCnt="0"/>
       <dgm:spPr/>
     </dgm:pt>
     <dgm:pt modelId="{57565EDE-02F1-584D-8C0E-975278B7856B}" type="pres">
-      <dgm:prSet presAssocID="{9CC6B040-EE0D-0147-AFCE-4C28B4BA7F0D}" presName="level2Shape" presStyleLbl="node3" presStyleIdx="8" presStyleCnt="12"/>
-      <dgm:spPr/>
+      <dgm:prSet presAssocID="{9CC6B040-EE0D-0147-AFCE-4C28B4BA7F0D}" presName="level2Shape" presStyleLbl="node3" presStyleIdx="9" presStyleCnt="13"/>
+      <dgm:spPr/>
+      <dgm:t>
+        <a:bodyPr/>
+        <a:lstStyle/>
+        <a:p>
+          <a:endParaRPr lang="en-GB"/>
+        </a:p>
+      </dgm:t>
     </dgm:pt>
     <dgm:pt modelId="{02842043-3AED-794D-9BE7-63C708EB8172}" type="pres">
       <dgm:prSet presAssocID="{9CC6B040-EE0D-0147-AFCE-4C28B4BA7F0D}" presName="hierChild3" presStyleCnt="0"/>
       <dgm:spPr/>
     </dgm:pt>
     <dgm:pt modelId="{39B99F2D-8DF7-F642-9295-49840427A027}" type="pres">
-      <dgm:prSet presAssocID="{532F1BCE-9766-8240-9859-E85B9EAFFC4D}" presName="Name25" presStyleLbl="parChTrans1D3" presStyleIdx="9" presStyleCnt="12"/>
-      <dgm:spPr/>
+      <dgm:prSet presAssocID="{532F1BCE-9766-8240-9859-E85B9EAFFC4D}" presName="Name25" presStyleLbl="parChTrans1D3" presStyleIdx="10" presStyleCnt="13"/>
+      <dgm:spPr/>
+      <dgm:t>
+        <a:bodyPr/>
+        <a:lstStyle/>
+        <a:p>
+          <a:endParaRPr lang="en-GB"/>
+        </a:p>
+      </dgm:t>
     </dgm:pt>
     <dgm:pt modelId="{3CAA7C53-745C-814F-98DE-DD4E6BD24E05}" type="pres">
-      <dgm:prSet presAssocID="{532F1BCE-9766-8240-9859-E85B9EAFFC4D}" presName="connTx" presStyleLbl="parChTrans1D3" presStyleIdx="9" presStyleCnt="12"/>
-      <dgm:spPr/>
+      <dgm:prSet presAssocID="{532F1BCE-9766-8240-9859-E85B9EAFFC4D}" presName="connTx" presStyleLbl="parChTrans1D3" presStyleIdx="10" presStyleCnt="13"/>
+      <dgm:spPr/>
+      <dgm:t>
+        <a:bodyPr/>
+        <a:lstStyle/>
+        <a:p>
+          <a:endParaRPr lang="en-GB"/>
+        </a:p>
+      </dgm:t>
     </dgm:pt>
     <dgm:pt modelId="{9EE29C1E-7797-914B-882B-C720C6B5485F}" type="pres">
       <dgm:prSet presAssocID="{356C763A-4C62-8F47-BB27-7ABB5623ECD9}" presName="Name30" presStyleCnt="0"/>
       <dgm:spPr/>
     </dgm:pt>
     <dgm:pt modelId="{873E7218-3A62-F847-97BA-4E860644D978}" type="pres">
-      <dgm:prSet presAssocID="{356C763A-4C62-8F47-BB27-7ABB5623ECD9}" presName="level2Shape" presStyleLbl="node3" presStyleIdx="9" presStyleCnt="12"/>
-      <dgm:spPr/>
+      <dgm:prSet presAssocID="{356C763A-4C62-8F47-BB27-7ABB5623ECD9}" presName="level2Shape" presStyleLbl="node3" presStyleIdx="10" presStyleCnt="13"/>
+      <dgm:spPr/>
+      <dgm:t>
+        <a:bodyPr/>
+        <a:lstStyle/>
+        <a:p>
+          <a:endParaRPr lang="en-GB"/>
+        </a:p>
+      </dgm:t>
     </dgm:pt>
     <dgm:pt modelId="{A15DFEEE-D622-8F4A-A87E-8C27F3C89DC7}" type="pres">
       <dgm:prSet presAssocID="{356C763A-4C62-8F47-BB27-7ABB5623ECD9}" presName="hierChild3" presStyleCnt="0"/>
       <dgm:spPr/>
     </dgm:pt>
     <dgm:pt modelId="{E5733B22-1259-B343-9BDE-90918AA8B96A}" type="pres">
-      <dgm:prSet presAssocID="{3DE5A90E-125F-354F-9267-75A0A115CB0E}" presName="Name25" presStyleLbl="parChTrans1D3" presStyleIdx="10" presStyleCnt="12"/>
-      <dgm:spPr/>
+      <dgm:prSet presAssocID="{3DE5A90E-125F-354F-9267-75A0A115CB0E}" presName="Name25" presStyleLbl="parChTrans1D3" presStyleIdx="11" presStyleCnt="13"/>
+      <dgm:spPr/>
+      <dgm:t>
+        <a:bodyPr/>
+        <a:lstStyle/>
+        <a:p>
+          <a:endParaRPr lang="en-GB"/>
+        </a:p>
+      </dgm:t>
     </dgm:pt>
     <dgm:pt modelId="{639D3D46-CFE4-7B46-A5C5-5DA81B6D6ABD}" type="pres">
-      <dgm:prSet presAssocID="{3DE5A90E-125F-354F-9267-75A0A115CB0E}" presName="connTx" presStyleLbl="parChTrans1D3" presStyleIdx="10" presStyleCnt="12"/>
-      <dgm:spPr/>
+      <dgm:prSet presAssocID="{3DE5A90E-125F-354F-9267-75A0A115CB0E}" presName="connTx" presStyleLbl="parChTrans1D3" presStyleIdx="11" presStyleCnt="13"/>
+      <dgm:spPr/>
+      <dgm:t>
+        <a:bodyPr/>
+        <a:lstStyle/>
+        <a:p>
+          <a:endParaRPr lang="en-GB"/>
+        </a:p>
+      </dgm:t>
     </dgm:pt>
     <dgm:pt modelId="{DFE501CD-769F-0840-B054-F2B82282B673}" type="pres">
       <dgm:prSet presAssocID="{C008F444-929A-AD41-A575-AA61027F53EA}" presName="Name30" presStyleCnt="0"/>
       <dgm:spPr/>
     </dgm:pt>
     <dgm:pt modelId="{02C31283-E609-8A4A-BED4-298B619C1104}" type="pres">
-      <dgm:prSet presAssocID="{C008F444-929A-AD41-A575-AA61027F53EA}" presName="level2Shape" presStyleLbl="node3" presStyleIdx="10" presStyleCnt="12"/>
-      <dgm:spPr/>
+      <dgm:prSet presAssocID="{C008F444-929A-AD41-A575-AA61027F53EA}" presName="level2Shape" presStyleLbl="node3" presStyleIdx="11" presStyleCnt="13"/>
+      <dgm:spPr/>
+      <dgm:t>
+        <a:bodyPr/>
+        <a:lstStyle/>
+        <a:p>
+          <a:endParaRPr lang="en-GB"/>
+        </a:p>
+      </dgm:t>
     </dgm:pt>
     <dgm:pt modelId="{1BA8B56C-748C-2F48-A073-D9D71D6BCFC4}" type="pres">
       <dgm:prSet presAssocID="{C008F444-929A-AD41-A575-AA61027F53EA}" presName="hierChild3" presStyleCnt="0"/>
       <dgm:spPr/>
     </dgm:pt>
     <dgm:pt modelId="{71E1BBFA-A853-7842-84E6-5F001D5FEB47}" type="pres">
-      <dgm:prSet presAssocID="{167D7C88-5617-2C41-9320-4B86292D988B}" presName="Name25" presStyleLbl="parChTrans1D3" presStyleIdx="11" presStyleCnt="12"/>
-      <dgm:spPr/>
+      <dgm:prSet presAssocID="{167D7C88-5617-2C41-9320-4B86292D988B}" presName="Name25" presStyleLbl="parChTrans1D3" presStyleIdx="12" presStyleCnt="13"/>
+      <dgm:spPr/>
+      <dgm:t>
+        <a:bodyPr/>
+        <a:lstStyle/>
+        <a:p>
+          <a:endParaRPr lang="en-GB"/>
+        </a:p>
+      </dgm:t>
     </dgm:pt>
     <dgm:pt modelId="{6C1BA629-DF86-9146-A293-B3ABE4D2EF41}" type="pres">
-      <dgm:prSet presAssocID="{167D7C88-5617-2C41-9320-4B86292D988B}" presName="connTx" presStyleLbl="parChTrans1D3" presStyleIdx="11" presStyleCnt="12"/>
-      <dgm:spPr/>
+      <dgm:prSet presAssocID="{167D7C88-5617-2C41-9320-4B86292D988B}" presName="connTx" presStyleLbl="parChTrans1D3" presStyleIdx="12" presStyleCnt="13"/>
+      <dgm:spPr/>
+      <dgm:t>
+        <a:bodyPr/>
+        <a:lstStyle/>
+        <a:p>
+          <a:endParaRPr lang="en-GB"/>
+        </a:p>
+      </dgm:t>
     </dgm:pt>
     <dgm:pt modelId="{67903CB2-935B-0041-9CA0-A77D36D4AC3F}" type="pres">
       <dgm:prSet presAssocID="{76840EF0-7570-9C40-8303-3BEC817850F6}" presName="Name30" presStyleCnt="0"/>
       <dgm:spPr/>
     </dgm:pt>
     <dgm:pt modelId="{140C74B4-2B31-CE41-9CD4-AD44B6191608}" type="pres">
-      <dgm:prSet presAssocID="{76840EF0-7570-9C40-8303-3BEC817850F6}" presName="level2Shape" presStyleLbl="node3" presStyleIdx="11" presStyleCnt="12"/>
-      <dgm:spPr/>
+      <dgm:prSet presAssocID="{76840EF0-7570-9C40-8303-3BEC817850F6}" presName="level2Shape" presStyleLbl="node3" presStyleIdx="12" presStyleCnt="13"/>
+      <dgm:spPr/>
+      <dgm:t>
+        <a:bodyPr/>
+        <a:lstStyle/>
+        <a:p>
+          <a:endParaRPr lang="en-GB"/>
+        </a:p>
+      </dgm:t>
     </dgm:pt>
     <dgm:pt modelId="{95966353-4A42-2F4D-ABC9-BC68DD06E96B}" type="pres">
       <dgm:prSet presAssocID="{76840EF0-7570-9C40-8303-3BEC817850F6}" presName="hierChild3" presStyleCnt="0"/>
@@ -1809,68 +2399,72 @@
   </dgm:ptLst>
   <dgm:cxnLst>
     <dgm:cxn modelId="{57F44CD3-068C-254D-A763-85446066F750}" type="presOf" srcId="{5954C185-AF04-AC47-B083-4AF22873DBC2}" destId="{B4840EDA-7FF1-0F49-AF97-08FFD3F8C985}" srcOrd="1" destOrd="0" presId="urn:microsoft.com/office/officeart/2005/8/layout/hierarchy5"/>
-    <dgm:cxn modelId="{CE8B5C30-7F51-2440-8008-B4D035C83E76}" type="presOf" srcId="{6C66D40B-7ABE-184A-8C13-EFB3BF64EBBB}" destId="{CB0DE45B-F500-5342-AF9D-44ECCCAC36D5}" srcOrd="0" destOrd="0" presId="urn:microsoft.com/office/officeart/2005/8/layout/hierarchy5"/>
-    <dgm:cxn modelId="{EC81BE03-E5D8-6948-9D12-470CE201063F}" type="presOf" srcId="{5B4E0232-8E3B-694D-9BBA-56CF4E715784}" destId="{4C30A27F-720D-144C-A24C-FD38444451A7}" srcOrd="1" destOrd="0" presId="urn:microsoft.com/office/officeart/2005/8/layout/hierarchy5"/>
-    <dgm:cxn modelId="{1DEC1C05-D03F-454B-84C9-7FBE42BD52CC}" type="presOf" srcId="{C57F6313-9CD0-AE4E-BC45-B01F466F551C}" destId="{8A227CA5-77E3-E44D-8FC6-12E69809ADD6}" srcOrd="0" destOrd="0" presId="urn:microsoft.com/office/officeart/2005/8/layout/hierarchy5"/>
-    <dgm:cxn modelId="{EF1047DD-E520-C643-943A-645E85EFC32A}" type="presOf" srcId="{3E7F5C0F-54B8-D145-99B3-76E5F70F6973}" destId="{3BFE038C-3F2F-0842-838C-F4B0FF121F71}" srcOrd="0" destOrd="0" presId="urn:microsoft.com/office/officeart/2005/8/layout/hierarchy5"/>
-    <dgm:cxn modelId="{45B40850-6997-C144-AD07-3E91F8B2665E}" srcId="{5497FA81-8BE4-A246-B613-95A0B7F8C4C2}" destId="{DF6ABEDA-B470-8A44-8DEF-985A4FC332DB}" srcOrd="0" destOrd="0" parTransId="{9AD9B382-DC23-BA4D-8E49-3F347CD0AA20}" sibTransId="{D79B6717-99E4-C141-BF69-23015E1542A0}"/>
-    <dgm:cxn modelId="{08F5D949-AFB3-334F-88A7-0F9A5CCA8B30}" type="presOf" srcId="{356C763A-4C62-8F47-BB27-7ABB5623ECD9}" destId="{873E7218-3A62-F847-97BA-4E860644D978}" srcOrd="0" destOrd="0" presId="urn:microsoft.com/office/officeart/2005/8/layout/hierarchy5"/>
-    <dgm:cxn modelId="{4C20FA3A-F383-D34C-A70B-D7C1E84A96FD}" srcId="{AF1179F8-1AC9-A348-A6C2-1011A260A93E}" destId="{4E84EFC4-193A-A44D-ACE3-5B0EC2D2063E}" srcOrd="0" destOrd="0" parTransId="{06298FA3-DFE4-144A-8966-397BDB34FC05}" sibTransId="{CF431334-5DC9-8A40-9DA1-2A14EE7A6FE2}"/>
-    <dgm:cxn modelId="{DC64FB13-2502-0B4D-A603-850534A70688}" srcId="{A57DF884-63A5-D946-B873-22CB0DED072F}" destId="{C008F444-929A-AD41-A575-AA61027F53EA}" srcOrd="3" destOrd="0" parTransId="{3DE5A90E-125F-354F-9267-75A0A115CB0E}" sibTransId="{E3797917-6974-9946-B714-68B7519D07C5}"/>
+    <dgm:cxn modelId="{97B570F0-A2D3-AA4F-830B-302B3D9F1C25}" type="presOf" srcId="{7C6C469C-C2BB-F746-9A42-97CFF38A0463}" destId="{992C7277-722F-4342-882A-DA1290436154}" srcOrd="1" destOrd="0" presId="urn:microsoft.com/office/officeart/2005/8/layout/hierarchy5"/>
+    <dgm:cxn modelId="{8EEADFCB-32EA-7D4D-9A4E-A39D40FB3D6C}" type="presOf" srcId="{06298FA3-DFE4-144A-8966-397BDB34FC05}" destId="{896BFDBB-DFE8-9640-918F-843F1DF71592}" srcOrd="0" destOrd="0" presId="urn:microsoft.com/office/officeart/2005/8/layout/hierarchy5"/>
+    <dgm:cxn modelId="{F1AF1CD0-6883-9746-952F-9E1C24721E76}" srcId="{DF6ABEDA-B470-8A44-8DEF-985A4FC332DB}" destId="{AF1179F8-1AC9-A348-A6C2-1011A260A93E}" srcOrd="0" destOrd="0" parTransId="{7C6C469C-C2BB-F746-9A42-97CFF38A0463}" sibTransId="{D1CFB385-2C92-B14F-9F25-5241142CD7D0}"/>
+    <dgm:cxn modelId="{113B3292-BE06-A442-B16E-FD1724348124}" type="presOf" srcId="{06298FA3-DFE4-144A-8966-397BDB34FC05}" destId="{CCBE8F15-FBA1-4044-B7CC-DAB6DB1EAFD5}" srcOrd="1" destOrd="0" presId="urn:microsoft.com/office/officeart/2005/8/layout/hierarchy5"/>
+    <dgm:cxn modelId="{D596BCD3-5BD1-E24D-B03E-08E33CD94A2D}" type="presOf" srcId="{DEFA968F-3DA3-6C41-879A-CE6E743E3F50}" destId="{15B239F7-7386-1841-9212-F52FB435AC79}" srcOrd="1" destOrd="0" presId="urn:microsoft.com/office/officeart/2005/8/layout/hierarchy5"/>
+    <dgm:cxn modelId="{264C94B7-F100-434D-89FB-CD3186B096FC}" type="presOf" srcId="{7C6C469C-C2BB-F746-9A42-97CFF38A0463}" destId="{484F3922-9C69-BA46-9809-7AD14156C2B6}" srcOrd="0" destOrd="0" presId="urn:microsoft.com/office/officeart/2005/8/layout/hierarchy5"/>
+    <dgm:cxn modelId="{356ADC66-CD91-2543-90E2-DF805776AF01}" srcId="{165BCFF5-D307-834F-9513-D63DDB640EED}" destId="{A0F5C7E8-65A8-0B43-916A-215271AE2A36}" srcOrd="0" destOrd="0" parTransId="{5B4E0232-8E3B-694D-9BBA-56CF4E715784}" sibTransId="{8ACC4049-1F57-B043-8884-71AF6EC27F61}"/>
+    <dgm:cxn modelId="{974CDF68-6265-FA49-80A4-B80F84F8F9DD}" srcId="{DF6ABEDA-B470-8A44-8DEF-985A4FC332DB}" destId="{A57DF884-63A5-D946-B873-22CB0DED072F}" srcOrd="2" destOrd="0" parTransId="{1972B39D-B0E6-E44D-A064-ABF10AAE8757}" sibTransId="{9F575659-61A2-3D44-A8ED-7AD53B9F42D3}"/>
     <dgm:cxn modelId="{95E2E402-20D7-4241-9AF8-240B333DE3E4}" type="presOf" srcId="{B92A28D7-807B-0F45-827E-44137B711F68}" destId="{1DD71699-0CCA-0A40-8CDC-C2BBA5468CE2}" srcOrd="0" destOrd="0" presId="urn:microsoft.com/office/officeart/2005/8/layout/hierarchy5"/>
+    <dgm:cxn modelId="{CD8F9F9E-EA53-A34A-A300-F42E9A111F00}" type="presOf" srcId="{532F1BCE-9766-8240-9859-E85B9EAFFC4D}" destId="{39B99F2D-8DF7-F642-9295-49840427A027}" srcOrd="0" destOrd="0" presId="urn:microsoft.com/office/officeart/2005/8/layout/hierarchy5"/>
+    <dgm:cxn modelId="{4EE448A2-F4AE-DC4F-9FB3-BE60537F79A7}" type="presOf" srcId="{FB636273-1EDA-6949-9F1D-B5A6940D6064}" destId="{58BB4A0B-7B2B-4747-B0EF-7D9403963C26}" srcOrd="0" destOrd="0" presId="urn:microsoft.com/office/officeart/2005/8/layout/hierarchy5"/>
+    <dgm:cxn modelId="{4E4375C5-C883-9B4B-91EC-E3A3D35222D6}" type="presOf" srcId="{27AF6CFC-8445-614A-BC51-31F44C44763C}" destId="{CE70EB54-9535-FB49-AE78-94F609459568}" srcOrd="1" destOrd="0" presId="urn:microsoft.com/office/officeart/2005/8/layout/hierarchy5"/>
+    <dgm:cxn modelId="{A2F48A16-EF37-4344-B9BE-9A54B9F74CEE}" type="presOf" srcId="{56CA5FF7-BA38-8B4F-8CE4-2F704DC978A2}" destId="{DCA1D83B-1E26-E945-92BA-4480561F7FF3}" srcOrd="0" destOrd="0" presId="urn:microsoft.com/office/officeart/2005/8/layout/hierarchy5"/>
+    <dgm:cxn modelId="{4644F953-9285-4536-95E1-29D64704C570}" type="presOf" srcId="{FB8F6223-9CA4-48A8-82AA-DEF7398D1AB9}" destId="{D67C5A45-7856-45B9-BFDA-248A3FFB618B}" srcOrd="1" destOrd="0" presId="urn:microsoft.com/office/officeart/2005/8/layout/hierarchy5"/>
+    <dgm:cxn modelId="{197D826E-8994-6644-93D0-E7AFE974FDA5}" srcId="{A57DF884-63A5-D946-B873-22CB0DED072F}" destId="{76840EF0-7570-9C40-8303-3BEC817850F6}" srcOrd="4" destOrd="0" parTransId="{167D7C88-5617-2C41-9320-4B86292D988B}" sibTransId="{0107E9A5-4058-D24D-94B9-1CE561E89DA5}"/>
     <dgm:cxn modelId="{EDB7C7C3-6128-7A4C-B934-4DC3C5E0F3FE}" type="presOf" srcId="{167D7C88-5617-2C41-9320-4B86292D988B}" destId="{6C1BA629-DF86-9146-A293-B3ABE4D2EF41}" srcOrd="1" destOrd="0" presId="urn:microsoft.com/office/officeart/2005/8/layout/hierarchy5"/>
-    <dgm:cxn modelId="{3A557094-584F-8C4E-996A-7034B7AF13A3}" srcId="{A57DF884-63A5-D946-B873-22CB0DED072F}" destId="{356C763A-4C62-8F47-BB27-7ABB5623ECD9}" srcOrd="2" destOrd="0" parTransId="{532F1BCE-9766-8240-9859-E85B9EAFFC4D}" sibTransId="{CEE2F1AF-4D8C-C742-A663-B5A78E2BA913}"/>
-    <dgm:cxn modelId="{B9D78FC4-B778-064B-9833-F4BF48720FD5}" type="presOf" srcId="{165BCFF5-D307-834F-9513-D63DDB640EED}" destId="{8125C6A5-ABB3-6345-AC76-5FB72A611740}" srcOrd="0" destOrd="0" presId="urn:microsoft.com/office/officeart/2005/8/layout/hierarchy5"/>
-    <dgm:cxn modelId="{2F793B5B-1D87-6647-9C5D-1E6E19F64AFF}" type="presOf" srcId="{C008F444-929A-AD41-A575-AA61027F53EA}" destId="{02C31283-E609-8A4A-BED4-298B619C1104}" srcOrd="0" destOrd="0" presId="urn:microsoft.com/office/officeart/2005/8/layout/hierarchy5"/>
-    <dgm:cxn modelId="{BDA4E4AE-CA8B-354D-AFBF-FBA209A7DBB3}" type="presOf" srcId="{76840EF0-7570-9C40-8303-3BEC817850F6}" destId="{140C74B4-2B31-CE41-9CD4-AD44B6191608}" srcOrd="0" destOrd="0" presId="urn:microsoft.com/office/officeart/2005/8/layout/hierarchy5"/>
-    <dgm:cxn modelId="{E0883B2C-4680-A44A-A09C-8C317EDCBB47}" srcId="{165BCFF5-D307-834F-9513-D63DDB640EED}" destId="{56CA5FF7-BA38-8B4F-8CE4-2F704DC978A2}" srcOrd="2" destOrd="0" parTransId="{C57F6313-9CD0-AE4E-BC45-B01F466F551C}" sibTransId="{5FF628AA-858B-934F-A74D-6923EEC7055A}"/>
-    <dgm:cxn modelId="{4813C709-1FC7-D94D-A1E6-0FEBADBDF04E}" type="presOf" srcId="{AF1179F8-1AC9-A348-A6C2-1011A260A93E}" destId="{2C42EB7B-4FDE-E542-A4DA-9522CEFAD7A2}" srcOrd="0" destOrd="0" presId="urn:microsoft.com/office/officeart/2005/8/layout/hierarchy5"/>
+    <dgm:cxn modelId="{C9010C4B-E782-DC40-9E1F-7215D226E4BB}" type="presOf" srcId="{DEFA968F-3DA3-6C41-879A-CE6E743E3F50}" destId="{DEB338D9-5153-3C45-A20C-019BE55E4289}" srcOrd="0" destOrd="0" presId="urn:microsoft.com/office/officeart/2005/8/layout/hierarchy5"/>
     <dgm:cxn modelId="{ADCD1E4D-E6E2-BC43-AA2F-EEE934B0466A}" type="presOf" srcId="{C57F6313-9CD0-AE4E-BC45-B01F466F551C}" destId="{C7AA90CC-CEC4-E54B-B80B-C7948542FDD9}" srcOrd="1" destOrd="0" presId="urn:microsoft.com/office/officeart/2005/8/layout/hierarchy5"/>
-    <dgm:cxn modelId="{44427DF5-10C7-DD4E-BE35-2E4E87A7E6F5}" srcId="{A57DF884-63A5-D946-B873-22CB0DED072F}" destId="{FB636273-1EDA-6949-9F1D-B5A6940D6064}" srcOrd="0" destOrd="0" parTransId="{5C62F770-ACCD-7842-A40D-C68C1A62B5E4}" sibTransId="{5BBBFEA4-0D62-9140-B86A-69AC34EC916B}"/>
-    <dgm:cxn modelId="{4E4375C5-C883-9B4B-91EC-E3A3D35222D6}" type="presOf" srcId="{27AF6CFC-8445-614A-BC51-31F44C44763C}" destId="{CE70EB54-9535-FB49-AE78-94F609459568}" srcOrd="1" destOrd="0" presId="urn:microsoft.com/office/officeart/2005/8/layout/hierarchy5"/>
-    <dgm:cxn modelId="{8EEADFCB-32EA-7D4D-9A4E-A39D40FB3D6C}" type="presOf" srcId="{06298FA3-DFE4-144A-8966-397BDB34FC05}" destId="{896BFDBB-DFE8-9640-918F-843F1DF71592}" srcOrd="0" destOrd="0" presId="urn:microsoft.com/office/officeart/2005/8/layout/hierarchy5"/>
-    <dgm:cxn modelId="{BE6690C7-C81A-3C40-BC55-5FBB9A50B5F4}" type="presOf" srcId="{3AD4EC40-EF60-6242-85E1-1A913CB28011}" destId="{61C4C204-C9B5-224A-B021-4011A5E59734}" srcOrd="0" destOrd="0" presId="urn:microsoft.com/office/officeart/2005/8/layout/hierarchy5"/>
-    <dgm:cxn modelId="{288D86B4-7635-4E48-B662-175658171357}" type="presOf" srcId="{FDAC29A6-BB2E-A149-9FF0-668933FB8F10}" destId="{46356E39-4D5D-B540-A943-1A30714E03A6}" srcOrd="1" destOrd="0" presId="urn:microsoft.com/office/officeart/2005/8/layout/hierarchy5"/>
-    <dgm:cxn modelId="{4979D311-686C-7E4F-A770-2F1373C25D1F}" type="presOf" srcId="{4E84EFC4-193A-A44D-ACE3-5B0EC2D2063E}" destId="{12ACF3D5-44C2-E344-B5ED-1E70A4542AA4}" srcOrd="0" destOrd="0" presId="urn:microsoft.com/office/officeart/2005/8/layout/hierarchy5"/>
-    <dgm:cxn modelId="{98963BCB-AC92-974E-B832-071B6E60351D}" type="presOf" srcId="{9CC6B040-EE0D-0147-AFCE-4C28B4BA7F0D}" destId="{57565EDE-02F1-584D-8C0E-975278B7856B}" srcOrd="0" destOrd="0" presId="urn:microsoft.com/office/officeart/2005/8/layout/hierarchy5"/>
-    <dgm:cxn modelId="{C45FA7B6-EB80-814F-82BC-C8D69C128740}" type="presOf" srcId="{27AF6CFC-8445-614A-BC51-31F44C44763C}" destId="{D1551F6F-3DDE-7A4E-8707-682681D08E60}" srcOrd="0" destOrd="0" presId="urn:microsoft.com/office/officeart/2005/8/layout/hierarchy5"/>
-    <dgm:cxn modelId="{27EE5F1B-5AA0-8C48-A095-2BDA06A43E59}" srcId="{165BCFF5-D307-834F-9513-D63DDB640EED}" destId="{3E7F5C0F-54B8-D145-99B3-76E5F70F6973}" srcOrd="1" destOrd="0" parTransId="{DEFA968F-3DA3-6C41-879A-CE6E743E3F50}" sibTransId="{1830D5AC-C8E0-8D40-B76C-B6F47B43BDAB}"/>
+    <dgm:cxn modelId="{D532FACA-EB53-0E43-B6C3-14D7EADFA893}" type="presOf" srcId="{FBC0DD77-6DC9-0E47-BBC7-34F4CEF0FA36}" destId="{15369465-6FB4-544E-A42D-141D719844B0}" srcOrd="1" destOrd="0" presId="urn:microsoft.com/office/officeart/2005/8/layout/hierarchy5"/>
+    <dgm:cxn modelId="{F79EF927-5EF0-4AA4-A54F-C20F12027E75}" srcId="{165BCFF5-D307-834F-9513-D63DDB640EED}" destId="{6EFF275E-FC57-4B4D-A93A-6AD7AABF0467}" srcOrd="1" destOrd="0" parTransId="{FB8F6223-9CA4-48A8-82AA-DEF7398D1AB9}" sibTransId="{ACE63BB4-E8F2-422E-B9D9-79C9F461957F}"/>
     <dgm:cxn modelId="{C769DA0A-5781-C74B-A9D0-C62A5C722ACE}" type="presOf" srcId="{DF6ABEDA-B470-8A44-8DEF-985A4FC332DB}" destId="{2EAC16BB-B052-7841-8BC0-2DC7E177719B}" srcOrd="0" destOrd="0" presId="urn:microsoft.com/office/officeart/2005/8/layout/hierarchy5"/>
-    <dgm:cxn modelId="{F1AF1CD0-6883-9746-952F-9E1C24721E76}" srcId="{DF6ABEDA-B470-8A44-8DEF-985A4FC332DB}" destId="{AF1179F8-1AC9-A348-A6C2-1011A260A93E}" srcOrd="0" destOrd="0" parTransId="{7C6C469C-C2BB-F746-9A42-97CFF38A0463}" sibTransId="{D1CFB385-2C92-B14F-9F25-5241142CD7D0}"/>
-    <dgm:cxn modelId="{4130E99B-F7B4-3F47-B7AC-0FA3E9A05867}" srcId="{AF1179F8-1AC9-A348-A6C2-1011A260A93E}" destId="{C111B2C8-1BB8-F14A-B234-928A60BF9CA3}" srcOrd="2" destOrd="0" parTransId="{FDAC29A6-BB2E-A149-9FF0-668933FB8F10}" sibTransId="{A07E92CD-C81F-5B4A-9654-FD418E66BDC5}"/>
-    <dgm:cxn modelId="{D532FACA-EB53-0E43-B6C3-14D7EADFA893}" type="presOf" srcId="{FBC0DD77-6DC9-0E47-BBC7-34F4CEF0FA36}" destId="{15369465-6FB4-544E-A42D-141D719844B0}" srcOrd="1" destOrd="0" presId="urn:microsoft.com/office/officeart/2005/8/layout/hierarchy5"/>
-    <dgm:cxn modelId="{804ECBF7-0E26-3A4F-8D20-63C90F87727A}" type="presOf" srcId="{FBC0DD77-6DC9-0E47-BBC7-34F4CEF0FA36}" destId="{3F009B34-E212-1940-A9A8-17188D519ECB}" srcOrd="0" destOrd="0" presId="urn:microsoft.com/office/officeart/2005/8/layout/hierarchy5"/>
-    <dgm:cxn modelId="{97B570F0-A2D3-AA4F-830B-302B3D9F1C25}" type="presOf" srcId="{7C6C469C-C2BB-F746-9A42-97CFF38A0463}" destId="{992C7277-722F-4342-882A-DA1290436154}" srcOrd="1" destOrd="0" presId="urn:microsoft.com/office/officeart/2005/8/layout/hierarchy5"/>
-    <dgm:cxn modelId="{575C336D-6FBD-3A46-8A75-6A45E331624F}" type="presOf" srcId="{532F1BCE-9766-8240-9859-E85B9EAFFC4D}" destId="{3CAA7C53-745C-814F-98DE-DD4E6BD24E05}" srcOrd="1" destOrd="0" presId="urn:microsoft.com/office/officeart/2005/8/layout/hierarchy5"/>
-    <dgm:cxn modelId="{7EE3EBEB-3C5D-F140-A00C-304CF38FD07C}" type="presOf" srcId="{5497FA81-8BE4-A246-B613-95A0B7F8C4C2}" destId="{2A924D40-8E91-3546-9223-FBC0D04FCF5C}" srcOrd="0" destOrd="0" presId="urn:microsoft.com/office/officeart/2005/8/layout/hierarchy5"/>
-    <dgm:cxn modelId="{A2DDEF3F-94EE-8949-A40A-EC0C1F739B6C}" type="presOf" srcId="{5C62F770-ACCD-7842-A40D-C68C1A62B5E4}" destId="{DB1AE67F-F051-0149-9E65-42732B19A003}" srcOrd="1" destOrd="0" presId="urn:microsoft.com/office/officeart/2005/8/layout/hierarchy5"/>
-    <dgm:cxn modelId="{9FC6B2F5-676D-D742-9A2B-E76B78A57F5D}" srcId="{DF6ABEDA-B470-8A44-8DEF-985A4FC332DB}" destId="{165BCFF5-D307-834F-9513-D63DDB640EED}" srcOrd="1" destOrd="0" parTransId="{FBC0DD77-6DC9-0E47-BBC7-34F4CEF0FA36}" sibTransId="{FC51AD67-D560-124F-8386-DE7B12C960DF}"/>
-    <dgm:cxn modelId="{A9A0D4FB-BCE8-B349-A2B7-BAE77412A578}" srcId="{A57DF884-63A5-D946-B873-22CB0DED072F}" destId="{9CC6B040-EE0D-0147-AFCE-4C28B4BA7F0D}" srcOrd="1" destOrd="0" parTransId="{27AF6CFC-8445-614A-BC51-31F44C44763C}" sibTransId="{5DD5FAA2-7197-DE47-A8EF-4A9FFEF2C0CC}"/>
-    <dgm:cxn modelId="{974CDF68-6265-FA49-80A4-B80F84F8F9DD}" srcId="{DF6ABEDA-B470-8A44-8DEF-985A4FC332DB}" destId="{A57DF884-63A5-D946-B873-22CB0DED072F}" srcOrd="2" destOrd="0" parTransId="{1972B39D-B0E6-E44D-A064-ABF10AAE8757}" sibTransId="{9F575659-61A2-3D44-A8ED-7AD53B9F42D3}"/>
-    <dgm:cxn modelId="{C9010C4B-E782-DC40-9E1F-7215D226E4BB}" type="presOf" srcId="{DEFA968F-3DA3-6C41-879A-CE6E743E3F50}" destId="{DEB338D9-5153-3C45-A20C-019BE55E4289}" srcOrd="0" destOrd="0" presId="urn:microsoft.com/office/officeart/2005/8/layout/hierarchy5"/>
-    <dgm:cxn modelId="{E0D15B59-38F4-4A46-B814-408D4265D6FA}" type="presOf" srcId="{3DE5A90E-125F-354F-9267-75A0A115CB0E}" destId="{639D3D46-CFE4-7B46-A5C5-5DA81B6D6ABD}" srcOrd="1" destOrd="0" presId="urn:microsoft.com/office/officeart/2005/8/layout/hierarchy5"/>
-    <dgm:cxn modelId="{264C94B7-F100-434D-89FB-CD3186B096FC}" type="presOf" srcId="{7C6C469C-C2BB-F746-9A42-97CFF38A0463}" destId="{484F3922-9C69-BA46-9809-7AD14156C2B6}" srcOrd="0" destOrd="0" presId="urn:microsoft.com/office/officeart/2005/8/layout/hierarchy5"/>
-    <dgm:cxn modelId="{A1BB7131-620E-184E-93F7-6C0CE25548E1}" type="presOf" srcId="{B92A28D7-807B-0F45-827E-44137B711F68}" destId="{809D9094-DF62-FA4E-B4EC-FB183F9862F6}" srcOrd="1" destOrd="0" presId="urn:microsoft.com/office/officeart/2005/8/layout/hierarchy5"/>
-    <dgm:cxn modelId="{4EE448A2-F4AE-DC4F-9FB3-BE60537F79A7}" type="presOf" srcId="{FB636273-1EDA-6949-9F1D-B5A6940D6064}" destId="{58BB4A0B-7B2B-4747-B0EF-7D9403963C26}" srcOrd="0" destOrd="0" presId="urn:microsoft.com/office/officeart/2005/8/layout/hierarchy5"/>
-    <dgm:cxn modelId="{227D4D9A-C9F4-5E4F-8DDA-8B83FB6EC2A7}" type="presOf" srcId="{5954C185-AF04-AC47-B083-4AF22873DBC2}" destId="{F21A2F2E-AD0A-AF4B-9FA3-F3EAD95A302B}" srcOrd="0" destOrd="0" presId="urn:microsoft.com/office/officeart/2005/8/layout/hierarchy5"/>
-    <dgm:cxn modelId="{2A782D91-6DB1-4E42-871E-43EE48B377C8}" type="presOf" srcId="{1972B39D-B0E6-E44D-A064-ABF10AAE8757}" destId="{FB940781-B036-0D4D-8481-11843FB112EB}" srcOrd="0" destOrd="0" presId="urn:microsoft.com/office/officeart/2005/8/layout/hierarchy5"/>
-    <dgm:cxn modelId="{A00EF67E-AA70-EF46-A38F-14C7DBA90B36}" type="presOf" srcId="{A0F5C7E8-65A8-0B43-916A-215271AE2A36}" destId="{991AE36F-702E-604E-8B03-3783CDD3AF18}" srcOrd="0" destOrd="0" presId="urn:microsoft.com/office/officeart/2005/8/layout/hierarchy5"/>
-    <dgm:cxn modelId="{356ADC66-CD91-2543-90E2-DF805776AF01}" srcId="{165BCFF5-D307-834F-9513-D63DDB640EED}" destId="{A0F5C7E8-65A8-0B43-916A-215271AE2A36}" srcOrd="0" destOrd="0" parTransId="{5B4E0232-8E3B-694D-9BBA-56CF4E715784}" sibTransId="{8ACC4049-1F57-B043-8884-71AF6EC27F61}"/>
-    <dgm:cxn modelId="{D596BCD3-5BD1-E24D-B03E-08E33CD94A2D}" type="presOf" srcId="{DEFA968F-3DA3-6C41-879A-CE6E743E3F50}" destId="{15B239F7-7386-1841-9212-F52FB435AC79}" srcOrd="1" destOrd="0" presId="urn:microsoft.com/office/officeart/2005/8/layout/hierarchy5"/>
-    <dgm:cxn modelId="{113B3292-BE06-A442-B16E-FD1724348124}" type="presOf" srcId="{06298FA3-DFE4-144A-8966-397BDB34FC05}" destId="{CCBE8F15-FBA1-4044-B7CC-DAB6DB1EAFD5}" srcOrd="1" destOrd="0" presId="urn:microsoft.com/office/officeart/2005/8/layout/hierarchy5"/>
-    <dgm:cxn modelId="{A2F48A16-EF37-4344-B9BE-9A54B9F74CEE}" type="presOf" srcId="{56CA5FF7-BA38-8B4F-8CE4-2F704DC978A2}" destId="{DCA1D83B-1E26-E945-92BA-4480561F7FF3}" srcOrd="0" destOrd="0" presId="urn:microsoft.com/office/officeart/2005/8/layout/hierarchy5"/>
-    <dgm:cxn modelId="{743055F8-4156-4148-811E-B05CFFA4505E}" type="presOf" srcId="{FDAC29A6-BB2E-A149-9FF0-668933FB8F10}" destId="{4C569D8C-DCE5-4A4F-AD46-E6530F45BA03}" srcOrd="0" destOrd="0" presId="urn:microsoft.com/office/officeart/2005/8/layout/hierarchy5"/>
-    <dgm:cxn modelId="{CBD5E92D-854C-3A42-85E6-3147F886C09F}" type="presOf" srcId="{C111B2C8-1BB8-F14A-B234-928A60BF9CA3}" destId="{6EA26667-D5E6-7142-BE46-86F5C9D41BF7}" srcOrd="0" destOrd="0" presId="urn:microsoft.com/office/officeart/2005/8/layout/hierarchy5"/>
-    <dgm:cxn modelId="{CD8F9F9E-EA53-A34A-A300-F42E9A111F00}" type="presOf" srcId="{532F1BCE-9766-8240-9859-E85B9EAFFC4D}" destId="{39B99F2D-8DF7-F642-9295-49840427A027}" srcOrd="0" destOrd="0" presId="urn:microsoft.com/office/officeart/2005/8/layout/hierarchy5"/>
-    <dgm:cxn modelId="{BA6F20AC-8CBD-1142-9167-5C759E62C3D6}" type="presOf" srcId="{5B4E0232-8E3B-694D-9BBA-56CF4E715784}" destId="{4ED16191-611F-4144-A940-15AAA4725161}" srcOrd="0" destOrd="0" presId="urn:microsoft.com/office/officeart/2005/8/layout/hierarchy5"/>
-    <dgm:cxn modelId="{90CD7ABE-19E5-944F-9356-2EB4E327EB74}" srcId="{AF1179F8-1AC9-A348-A6C2-1011A260A93E}" destId="{3AD4EC40-EF60-6242-85E1-1A913CB28011}" srcOrd="3" destOrd="0" parTransId="{5954C185-AF04-AC47-B083-4AF22873DBC2}" sibTransId="{9028CE74-AE82-F94D-B217-9A53670DF017}"/>
-    <dgm:cxn modelId="{E2D742B5-D831-EC49-BCDA-3E39CE05770F}" type="presOf" srcId="{5C62F770-ACCD-7842-A40D-C68C1A62B5E4}" destId="{C7C74E78-F9FB-1F45-AFE4-DBC0EAF0AEED}" srcOrd="0" destOrd="0" presId="urn:microsoft.com/office/officeart/2005/8/layout/hierarchy5"/>
-    <dgm:cxn modelId="{197D826E-8994-6644-93D0-E7AFE974FDA5}" srcId="{A57DF884-63A5-D946-B873-22CB0DED072F}" destId="{76840EF0-7570-9C40-8303-3BEC817850F6}" srcOrd="4" destOrd="0" parTransId="{167D7C88-5617-2C41-9320-4B86292D988B}" sibTransId="{0107E9A5-4058-D24D-94B9-1CE561E89DA5}"/>
     <dgm:cxn modelId="{13FEB090-3FAE-C744-8A05-9506AEEACB55}" type="presOf" srcId="{1972B39D-B0E6-E44D-A064-ABF10AAE8757}" destId="{184A50B8-990E-F04C-B2B8-827C3289D489}" srcOrd="1" destOrd="0" presId="urn:microsoft.com/office/officeart/2005/8/layout/hierarchy5"/>
     <dgm:cxn modelId="{A7245B38-BF87-3E40-935E-9A2BBE1576B6}" type="presOf" srcId="{A57DF884-63A5-D946-B873-22CB0DED072F}" destId="{08AC7F4A-54BD-0A4C-BF93-2E54E1140454}" srcOrd="0" destOrd="0" presId="urn:microsoft.com/office/officeart/2005/8/layout/hierarchy5"/>
+    <dgm:cxn modelId="{E0883B2C-4680-A44A-A09C-8C317EDCBB47}" srcId="{165BCFF5-D307-834F-9513-D63DDB640EED}" destId="{56CA5FF7-BA38-8B4F-8CE4-2F704DC978A2}" srcOrd="3" destOrd="0" parTransId="{C57F6313-9CD0-AE4E-BC45-B01F466F551C}" sibTransId="{5FF628AA-858B-934F-A74D-6923EEC7055A}"/>
+    <dgm:cxn modelId="{E0D15B59-38F4-4A46-B814-408D4265D6FA}" type="presOf" srcId="{3DE5A90E-125F-354F-9267-75A0A115CB0E}" destId="{639D3D46-CFE4-7B46-A5C5-5DA81B6D6ABD}" srcOrd="1" destOrd="0" presId="urn:microsoft.com/office/officeart/2005/8/layout/hierarchy5"/>
+    <dgm:cxn modelId="{7EE3EBEB-3C5D-F140-A00C-304CF38FD07C}" type="presOf" srcId="{5497FA81-8BE4-A246-B613-95A0B7F8C4C2}" destId="{2A924D40-8E91-3546-9223-FBC0D04FCF5C}" srcOrd="0" destOrd="0" presId="urn:microsoft.com/office/officeart/2005/8/layout/hierarchy5"/>
+    <dgm:cxn modelId="{BA6F20AC-8CBD-1142-9167-5C759E62C3D6}" type="presOf" srcId="{5B4E0232-8E3B-694D-9BBA-56CF4E715784}" destId="{4ED16191-611F-4144-A940-15AAA4725161}" srcOrd="0" destOrd="0" presId="urn:microsoft.com/office/officeart/2005/8/layout/hierarchy5"/>
+    <dgm:cxn modelId="{98963BCB-AC92-974E-B832-071B6E60351D}" type="presOf" srcId="{9CC6B040-EE0D-0147-AFCE-4C28B4BA7F0D}" destId="{57565EDE-02F1-584D-8C0E-975278B7856B}" srcOrd="0" destOrd="0" presId="urn:microsoft.com/office/officeart/2005/8/layout/hierarchy5"/>
+    <dgm:cxn modelId="{9FC6B2F5-676D-D742-9A2B-E76B78A57F5D}" srcId="{DF6ABEDA-B470-8A44-8DEF-985A4FC332DB}" destId="{165BCFF5-D307-834F-9513-D63DDB640EED}" srcOrd="1" destOrd="0" parTransId="{FBC0DD77-6DC9-0E47-BBC7-34F4CEF0FA36}" sibTransId="{FC51AD67-D560-124F-8386-DE7B12C960DF}"/>
+    <dgm:cxn modelId="{E2D742B5-D831-EC49-BCDA-3E39CE05770F}" type="presOf" srcId="{5C62F770-ACCD-7842-A40D-C68C1A62B5E4}" destId="{C7C74E78-F9FB-1F45-AFE4-DBC0EAF0AEED}" srcOrd="0" destOrd="0" presId="urn:microsoft.com/office/officeart/2005/8/layout/hierarchy5"/>
+    <dgm:cxn modelId="{4979D311-686C-7E4F-A770-2F1373C25D1F}" type="presOf" srcId="{4E84EFC4-193A-A44D-ACE3-5B0EC2D2063E}" destId="{12ACF3D5-44C2-E344-B5ED-1E70A4542AA4}" srcOrd="0" destOrd="0" presId="urn:microsoft.com/office/officeart/2005/8/layout/hierarchy5"/>
+    <dgm:cxn modelId="{288D86B4-7635-4E48-B662-175658171357}" type="presOf" srcId="{FDAC29A6-BB2E-A149-9FF0-668933FB8F10}" destId="{46356E39-4D5D-B540-A943-1A30714E03A6}" srcOrd="1" destOrd="0" presId="urn:microsoft.com/office/officeart/2005/8/layout/hierarchy5"/>
+    <dgm:cxn modelId="{804ECBF7-0E26-3A4F-8D20-63C90F87727A}" type="presOf" srcId="{FBC0DD77-6DC9-0E47-BBC7-34F4CEF0FA36}" destId="{3F009B34-E212-1940-A9A8-17188D519ECB}" srcOrd="0" destOrd="0" presId="urn:microsoft.com/office/officeart/2005/8/layout/hierarchy5"/>
+    <dgm:cxn modelId="{EF1047DD-E520-C643-943A-645E85EFC32A}" type="presOf" srcId="{3E7F5C0F-54B8-D145-99B3-76E5F70F6973}" destId="{3BFE038C-3F2F-0842-838C-F4B0FF121F71}" srcOrd="0" destOrd="0" presId="urn:microsoft.com/office/officeart/2005/8/layout/hierarchy5"/>
+    <dgm:cxn modelId="{27EE5F1B-5AA0-8C48-A095-2BDA06A43E59}" srcId="{165BCFF5-D307-834F-9513-D63DDB640EED}" destId="{3E7F5C0F-54B8-D145-99B3-76E5F70F6973}" srcOrd="2" destOrd="0" parTransId="{DEFA968F-3DA3-6C41-879A-CE6E743E3F50}" sibTransId="{1830D5AC-C8E0-8D40-B76C-B6F47B43BDAB}"/>
+    <dgm:cxn modelId="{B9D78FC4-B778-064B-9833-F4BF48720FD5}" type="presOf" srcId="{165BCFF5-D307-834F-9513-D63DDB640EED}" destId="{8125C6A5-ABB3-6345-AC76-5FB72A611740}" srcOrd="0" destOrd="0" presId="urn:microsoft.com/office/officeart/2005/8/layout/hierarchy5"/>
+    <dgm:cxn modelId="{CBD5E92D-854C-3A42-85E6-3147F886C09F}" type="presOf" srcId="{C111B2C8-1BB8-F14A-B234-928A60BF9CA3}" destId="{6EA26667-D5E6-7142-BE46-86F5C9D41BF7}" srcOrd="0" destOrd="0" presId="urn:microsoft.com/office/officeart/2005/8/layout/hierarchy5"/>
+    <dgm:cxn modelId="{C45FA7B6-EB80-814F-82BC-C8D69C128740}" type="presOf" srcId="{27AF6CFC-8445-614A-BC51-31F44C44763C}" destId="{D1551F6F-3DDE-7A4E-8707-682681D08E60}" srcOrd="0" destOrd="0" presId="urn:microsoft.com/office/officeart/2005/8/layout/hierarchy5"/>
+    <dgm:cxn modelId="{227D4D9A-C9F4-5E4F-8DDA-8B83FB6EC2A7}" type="presOf" srcId="{5954C185-AF04-AC47-B083-4AF22873DBC2}" destId="{F21A2F2E-AD0A-AF4B-9FA3-F3EAD95A302B}" srcOrd="0" destOrd="0" presId="urn:microsoft.com/office/officeart/2005/8/layout/hierarchy5"/>
+    <dgm:cxn modelId="{A9A0D4FB-BCE8-B349-A2B7-BAE77412A578}" srcId="{A57DF884-63A5-D946-B873-22CB0DED072F}" destId="{9CC6B040-EE0D-0147-AFCE-4C28B4BA7F0D}" srcOrd="1" destOrd="0" parTransId="{27AF6CFC-8445-614A-BC51-31F44C44763C}" sibTransId="{5DD5FAA2-7197-DE47-A8EF-4A9FFEF2C0CC}"/>
+    <dgm:cxn modelId="{BDA4E4AE-CA8B-354D-AFBF-FBA209A7DBB3}" type="presOf" srcId="{76840EF0-7570-9C40-8303-3BEC817850F6}" destId="{140C74B4-2B31-CE41-9CD4-AD44B6191608}" srcOrd="0" destOrd="0" presId="urn:microsoft.com/office/officeart/2005/8/layout/hierarchy5"/>
+    <dgm:cxn modelId="{4813C709-1FC7-D94D-A1E6-0FEBADBDF04E}" type="presOf" srcId="{AF1179F8-1AC9-A348-A6C2-1011A260A93E}" destId="{2C42EB7B-4FDE-E542-A4DA-9522CEFAD7A2}" srcOrd="0" destOrd="0" presId="urn:microsoft.com/office/officeart/2005/8/layout/hierarchy5"/>
+    <dgm:cxn modelId="{2A782D91-6DB1-4E42-871E-43EE48B377C8}" type="presOf" srcId="{1972B39D-B0E6-E44D-A064-ABF10AAE8757}" destId="{FB940781-B036-0D4D-8481-11843FB112EB}" srcOrd="0" destOrd="0" presId="urn:microsoft.com/office/officeart/2005/8/layout/hierarchy5"/>
+    <dgm:cxn modelId="{4C20FA3A-F383-D34C-A70B-D7C1E84A96FD}" srcId="{AF1179F8-1AC9-A348-A6C2-1011A260A93E}" destId="{4E84EFC4-193A-A44D-ACE3-5B0EC2D2063E}" srcOrd="0" destOrd="0" parTransId="{06298FA3-DFE4-144A-8966-397BDB34FC05}" sibTransId="{CF431334-5DC9-8A40-9DA1-2A14EE7A6FE2}"/>
+    <dgm:cxn modelId="{9ADBD3B8-FB1F-5744-B8E0-D95742BEF936}" type="presOf" srcId="{167D7C88-5617-2C41-9320-4B86292D988B}" destId="{71E1BBFA-A853-7842-84E6-5F001D5FEB47}" srcOrd="0" destOrd="0" presId="urn:microsoft.com/office/officeart/2005/8/layout/hierarchy5"/>
+    <dgm:cxn modelId="{41DEA314-F2F7-4867-8CF7-40D603394893}" type="presOf" srcId="{6EFF275E-FC57-4B4D-A93A-6AD7AABF0467}" destId="{B6E113D7-8823-4451-9EDF-1610D06160F5}" srcOrd="0" destOrd="0" presId="urn:microsoft.com/office/officeart/2005/8/layout/hierarchy5"/>
+    <dgm:cxn modelId="{A2DDEF3F-94EE-8949-A40A-EC0C1F739B6C}" type="presOf" srcId="{5C62F770-ACCD-7842-A40D-C68C1A62B5E4}" destId="{DB1AE67F-F051-0149-9E65-42732B19A003}" srcOrd="1" destOrd="0" presId="urn:microsoft.com/office/officeart/2005/8/layout/hierarchy5"/>
+    <dgm:cxn modelId="{CE8B5C30-7F51-2440-8008-B4D035C83E76}" type="presOf" srcId="{6C66D40B-7ABE-184A-8C13-EFB3BF64EBBB}" destId="{CB0DE45B-F500-5342-AF9D-44ECCCAC36D5}" srcOrd="0" destOrd="0" presId="urn:microsoft.com/office/officeart/2005/8/layout/hierarchy5"/>
+    <dgm:cxn modelId="{DC64FB13-2502-0B4D-A603-850534A70688}" srcId="{A57DF884-63A5-D946-B873-22CB0DED072F}" destId="{C008F444-929A-AD41-A575-AA61027F53EA}" srcOrd="3" destOrd="0" parTransId="{3DE5A90E-125F-354F-9267-75A0A115CB0E}" sibTransId="{E3797917-6974-9946-B714-68B7519D07C5}"/>
+    <dgm:cxn modelId="{BE6690C7-C81A-3C40-BC55-5FBB9A50B5F4}" type="presOf" srcId="{3AD4EC40-EF60-6242-85E1-1A913CB28011}" destId="{61C4C204-C9B5-224A-B021-4011A5E59734}" srcOrd="0" destOrd="0" presId="urn:microsoft.com/office/officeart/2005/8/layout/hierarchy5"/>
+    <dgm:cxn modelId="{4130E99B-F7B4-3F47-B7AC-0FA3E9A05867}" srcId="{AF1179F8-1AC9-A348-A6C2-1011A260A93E}" destId="{C111B2C8-1BB8-F14A-B234-928A60BF9CA3}" srcOrd="2" destOrd="0" parTransId="{FDAC29A6-BB2E-A149-9FF0-668933FB8F10}" sibTransId="{A07E92CD-C81F-5B4A-9654-FD418E66BDC5}"/>
     <dgm:cxn modelId="{98484DB6-D057-1342-8450-2D611E0132EC}" type="presOf" srcId="{3DE5A90E-125F-354F-9267-75A0A115CB0E}" destId="{E5733B22-1259-B343-9BDE-90918AA8B96A}" srcOrd="0" destOrd="0" presId="urn:microsoft.com/office/officeart/2005/8/layout/hierarchy5"/>
     <dgm:cxn modelId="{1B08F49C-3C7D-E54C-A45D-1C30207BD92F}" srcId="{AF1179F8-1AC9-A348-A6C2-1011A260A93E}" destId="{6C66D40B-7ABE-184A-8C13-EFB3BF64EBBB}" srcOrd="1" destOrd="0" parTransId="{B92A28D7-807B-0F45-827E-44137B711F68}" sibTransId="{1D5FBC1A-AAAE-C94F-BC66-F67013AEAE9E}"/>
-    <dgm:cxn modelId="{9ADBD3B8-FB1F-5744-B8E0-D95742BEF936}" type="presOf" srcId="{167D7C88-5617-2C41-9320-4B86292D988B}" destId="{71E1BBFA-A853-7842-84E6-5F001D5FEB47}" srcOrd="0" destOrd="0" presId="urn:microsoft.com/office/officeart/2005/8/layout/hierarchy5"/>
+    <dgm:cxn modelId="{45B40850-6997-C144-AD07-3E91F8B2665E}" srcId="{5497FA81-8BE4-A246-B613-95A0B7F8C4C2}" destId="{DF6ABEDA-B470-8A44-8DEF-985A4FC332DB}" srcOrd="0" destOrd="0" parTransId="{9AD9B382-DC23-BA4D-8E49-3F347CD0AA20}" sibTransId="{D79B6717-99E4-C141-BF69-23015E1542A0}"/>
+    <dgm:cxn modelId="{575C336D-6FBD-3A46-8A75-6A45E331624F}" type="presOf" srcId="{532F1BCE-9766-8240-9859-E85B9EAFFC4D}" destId="{3CAA7C53-745C-814F-98DE-DD4E6BD24E05}" srcOrd="1" destOrd="0" presId="urn:microsoft.com/office/officeart/2005/8/layout/hierarchy5"/>
+    <dgm:cxn modelId="{743055F8-4156-4148-811E-B05CFFA4505E}" type="presOf" srcId="{FDAC29A6-BB2E-A149-9FF0-668933FB8F10}" destId="{4C569D8C-DCE5-4A4F-AD46-E6530F45BA03}" srcOrd="0" destOrd="0" presId="urn:microsoft.com/office/officeart/2005/8/layout/hierarchy5"/>
+    <dgm:cxn modelId="{2F793B5B-1D87-6647-9C5D-1E6E19F64AFF}" type="presOf" srcId="{C008F444-929A-AD41-A575-AA61027F53EA}" destId="{02C31283-E609-8A4A-BED4-298B619C1104}" srcOrd="0" destOrd="0" presId="urn:microsoft.com/office/officeart/2005/8/layout/hierarchy5"/>
+    <dgm:cxn modelId="{A1BB7131-620E-184E-93F7-6C0CE25548E1}" type="presOf" srcId="{B92A28D7-807B-0F45-827E-44137B711F68}" destId="{809D9094-DF62-FA4E-B4EC-FB183F9862F6}" srcOrd="1" destOrd="0" presId="urn:microsoft.com/office/officeart/2005/8/layout/hierarchy5"/>
+    <dgm:cxn modelId="{EC81BE03-E5D8-6948-9D12-470CE201063F}" type="presOf" srcId="{5B4E0232-8E3B-694D-9BBA-56CF4E715784}" destId="{4C30A27F-720D-144C-A24C-FD38444451A7}" srcOrd="1" destOrd="0" presId="urn:microsoft.com/office/officeart/2005/8/layout/hierarchy5"/>
+    <dgm:cxn modelId="{44427DF5-10C7-DD4E-BE35-2E4E87A7E6F5}" srcId="{A57DF884-63A5-D946-B873-22CB0DED072F}" destId="{FB636273-1EDA-6949-9F1D-B5A6940D6064}" srcOrd="0" destOrd="0" parTransId="{5C62F770-ACCD-7842-A40D-C68C1A62B5E4}" sibTransId="{5BBBFEA4-0D62-9140-B86A-69AC34EC916B}"/>
+    <dgm:cxn modelId="{E9B26597-79A8-4884-9428-35D53FE4D406}" type="presOf" srcId="{FB8F6223-9CA4-48A8-82AA-DEF7398D1AB9}" destId="{F9BE6BE1-C741-48BF-B99B-527042DE33E2}" srcOrd="0" destOrd="0" presId="urn:microsoft.com/office/officeart/2005/8/layout/hierarchy5"/>
+    <dgm:cxn modelId="{A00EF67E-AA70-EF46-A38F-14C7DBA90B36}" type="presOf" srcId="{A0F5C7E8-65A8-0B43-916A-215271AE2A36}" destId="{991AE36F-702E-604E-8B03-3783CDD3AF18}" srcOrd="0" destOrd="0" presId="urn:microsoft.com/office/officeart/2005/8/layout/hierarchy5"/>
+    <dgm:cxn modelId="{08F5D949-AFB3-334F-88A7-0F9A5CCA8B30}" type="presOf" srcId="{356C763A-4C62-8F47-BB27-7ABB5623ECD9}" destId="{873E7218-3A62-F847-97BA-4E860644D978}" srcOrd="0" destOrd="0" presId="urn:microsoft.com/office/officeart/2005/8/layout/hierarchy5"/>
+    <dgm:cxn modelId="{90CD7ABE-19E5-944F-9356-2EB4E327EB74}" srcId="{AF1179F8-1AC9-A348-A6C2-1011A260A93E}" destId="{3AD4EC40-EF60-6242-85E1-1A913CB28011}" srcOrd="3" destOrd="0" parTransId="{5954C185-AF04-AC47-B083-4AF22873DBC2}" sibTransId="{9028CE74-AE82-F94D-B217-9A53670DF017}"/>
+    <dgm:cxn modelId="{1DEC1C05-D03F-454B-84C9-7FBE42BD52CC}" type="presOf" srcId="{C57F6313-9CD0-AE4E-BC45-B01F466F551C}" destId="{8A227CA5-77E3-E44D-8FC6-12E69809ADD6}" srcOrd="0" destOrd="0" presId="urn:microsoft.com/office/officeart/2005/8/layout/hierarchy5"/>
+    <dgm:cxn modelId="{3A557094-584F-8C4E-996A-7034B7AF13A3}" srcId="{A57DF884-63A5-D946-B873-22CB0DED072F}" destId="{356C763A-4C62-8F47-BB27-7ABB5623ECD9}" srcOrd="2" destOrd="0" parTransId="{532F1BCE-9766-8240-9859-E85B9EAFFC4D}" sibTransId="{CEE2F1AF-4D8C-C742-A663-B5A78E2BA913}"/>
     <dgm:cxn modelId="{984F3BA1-2908-2849-9E8F-3746D5CB325A}" type="presParOf" srcId="{2A924D40-8E91-3546-9223-FBC0D04FCF5C}" destId="{436F071A-B56F-7642-A746-C1F5091FD0A6}" srcOrd="0" destOrd="0" presId="urn:microsoft.com/office/officeart/2005/8/layout/hierarchy5"/>
     <dgm:cxn modelId="{8AE6A0E9-9BE2-6442-A140-DFE92535848F}" type="presParOf" srcId="{436F071A-B56F-7642-A746-C1F5091FD0A6}" destId="{6D5CDEAC-A8DC-0944-9504-1119F816AB1E}" srcOrd="0" destOrd="0" presId="urn:microsoft.com/office/officeart/2005/8/layout/hierarchy5"/>
     <dgm:cxn modelId="{AD08BF95-B7FA-AB46-BA67-2CF8A7DD28D3}" type="presParOf" srcId="{6D5CDEAC-A8DC-0944-9504-1119F816AB1E}" destId="{F9095CC8-AC4C-8742-B4D8-911F9B403A44}" srcOrd="0" destOrd="0" presId="urn:microsoft.com/office/officeart/2005/8/layout/hierarchy5"/>
@@ -1911,14 +2505,19 @@
     <dgm:cxn modelId="{99D4B9D0-0CA6-9B43-8585-217C4EF91669}" type="presParOf" srcId="{5CAF909E-868C-3444-90FB-A44A9950EB27}" destId="{B879C3C4-8930-3D41-BC3E-C063D8C00D4B}" srcOrd="1" destOrd="0" presId="urn:microsoft.com/office/officeart/2005/8/layout/hierarchy5"/>
     <dgm:cxn modelId="{294520A7-E6B9-F849-B1B9-0698E97C289B}" type="presParOf" srcId="{B879C3C4-8930-3D41-BC3E-C063D8C00D4B}" destId="{991AE36F-702E-604E-8B03-3783CDD3AF18}" srcOrd="0" destOrd="0" presId="urn:microsoft.com/office/officeart/2005/8/layout/hierarchy5"/>
     <dgm:cxn modelId="{8E094269-EB20-A344-8817-130B20077800}" type="presParOf" srcId="{B879C3C4-8930-3D41-BC3E-C063D8C00D4B}" destId="{4D6928BB-BB6E-784D-96C2-66BEC7D3BD7C}" srcOrd="1" destOrd="0" presId="urn:microsoft.com/office/officeart/2005/8/layout/hierarchy5"/>
-    <dgm:cxn modelId="{466DE542-3044-A841-98C1-7D38143E1EED}" type="presParOf" srcId="{5CAF909E-868C-3444-90FB-A44A9950EB27}" destId="{DEB338D9-5153-3C45-A20C-019BE55E4289}" srcOrd="2" destOrd="0" presId="urn:microsoft.com/office/officeart/2005/8/layout/hierarchy5"/>
+    <dgm:cxn modelId="{0076ECF6-0AFC-47AA-91A9-3E8DE0EAD2DC}" type="presParOf" srcId="{5CAF909E-868C-3444-90FB-A44A9950EB27}" destId="{F9BE6BE1-C741-48BF-B99B-527042DE33E2}" srcOrd="2" destOrd="0" presId="urn:microsoft.com/office/officeart/2005/8/layout/hierarchy5"/>
+    <dgm:cxn modelId="{41014854-3826-4570-90C4-EBA5DF5A83A9}" type="presParOf" srcId="{F9BE6BE1-C741-48BF-B99B-527042DE33E2}" destId="{D67C5A45-7856-45B9-BFDA-248A3FFB618B}" srcOrd="0" destOrd="0" presId="urn:microsoft.com/office/officeart/2005/8/layout/hierarchy5"/>
+    <dgm:cxn modelId="{DB14D7C7-89CC-48FB-A4D2-9BE6D59FD873}" type="presParOf" srcId="{5CAF909E-868C-3444-90FB-A44A9950EB27}" destId="{D116E9FB-744D-4A90-ACA6-3290027846B7}" srcOrd="3" destOrd="0" presId="urn:microsoft.com/office/officeart/2005/8/layout/hierarchy5"/>
+    <dgm:cxn modelId="{7C05A2D4-CA14-4DA0-88B0-3BBFA723ED78}" type="presParOf" srcId="{D116E9FB-744D-4A90-ACA6-3290027846B7}" destId="{B6E113D7-8823-4451-9EDF-1610D06160F5}" srcOrd="0" destOrd="0" presId="urn:microsoft.com/office/officeart/2005/8/layout/hierarchy5"/>
+    <dgm:cxn modelId="{A40CCBF8-D8FB-445C-A020-F36351955B9C}" type="presParOf" srcId="{D116E9FB-744D-4A90-ACA6-3290027846B7}" destId="{EDB8CDC4-6C99-4D2F-9277-A5D463F5E51E}" srcOrd="1" destOrd="0" presId="urn:microsoft.com/office/officeart/2005/8/layout/hierarchy5"/>
+    <dgm:cxn modelId="{466DE542-3044-A841-98C1-7D38143E1EED}" type="presParOf" srcId="{5CAF909E-868C-3444-90FB-A44A9950EB27}" destId="{DEB338D9-5153-3C45-A20C-019BE55E4289}" srcOrd="4" destOrd="0" presId="urn:microsoft.com/office/officeart/2005/8/layout/hierarchy5"/>
     <dgm:cxn modelId="{537D29C8-CD19-5247-92EC-94F8D61C36F9}" type="presParOf" srcId="{DEB338D9-5153-3C45-A20C-019BE55E4289}" destId="{15B239F7-7386-1841-9212-F52FB435AC79}" srcOrd="0" destOrd="0" presId="urn:microsoft.com/office/officeart/2005/8/layout/hierarchy5"/>
-    <dgm:cxn modelId="{6E16C02F-79EB-3246-B630-32399B886779}" type="presParOf" srcId="{5CAF909E-868C-3444-90FB-A44A9950EB27}" destId="{CB2A3024-FC33-DB42-990E-CBBB3C45C4DD}" srcOrd="3" destOrd="0" presId="urn:microsoft.com/office/officeart/2005/8/layout/hierarchy5"/>
+    <dgm:cxn modelId="{6E16C02F-79EB-3246-B630-32399B886779}" type="presParOf" srcId="{5CAF909E-868C-3444-90FB-A44A9950EB27}" destId="{CB2A3024-FC33-DB42-990E-CBBB3C45C4DD}" srcOrd="5" destOrd="0" presId="urn:microsoft.com/office/officeart/2005/8/layout/hierarchy5"/>
     <dgm:cxn modelId="{F03A49B0-DE7A-524B-AA04-F39814F6B9D8}" type="presParOf" srcId="{CB2A3024-FC33-DB42-990E-CBBB3C45C4DD}" destId="{3BFE038C-3F2F-0842-838C-F4B0FF121F71}" srcOrd="0" destOrd="0" presId="urn:microsoft.com/office/officeart/2005/8/layout/hierarchy5"/>
     <dgm:cxn modelId="{879FB632-2155-0049-B3EB-8970EFC34E48}" type="presParOf" srcId="{CB2A3024-FC33-DB42-990E-CBBB3C45C4DD}" destId="{2CCB80CA-B209-FC46-B459-2C682D68F798}" srcOrd="1" destOrd="0" presId="urn:microsoft.com/office/officeart/2005/8/layout/hierarchy5"/>
-    <dgm:cxn modelId="{1DA2372F-F7A2-724A-BE17-468329BAAE43}" type="presParOf" srcId="{5CAF909E-868C-3444-90FB-A44A9950EB27}" destId="{8A227CA5-77E3-E44D-8FC6-12E69809ADD6}" srcOrd="4" destOrd="0" presId="urn:microsoft.com/office/officeart/2005/8/layout/hierarchy5"/>
+    <dgm:cxn modelId="{1DA2372F-F7A2-724A-BE17-468329BAAE43}" type="presParOf" srcId="{5CAF909E-868C-3444-90FB-A44A9950EB27}" destId="{8A227CA5-77E3-E44D-8FC6-12E69809ADD6}" srcOrd="6" destOrd="0" presId="urn:microsoft.com/office/officeart/2005/8/layout/hierarchy5"/>
     <dgm:cxn modelId="{EE8DE7CF-E4E1-9C41-9A25-A05272155EDF}" type="presParOf" srcId="{8A227CA5-77E3-E44D-8FC6-12E69809ADD6}" destId="{C7AA90CC-CEC4-E54B-B80B-C7948542FDD9}" srcOrd="0" destOrd="0" presId="urn:microsoft.com/office/officeart/2005/8/layout/hierarchy5"/>
-    <dgm:cxn modelId="{5F83BCDB-CA92-7A4E-ADF2-4FB05BC17B38}" type="presParOf" srcId="{5CAF909E-868C-3444-90FB-A44A9950EB27}" destId="{22A84F7F-F09A-1349-85A7-6DB4695B66E4}" srcOrd="5" destOrd="0" presId="urn:microsoft.com/office/officeart/2005/8/layout/hierarchy5"/>
+    <dgm:cxn modelId="{5F83BCDB-CA92-7A4E-ADF2-4FB05BC17B38}" type="presParOf" srcId="{5CAF909E-868C-3444-90FB-A44A9950EB27}" destId="{22A84F7F-F09A-1349-85A7-6DB4695B66E4}" srcOrd="7" destOrd="0" presId="urn:microsoft.com/office/officeart/2005/8/layout/hierarchy5"/>
     <dgm:cxn modelId="{086B8A87-7DD6-F548-A885-2E5DE616CDCA}" type="presParOf" srcId="{22A84F7F-F09A-1349-85A7-6DB4695B66E4}" destId="{DCA1D83B-1E26-E945-92BA-4480561F7FF3}" srcOrd="0" destOrd="0" presId="urn:microsoft.com/office/officeart/2005/8/layout/hierarchy5"/>
     <dgm:cxn modelId="{FCC7343A-D573-6C42-BF52-1E62EB5358A9}" type="presParOf" srcId="{22A84F7F-F09A-1349-85A7-6DB4695B66E4}" destId="{49B61104-5BD1-F44A-98F9-D027160B6F19}" srcOrd="1" destOrd="0" presId="urn:microsoft.com/office/officeart/2005/8/layout/hierarchy5"/>
     <dgm:cxn modelId="{2B803386-D068-F541-B5A6-19DA4FED7215}" type="presParOf" srcId="{C30385A3-9067-3C40-A0DA-96E7707B2BAB}" destId="{FB940781-B036-0D4D-8481-11843FB112EB}" srcOrd="4" destOrd="0" presId="urn:microsoft.com/office/officeart/2005/8/layout/hierarchy5"/>
@@ -1957,14 +2556,14 @@
   <dgm:whole/>
   <dgm:extLst>
     <a:ext uri="http://schemas.microsoft.com/office/drawing/2008/diagram">
-      <dsp:dataModelExt xmlns:dsp="http://schemas.microsoft.com/office/drawing/2008/diagram" relId="rId6" minVer="http://schemas.openxmlformats.org/drawingml/2006/diagram"/>
+      <dsp:dataModelExt xmlns:dsp="http://schemas.microsoft.com/office/drawing/2008/diagram" xmlns="" relId="rId6" minVer="http://schemas.openxmlformats.org/drawingml/2006/diagram"/>
     </a:ext>
   </dgm:extLst>
 </dgm:dataModel>
 </file>
 
 <file path=ppt/diagrams/drawing1.xml><?xml version="1.0" encoding="utf-8"?>
-<dsp:drawing xmlns:dgm="http://schemas.openxmlformats.org/drawingml/2006/diagram" xmlns:dsp="http://schemas.microsoft.com/office/drawing/2008/diagram" xmlns:a="http://schemas.openxmlformats.org/drawingml/2006/main">
+<dsp:drawing xmlns:dgm="http://schemas.openxmlformats.org/drawingml/2006/diagram" xmlns:a="http://schemas.openxmlformats.org/drawingml/2006/main" xmlns:dsp="http://schemas.microsoft.com/office/drawing/2008/diagram">
   <dsp:spTree>
     <dsp:nvGrpSpPr>
       <dsp:cNvPr id="0" name=""/>
@@ -1978,8 +2577,1025 @@
       </dsp:nvSpPr>
       <dsp:spPr>
         <a:xfrm>
-          <a:off x="1868826" y="2629563"/>
-          <a:ext cx="870836" cy="435418"/>
+          <a:off x="1868186" y="2541500"/>
+          <a:ext cx="802621" cy="401310"/>
+        </a:xfrm>
+        <a:prstGeom prst="roundRect">
+          <a:avLst>
+            <a:gd name="adj" fmla="val 10000"/>
+          </a:avLst>
+        </a:prstGeom>
+        <a:solidFill>
+          <a:schemeClr val="accent2"/>
+        </a:solidFill>
+        <a:ln w="25400" cap="flat" cmpd="sng" algn="ctr">
+          <a:solidFill>
+            <a:schemeClr val="accent2">
+              <a:shade val="50000"/>
+            </a:schemeClr>
+          </a:solidFill>
+          <a:prstDash val="solid"/>
+        </a:ln>
+        <a:effectLst/>
+      </dsp:spPr>
+      <dsp:style>
+        <a:lnRef idx="2">
+          <a:schemeClr val="accent2">
+            <a:shade val="50000"/>
+          </a:schemeClr>
+        </a:lnRef>
+        <a:fillRef idx="1">
+          <a:schemeClr val="accent2"/>
+        </a:fillRef>
+        <a:effectRef idx="0">
+          <a:schemeClr val="accent2"/>
+        </a:effectRef>
+        <a:fontRef idx="minor">
+          <a:schemeClr val="lt1"/>
+        </a:fontRef>
+      </dsp:style>
+      <dsp:txBody>
+        <a:bodyPr spcFirstLastPara="0" vert="horz" wrap="square" lIns="5715" tIns="5715" rIns="5715" bIns="5715" numCol="1" spcCol="1270" anchor="ctr" anchorCtr="0">
+          <a:noAutofit/>
+        </a:bodyPr>
+        <a:lstStyle/>
+        <a:p>
+          <a:pPr lvl="0" algn="ctr" defTabSz="400050">
+            <a:lnSpc>
+              <a:spcPct val="90000"/>
+            </a:lnSpc>
+            <a:spcBef>
+              <a:spcPct val="0"/>
+            </a:spcBef>
+            <a:spcAft>
+              <a:spcPct val="35000"/>
+            </a:spcAft>
+          </a:pPr>
+          <a:r>
+            <a:rPr lang="en-US" sz="900" kern="1200" dirty="0" smtClean="0"/>
+            <a:t>Experiment folder</a:t>
+          </a:r>
+          <a:endParaRPr lang="en-US" sz="900" kern="1200" dirty="0"/>
+        </a:p>
+      </dsp:txBody>
+      <dsp:txXfrm>
+        <a:off x="1868186" y="2541500"/>
+        <a:ext cx="802621" cy="401310"/>
+      </dsp:txXfrm>
+    </dsp:sp>
+    <dsp:sp modelId="{484F3922-9C69-BA46-9809-7AD14156C2B6}">
+      <dsp:nvSpPr>
+        <dsp:cNvPr id="0" name=""/>
+        <dsp:cNvSpPr/>
+      </dsp:nvSpPr>
+      <dsp:spPr>
+        <a:xfrm rot="17024063">
+          <a:off x="1946040" y="1812839"/>
+          <a:ext cx="1900832" cy="12150"/>
+        </a:xfrm>
+        <a:custGeom>
+          <a:avLst/>
+          <a:gdLst/>
+          <a:ahLst/>
+          <a:cxnLst/>
+          <a:rect l="0" t="0" r="0" b="0"/>
+          <a:pathLst>
+            <a:path>
+              <a:moveTo>
+                <a:pt x="0" y="6075"/>
+              </a:moveTo>
+              <a:lnTo>
+                <a:pt x="1900832" y="6075"/>
+              </a:lnTo>
+            </a:path>
+          </a:pathLst>
+        </a:custGeom>
+        <a:noFill/>
+        <a:ln w="9525" cap="flat" cmpd="sng" algn="ctr">
+          <a:solidFill>
+            <a:schemeClr val="accent1">
+              <a:shade val="60000"/>
+              <a:hueOff val="0"/>
+              <a:satOff val="0"/>
+              <a:lumOff val="0"/>
+              <a:alphaOff val="0"/>
+            </a:schemeClr>
+          </a:solidFill>
+          <a:prstDash val="solid"/>
+        </a:ln>
+        <a:effectLst/>
+      </dsp:spPr>
+      <dsp:style>
+        <a:lnRef idx="1">
+          <a:scrgbClr r="0" g="0" b="0"/>
+        </a:lnRef>
+        <a:fillRef idx="0">
+          <a:scrgbClr r="0" g="0" b="0"/>
+        </a:fillRef>
+        <a:effectRef idx="0">
+          <a:scrgbClr r="0" g="0" b="0"/>
+        </a:effectRef>
+        <a:fontRef idx="minor"/>
+      </dsp:style>
+      <dsp:txBody>
+        <a:bodyPr spcFirstLastPara="0" vert="horz" wrap="square" lIns="12700" tIns="0" rIns="12700" bIns="0" numCol="1" spcCol="1270" anchor="ctr" anchorCtr="0">
+          <a:noAutofit/>
+        </a:bodyPr>
+        <a:lstStyle/>
+        <a:p>
+          <a:pPr lvl="0" algn="ctr" defTabSz="266700">
+            <a:lnSpc>
+              <a:spcPct val="90000"/>
+            </a:lnSpc>
+            <a:spcBef>
+              <a:spcPct val="0"/>
+            </a:spcBef>
+            <a:spcAft>
+              <a:spcPct val="35000"/>
+            </a:spcAft>
+          </a:pPr>
+          <a:endParaRPr lang="en-US" sz="600" kern="1200"/>
+        </a:p>
+      </dsp:txBody>
+      <dsp:txXfrm rot="17024063">
+        <a:off x="2848935" y="1771393"/>
+        <a:ext cx="95041" cy="95041"/>
+      </dsp:txXfrm>
+    </dsp:sp>
+    <dsp:sp modelId="{2C42EB7B-4FDE-E542-A4DA-9522CEFAD7A2}">
+      <dsp:nvSpPr>
+        <dsp:cNvPr id="0" name=""/>
+        <dsp:cNvSpPr/>
+      </dsp:nvSpPr>
+      <dsp:spPr>
+        <a:xfrm>
+          <a:off x="3122105" y="695018"/>
+          <a:ext cx="802621" cy="401310"/>
+        </a:xfrm>
+        <a:prstGeom prst="roundRect">
+          <a:avLst>
+            <a:gd name="adj" fmla="val 10000"/>
+          </a:avLst>
+        </a:prstGeom>
+        <a:gradFill rotWithShape="1">
+          <a:gsLst>
+            <a:gs pos="0">
+              <a:schemeClr val="accent5">
+                <a:tint val="100000"/>
+                <a:shade val="100000"/>
+                <a:satMod val="130000"/>
+              </a:schemeClr>
+            </a:gs>
+            <a:gs pos="100000">
+              <a:schemeClr val="accent5">
+                <a:tint val="50000"/>
+                <a:shade val="100000"/>
+                <a:satMod val="350000"/>
+              </a:schemeClr>
+            </a:gs>
+          </a:gsLst>
+          <a:lin ang="16200000" scaled="0"/>
+        </a:gradFill>
+        <a:ln w="9525" cap="flat" cmpd="sng" algn="ctr">
+          <a:solidFill>
+            <a:schemeClr val="accent5">
+              <a:shade val="95000"/>
+              <a:satMod val="105000"/>
+            </a:schemeClr>
+          </a:solidFill>
+          <a:prstDash val="solid"/>
+        </a:ln>
+        <a:effectLst>
+          <a:outerShdw blurRad="40000" dist="23000" dir="5400000" rotWithShape="0">
+            <a:srgbClr val="000000">
+              <a:alpha val="35000"/>
+            </a:srgbClr>
+          </a:outerShdw>
+        </a:effectLst>
+      </dsp:spPr>
+      <dsp:style>
+        <a:lnRef idx="1">
+          <a:schemeClr val="accent5"/>
+        </a:lnRef>
+        <a:fillRef idx="3">
+          <a:schemeClr val="accent5"/>
+        </a:fillRef>
+        <a:effectRef idx="2">
+          <a:schemeClr val="accent5"/>
+        </a:effectRef>
+        <a:fontRef idx="minor">
+          <a:schemeClr val="lt1"/>
+        </a:fontRef>
+      </dsp:style>
+      <dsp:txBody>
+        <a:bodyPr spcFirstLastPara="0" vert="horz" wrap="square" lIns="5715" tIns="5715" rIns="5715" bIns="5715" numCol="1" spcCol="1270" anchor="ctr" anchorCtr="0">
+          <a:noAutofit/>
+        </a:bodyPr>
+        <a:lstStyle/>
+        <a:p>
+          <a:pPr lvl="0" algn="ctr" defTabSz="400050">
+            <a:lnSpc>
+              <a:spcPct val="90000"/>
+            </a:lnSpc>
+            <a:spcBef>
+              <a:spcPct val="0"/>
+            </a:spcBef>
+            <a:spcAft>
+              <a:spcPct val="35000"/>
+            </a:spcAft>
+          </a:pPr>
+          <a:r>
+            <a:rPr lang="en-US" sz="900" kern="1200" dirty="0" smtClean="0"/>
+            <a:t>HMM</a:t>
+          </a:r>
+          <a:endParaRPr lang="en-US" sz="900" kern="1200" dirty="0"/>
+        </a:p>
+      </dsp:txBody>
+      <dsp:txXfrm>
+        <a:off x="3122105" y="695018"/>
+        <a:ext cx="802621" cy="401310"/>
+      </dsp:txXfrm>
+    </dsp:sp>
+    <dsp:sp modelId="{896BFDBB-DFE8-9640-918F-843F1DF71592}">
+      <dsp:nvSpPr>
+        <dsp:cNvPr id="0" name=""/>
+        <dsp:cNvSpPr/>
+      </dsp:nvSpPr>
+      <dsp:spPr>
+        <a:xfrm rot="17692822">
+          <a:off x="3703708" y="543467"/>
+          <a:ext cx="763083" cy="12150"/>
+        </a:xfrm>
+        <a:custGeom>
+          <a:avLst/>
+          <a:gdLst/>
+          <a:ahLst/>
+          <a:cxnLst/>
+          <a:rect l="0" t="0" r="0" b="0"/>
+          <a:pathLst>
+            <a:path>
+              <a:moveTo>
+                <a:pt x="0" y="6075"/>
+              </a:moveTo>
+              <a:lnTo>
+                <a:pt x="763083" y="6075"/>
+              </a:lnTo>
+            </a:path>
+          </a:pathLst>
+        </a:custGeom>
+        <a:noFill/>
+        <a:ln w="9525" cap="flat" cmpd="sng" algn="ctr">
+          <a:solidFill>
+            <a:schemeClr val="accent1">
+              <a:shade val="80000"/>
+              <a:hueOff val="0"/>
+              <a:satOff val="0"/>
+              <a:lumOff val="0"/>
+              <a:alphaOff val="0"/>
+            </a:schemeClr>
+          </a:solidFill>
+          <a:prstDash val="solid"/>
+        </a:ln>
+        <a:effectLst/>
+      </dsp:spPr>
+      <dsp:style>
+        <a:lnRef idx="1">
+          <a:scrgbClr r="0" g="0" b="0"/>
+        </a:lnRef>
+        <a:fillRef idx="0">
+          <a:scrgbClr r="0" g="0" b="0"/>
+        </a:fillRef>
+        <a:effectRef idx="0">
+          <a:scrgbClr r="0" g="0" b="0"/>
+        </a:effectRef>
+        <a:fontRef idx="minor"/>
+      </dsp:style>
+      <dsp:txBody>
+        <a:bodyPr spcFirstLastPara="0" vert="horz" wrap="square" lIns="12700" tIns="0" rIns="12700" bIns="0" numCol="1" spcCol="1270" anchor="ctr" anchorCtr="0">
+          <a:noAutofit/>
+        </a:bodyPr>
+        <a:lstStyle/>
+        <a:p>
+          <a:pPr lvl="0" algn="ctr" defTabSz="222250">
+            <a:lnSpc>
+              <a:spcPct val="90000"/>
+            </a:lnSpc>
+            <a:spcBef>
+              <a:spcPct val="0"/>
+            </a:spcBef>
+            <a:spcAft>
+              <a:spcPct val="35000"/>
+            </a:spcAft>
+          </a:pPr>
+          <a:endParaRPr lang="en-US" sz="500" kern="1200"/>
+        </a:p>
+      </dsp:txBody>
+      <dsp:txXfrm rot="17692822">
+        <a:off x="4066173" y="530466"/>
+        <a:ext cx="38154" cy="38154"/>
+      </dsp:txXfrm>
+    </dsp:sp>
+    <dsp:sp modelId="{12ACF3D5-44C2-E344-B5ED-1E70A4542AA4}">
+      <dsp:nvSpPr>
+        <dsp:cNvPr id="0" name=""/>
+        <dsp:cNvSpPr/>
+      </dsp:nvSpPr>
+      <dsp:spPr>
+        <a:xfrm>
+          <a:off x="4245774" y="2757"/>
+          <a:ext cx="802621" cy="401310"/>
+        </a:xfrm>
+        <a:prstGeom prst="roundRect">
+          <a:avLst>
+            <a:gd name="adj" fmla="val 10000"/>
+          </a:avLst>
+        </a:prstGeom>
+        <a:gradFill rotWithShape="1">
+          <a:gsLst>
+            <a:gs pos="0">
+              <a:schemeClr val="accent5">
+                <a:tint val="100000"/>
+                <a:shade val="100000"/>
+                <a:satMod val="130000"/>
+              </a:schemeClr>
+            </a:gs>
+            <a:gs pos="100000">
+              <a:schemeClr val="accent5">
+                <a:tint val="50000"/>
+                <a:shade val="100000"/>
+                <a:satMod val="350000"/>
+              </a:schemeClr>
+            </a:gs>
+          </a:gsLst>
+          <a:lin ang="16200000" scaled="0"/>
+        </a:gradFill>
+        <a:ln w="9525" cap="flat" cmpd="sng" algn="ctr">
+          <a:solidFill>
+            <a:schemeClr val="accent5">
+              <a:shade val="95000"/>
+              <a:satMod val="105000"/>
+            </a:schemeClr>
+          </a:solidFill>
+          <a:prstDash val="solid"/>
+        </a:ln>
+        <a:effectLst>
+          <a:outerShdw blurRad="40000" dist="23000" dir="5400000" rotWithShape="0">
+            <a:srgbClr val="000000">
+              <a:alpha val="35000"/>
+            </a:srgbClr>
+          </a:outerShdw>
+        </a:effectLst>
+      </dsp:spPr>
+      <dsp:style>
+        <a:lnRef idx="1">
+          <a:schemeClr val="accent5"/>
+        </a:lnRef>
+        <a:fillRef idx="3">
+          <a:schemeClr val="accent5"/>
+        </a:fillRef>
+        <a:effectRef idx="2">
+          <a:schemeClr val="accent5"/>
+        </a:effectRef>
+        <a:fontRef idx="minor">
+          <a:schemeClr val="lt1"/>
+        </a:fontRef>
+      </dsp:style>
+      <dsp:txBody>
+        <a:bodyPr spcFirstLastPara="0" vert="horz" wrap="square" lIns="5715" tIns="5715" rIns="5715" bIns="5715" numCol="1" spcCol="1270" anchor="ctr" anchorCtr="0">
+          <a:noAutofit/>
+        </a:bodyPr>
+        <a:lstStyle/>
+        <a:p>
+          <a:pPr lvl="0" algn="ctr" defTabSz="400050">
+            <a:lnSpc>
+              <a:spcPct val="90000"/>
+            </a:lnSpc>
+            <a:spcBef>
+              <a:spcPct val="0"/>
+            </a:spcBef>
+            <a:spcAft>
+              <a:spcPct val="35000"/>
+            </a:spcAft>
+          </a:pPr>
+          <a:r>
+            <a:rPr lang="en-US" sz="900" kern="1200" dirty="0" smtClean="0"/>
+            <a:t>hmm1</a:t>
+          </a:r>
+          <a:endParaRPr lang="en-US" sz="900" kern="1200" dirty="0"/>
+        </a:p>
+      </dsp:txBody>
+      <dsp:txXfrm>
+        <a:off x="4245774" y="2757"/>
+        <a:ext cx="802621" cy="401310"/>
+      </dsp:txXfrm>
+    </dsp:sp>
+    <dsp:sp modelId="{1DD71699-0CCA-0A40-8CDC-C2BBA5468CE2}">
+      <dsp:nvSpPr>
+        <dsp:cNvPr id="0" name=""/>
+        <dsp:cNvSpPr/>
+      </dsp:nvSpPr>
+      <dsp:spPr>
+        <a:xfrm rot="19457599">
+          <a:off x="3887564" y="774221"/>
+          <a:ext cx="395372" cy="12150"/>
+        </a:xfrm>
+        <a:custGeom>
+          <a:avLst/>
+          <a:gdLst/>
+          <a:ahLst/>
+          <a:cxnLst/>
+          <a:rect l="0" t="0" r="0" b="0"/>
+          <a:pathLst>
+            <a:path>
+              <a:moveTo>
+                <a:pt x="0" y="6075"/>
+              </a:moveTo>
+              <a:lnTo>
+                <a:pt x="395372" y="6075"/>
+              </a:lnTo>
+            </a:path>
+          </a:pathLst>
+        </a:custGeom>
+        <a:noFill/>
+        <a:ln w="9525" cap="flat" cmpd="sng" algn="ctr">
+          <a:solidFill>
+            <a:schemeClr val="accent1">
+              <a:shade val="80000"/>
+              <a:hueOff val="0"/>
+              <a:satOff val="0"/>
+              <a:lumOff val="0"/>
+              <a:alphaOff val="0"/>
+            </a:schemeClr>
+          </a:solidFill>
+          <a:prstDash val="solid"/>
+        </a:ln>
+        <a:effectLst/>
+      </dsp:spPr>
+      <dsp:style>
+        <a:lnRef idx="1">
+          <a:scrgbClr r="0" g="0" b="0"/>
+        </a:lnRef>
+        <a:fillRef idx="0">
+          <a:scrgbClr r="0" g="0" b="0"/>
+        </a:fillRef>
+        <a:effectRef idx="0">
+          <a:scrgbClr r="0" g="0" b="0"/>
+        </a:effectRef>
+        <a:fontRef idx="minor"/>
+      </dsp:style>
+      <dsp:txBody>
+        <a:bodyPr spcFirstLastPara="0" vert="horz" wrap="square" lIns="12700" tIns="0" rIns="12700" bIns="0" numCol="1" spcCol="1270" anchor="ctr" anchorCtr="0">
+          <a:noAutofit/>
+        </a:bodyPr>
+        <a:lstStyle/>
+        <a:p>
+          <a:pPr lvl="0" algn="ctr" defTabSz="222250">
+            <a:lnSpc>
+              <a:spcPct val="90000"/>
+            </a:lnSpc>
+            <a:spcBef>
+              <a:spcPct val="0"/>
+            </a:spcBef>
+            <a:spcAft>
+              <a:spcPct val="35000"/>
+            </a:spcAft>
+          </a:pPr>
+          <a:endParaRPr lang="en-US" sz="500" kern="1200"/>
+        </a:p>
+      </dsp:txBody>
+      <dsp:txXfrm rot="19457599">
+        <a:off x="4075366" y="770412"/>
+        <a:ext cx="19768" cy="19768"/>
+      </dsp:txXfrm>
+    </dsp:sp>
+    <dsp:sp modelId="{CB0DE45B-F500-5342-AF9D-44ECCCAC36D5}">
+      <dsp:nvSpPr>
+        <dsp:cNvPr id="0" name=""/>
+        <dsp:cNvSpPr/>
+      </dsp:nvSpPr>
+      <dsp:spPr>
+        <a:xfrm>
+          <a:off x="4245774" y="464264"/>
+          <a:ext cx="802621" cy="401310"/>
+        </a:xfrm>
+        <a:prstGeom prst="roundRect">
+          <a:avLst>
+            <a:gd name="adj" fmla="val 10000"/>
+          </a:avLst>
+        </a:prstGeom>
+        <a:gradFill rotWithShape="1">
+          <a:gsLst>
+            <a:gs pos="0">
+              <a:schemeClr val="accent5">
+                <a:tint val="100000"/>
+                <a:shade val="100000"/>
+                <a:satMod val="130000"/>
+              </a:schemeClr>
+            </a:gs>
+            <a:gs pos="100000">
+              <a:schemeClr val="accent5">
+                <a:tint val="50000"/>
+                <a:shade val="100000"/>
+                <a:satMod val="350000"/>
+              </a:schemeClr>
+            </a:gs>
+          </a:gsLst>
+          <a:lin ang="16200000" scaled="0"/>
+        </a:gradFill>
+        <a:ln w="9525" cap="flat" cmpd="sng" algn="ctr">
+          <a:solidFill>
+            <a:schemeClr val="accent5">
+              <a:shade val="95000"/>
+              <a:satMod val="105000"/>
+            </a:schemeClr>
+          </a:solidFill>
+          <a:prstDash val="solid"/>
+        </a:ln>
+        <a:effectLst>
+          <a:outerShdw blurRad="40000" dist="23000" dir="5400000" rotWithShape="0">
+            <a:srgbClr val="000000">
+              <a:alpha val="35000"/>
+            </a:srgbClr>
+          </a:outerShdw>
+        </a:effectLst>
+      </dsp:spPr>
+      <dsp:style>
+        <a:lnRef idx="1">
+          <a:schemeClr val="accent5"/>
+        </a:lnRef>
+        <a:fillRef idx="3">
+          <a:schemeClr val="accent5"/>
+        </a:fillRef>
+        <a:effectRef idx="2">
+          <a:schemeClr val="accent5"/>
+        </a:effectRef>
+        <a:fontRef idx="minor">
+          <a:schemeClr val="lt1"/>
+        </a:fontRef>
+      </dsp:style>
+      <dsp:txBody>
+        <a:bodyPr spcFirstLastPara="0" vert="horz" wrap="square" lIns="5715" tIns="5715" rIns="5715" bIns="5715" numCol="1" spcCol="1270" anchor="ctr" anchorCtr="0">
+          <a:noAutofit/>
+        </a:bodyPr>
+        <a:lstStyle/>
+        <a:p>
+          <a:pPr lvl="0" algn="ctr" defTabSz="400050">
+            <a:lnSpc>
+              <a:spcPct val="90000"/>
+            </a:lnSpc>
+            <a:spcBef>
+              <a:spcPct val="0"/>
+            </a:spcBef>
+            <a:spcAft>
+              <a:spcPct val="35000"/>
+            </a:spcAft>
+          </a:pPr>
+          <a:r>
+            <a:rPr lang="en-US" sz="900" kern="1200" dirty="0" smtClean="0"/>
+            <a:t>hmm2</a:t>
+          </a:r>
+          <a:endParaRPr lang="en-US" sz="900" kern="1200" dirty="0"/>
+        </a:p>
+      </dsp:txBody>
+      <dsp:txXfrm>
+        <a:off x="4245774" y="464264"/>
+        <a:ext cx="802621" cy="401310"/>
+      </dsp:txXfrm>
+    </dsp:sp>
+    <dsp:sp modelId="{4C569D8C-DCE5-4A4F-AD46-E6530F45BA03}">
+      <dsp:nvSpPr>
+        <dsp:cNvPr id="0" name=""/>
+        <dsp:cNvSpPr/>
+      </dsp:nvSpPr>
+      <dsp:spPr>
+        <a:xfrm rot="2142401">
+          <a:off x="3887564" y="1004974"/>
+          <a:ext cx="395372" cy="12150"/>
+        </a:xfrm>
+        <a:custGeom>
+          <a:avLst/>
+          <a:gdLst/>
+          <a:ahLst/>
+          <a:cxnLst/>
+          <a:rect l="0" t="0" r="0" b="0"/>
+          <a:pathLst>
+            <a:path>
+              <a:moveTo>
+                <a:pt x="0" y="6075"/>
+              </a:moveTo>
+              <a:lnTo>
+                <a:pt x="395372" y="6075"/>
+              </a:lnTo>
+            </a:path>
+          </a:pathLst>
+        </a:custGeom>
+        <a:noFill/>
+        <a:ln w="9525" cap="flat" cmpd="sng" algn="ctr">
+          <a:solidFill>
+            <a:schemeClr val="accent1">
+              <a:shade val="80000"/>
+              <a:hueOff val="0"/>
+              <a:satOff val="0"/>
+              <a:lumOff val="0"/>
+              <a:alphaOff val="0"/>
+            </a:schemeClr>
+          </a:solidFill>
+          <a:prstDash val="solid"/>
+        </a:ln>
+        <a:effectLst/>
+      </dsp:spPr>
+      <dsp:style>
+        <a:lnRef idx="1">
+          <a:scrgbClr r="0" g="0" b="0"/>
+        </a:lnRef>
+        <a:fillRef idx="0">
+          <a:scrgbClr r="0" g="0" b="0"/>
+        </a:fillRef>
+        <a:effectRef idx="0">
+          <a:scrgbClr r="0" g="0" b="0"/>
+        </a:effectRef>
+        <a:fontRef idx="minor"/>
+      </dsp:style>
+      <dsp:txBody>
+        <a:bodyPr spcFirstLastPara="0" vert="horz" wrap="square" lIns="12700" tIns="0" rIns="12700" bIns="0" numCol="1" spcCol="1270" anchor="ctr" anchorCtr="0">
+          <a:noAutofit/>
+        </a:bodyPr>
+        <a:lstStyle/>
+        <a:p>
+          <a:pPr lvl="0" algn="ctr" defTabSz="222250">
+            <a:lnSpc>
+              <a:spcPct val="90000"/>
+            </a:lnSpc>
+            <a:spcBef>
+              <a:spcPct val="0"/>
+            </a:spcBef>
+            <a:spcAft>
+              <a:spcPct val="35000"/>
+            </a:spcAft>
+          </a:pPr>
+          <a:endParaRPr lang="en-US" sz="500" kern="1200"/>
+        </a:p>
+      </dsp:txBody>
+      <dsp:txXfrm rot="2142401">
+        <a:off x="4075366" y="1001166"/>
+        <a:ext cx="19768" cy="19768"/>
+      </dsp:txXfrm>
+    </dsp:sp>
+    <dsp:sp modelId="{6EA26667-D5E6-7142-BE46-86F5C9D41BF7}">
+      <dsp:nvSpPr>
+        <dsp:cNvPr id="0" name=""/>
+        <dsp:cNvSpPr/>
+      </dsp:nvSpPr>
+      <dsp:spPr>
+        <a:xfrm>
+          <a:off x="4245774" y="925771"/>
+          <a:ext cx="802621" cy="401310"/>
+        </a:xfrm>
+        <a:prstGeom prst="roundRect">
+          <a:avLst>
+            <a:gd name="adj" fmla="val 10000"/>
+          </a:avLst>
+        </a:prstGeom>
+        <a:gradFill rotWithShape="1">
+          <a:gsLst>
+            <a:gs pos="0">
+              <a:schemeClr val="accent5">
+                <a:tint val="100000"/>
+                <a:shade val="100000"/>
+                <a:satMod val="130000"/>
+              </a:schemeClr>
+            </a:gs>
+            <a:gs pos="100000">
+              <a:schemeClr val="accent5">
+                <a:tint val="50000"/>
+                <a:shade val="100000"/>
+                <a:satMod val="350000"/>
+              </a:schemeClr>
+            </a:gs>
+          </a:gsLst>
+          <a:lin ang="16200000" scaled="0"/>
+        </a:gradFill>
+        <a:ln w="9525" cap="flat" cmpd="sng" algn="ctr">
+          <a:solidFill>
+            <a:schemeClr val="accent5">
+              <a:shade val="95000"/>
+              <a:satMod val="105000"/>
+            </a:schemeClr>
+          </a:solidFill>
+          <a:prstDash val="solid"/>
+        </a:ln>
+        <a:effectLst>
+          <a:outerShdw blurRad="40000" dist="23000" dir="5400000" rotWithShape="0">
+            <a:srgbClr val="000000">
+              <a:alpha val="35000"/>
+            </a:srgbClr>
+          </a:outerShdw>
+        </a:effectLst>
+      </dsp:spPr>
+      <dsp:style>
+        <a:lnRef idx="1">
+          <a:schemeClr val="accent5"/>
+        </a:lnRef>
+        <a:fillRef idx="3">
+          <a:schemeClr val="accent5"/>
+        </a:fillRef>
+        <a:effectRef idx="2">
+          <a:schemeClr val="accent5"/>
+        </a:effectRef>
+        <a:fontRef idx="minor">
+          <a:schemeClr val="lt1"/>
+        </a:fontRef>
+      </dsp:style>
+      <dsp:txBody>
+        <a:bodyPr spcFirstLastPara="0" vert="horz" wrap="square" lIns="5715" tIns="5715" rIns="5715" bIns="5715" numCol="1" spcCol="1270" anchor="ctr" anchorCtr="0">
+          <a:noAutofit/>
+        </a:bodyPr>
+        <a:lstStyle/>
+        <a:p>
+          <a:pPr lvl="0" algn="ctr" defTabSz="400050">
+            <a:lnSpc>
+              <a:spcPct val="90000"/>
+            </a:lnSpc>
+            <a:spcBef>
+              <a:spcPct val="0"/>
+            </a:spcBef>
+            <a:spcAft>
+              <a:spcPct val="35000"/>
+            </a:spcAft>
+          </a:pPr>
+          <a:r>
+            <a:rPr lang="en-US" sz="900" kern="1200" dirty="0" smtClean="0"/>
+            <a:t>hmm…</a:t>
+          </a:r>
+          <a:endParaRPr lang="en-US" sz="900" kern="1200" dirty="0"/>
+        </a:p>
+      </dsp:txBody>
+      <dsp:txXfrm>
+        <a:off x="4245774" y="925771"/>
+        <a:ext cx="802621" cy="401310"/>
+      </dsp:txXfrm>
+    </dsp:sp>
+    <dsp:sp modelId="{F21A2F2E-AD0A-AF4B-9FA3-F3EAD95A302B}">
+      <dsp:nvSpPr>
+        <dsp:cNvPr id="0" name=""/>
+        <dsp:cNvSpPr/>
+      </dsp:nvSpPr>
+      <dsp:spPr>
+        <a:xfrm rot="3907178">
+          <a:off x="3703708" y="1235728"/>
+          <a:ext cx="763083" cy="12150"/>
+        </a:xfrm>
+        <a:custGeom>
+          <a:avLst/>
+          <a:gdLst/>
+          <a:ahLst/>
+          <a:cxnLst/>
+          <a:rect l="0" t="0" r="0" b="0"/>
+          <a:pathLst>
+            <a:path>
+              <a:moveTo>
+                <a:pt x="0" y="6075"/>
+              </a:moveTo>
+              <a:lnTo>
+                <a:pt x="763083" y="6075"/>
+              </a:lnTo>
+            </a:path>
+          </a:pathLst>
+        </a:custGeom>
+        <a:noFill/>
+        <a:ln w="9525" cap="flat" cmpd="sng" algn="ctr">
+          <a:solidFill>
+            <a:schemeClr val="accent1">
+              <a:shade val="80000"/>
+              <a:hueOff val="0"/>
+              <a:satOff val="0"/>
+              <a:lumOff val="0"/>
+              <a:alphaOff val="0"/>
+            </a:schemeClr>
+          </a:solidFill>
+          <a:prstDash val="solid"/>
+        </a:ln>
+        <a:effectLst/>
+      </dsp:spPr>
+      <dsp:style>
+        <a:lnRef idx="1">
+          <a:scrgbClr r="0" g="0" b="0"/>
+        </a:lnRef>
+        <a:fillRef idx="0">
+          <a:scrgbClr r="0" g="0" b="0"/>
+        </a:fillRef>
+        <a:effectRef idx="0">
+          <a:scrgbClr r="0" g="0" b="0"/>
+        </a:effectRef>
+        <a:fontRef idx="minor"/>
+      </dsp:style>
+      <dsp:txBody>
+        <a:bodyPr spcFirstLastPara="0" vert="horz" wrap="square" lIns="12700" tIns="0" rIns="12700" bIns="0" numCol="1" spcCol="1270" anchor="ctr" anchorCtr="0">
+          <a:noAutofit/>
+        </a:bodyPr>
+        <a:lstStyle/>
+        <a:p>
+          <a:pPr lvl="0" algn="ctr" defTabSz="222250">
+            <a:lnSpc>
+              <a:spcPct val="90000"/>
+            </a:lnSpc>
+            <a:spcBef>
+              <a:spcPct val="0"/>
+            </a:spcBef>
+            <a:spcAft>
+              <a:spcPct val="35000"/>
+            </a:spcAft>
+          </a:pPr>
+          <a:endParaRPr lang="en-US" sz="500" kern="1200"/>
+        </a:p>
+      </dsp:txBody>
+      <dsp:txXfrm rot="3907178">
+        <a:off x="4066173" y="1222726"/>
+        <a:ext cx="38154" cy="38154"/>
+      </dsp:txXfrm>
+    </dsp:sp>
+    <dsp:sp modelId="{61C4C204-C9B5-224A-B021-4011A5E59734}">
+      <dsp:nvSpPr>
+        <dsp:cNvPr id="0" name=""/>
+        <dsp:cNvSpPr/>
+      </dsp:nvSpPr>
+      <dsp:spPr>
+        <a:xfrm>
+          <a:off x="4245774" y="1387278"/>
+          <a:ext cx="802621" cy="401310"/>
+        </a:xfrm>
+        <a:prstGeom prst="roundRect">
+          <a:avLst>
+            <a:gd name="adj" fmla="val 10000"/>
+          </a:avLst>
+        </a:prstGeom>
+        <a:gradFill rotWithShape="1">
+          <a:gsLst>
+            <a:gs pos="0">
+              <a:schemeClr val="accent5">
+                <a:tint val="100000"/>
+                <a:shade val="100000"/>
+                <a:satMod val="130000"/>
+              </a:schemeClr>
+            </a:gs>
+            <a:gs pos="100000">
+              <a:schemeClr val="accent5">
+                <a:tint val="50000"/>
+                <a:shade val="100000"/>
+                <a:satMod val="350000"/>
+              </a:schemeClr>
+            </a:gs>
+          </a:gsLst>
+          <a:lin ang="16200000" scaled="0"/>
+        </a:gradFill>
+        <a:ln w="9525" cap="flat" cmpd="sng" algn="ctr">
+          <a:solidFill>
+            <a:schemeClr val="accent5">
+              <a:shade val="95000"/>
+              <a:satMod val="105000"/>
+            </a:schemeClr>
+          </a:solidFill>
+          <a:prstDash val="solid"/>
+        </a:ln>
+        <a:effectLst>
+          <a:outerShdw blurRad="40000" dist="23000" dir="5400000" rotWithShape="0">
+            <a:srgbClr val="000000">
+              <a:alpha val="35000"/>
+            </a:srgbClr>
+          </a:outerShdw>
+        </a:effectLst>
+      </dsp:spPr>
+      <dsp:style>
+        <a:lnRef idx="1">
+          <a:schemeClr val="accent5"/>
+        </a:lnRef>
+        <a:fillRef idx="3">
+          <a:schemeClr val="accent5"/>
+        </a:fillRef>
+        <a:effectRef idx="2">
+          <a:schemeClr val="accent5"/>
+        </a:effectRef>
+        <a:fontRef idx="minor">
+          <a:schemeClr val="lt1"/>
+        </a:fontRef>
+      </dsp:style>
+      <dsp:txBody>
+        <a:bodyPr spcFirstLastPara="0" vert="horz" wrap="square" lIns="5715" tIns="5715" rIns="5715" bIns="5715" numCol="1" spcCol="1270" anchor="ctr" anchorCtr="0">
+          <a:noAutofit/>
+        </a:bodyPr>
+        <a:lstStyle/>
+        <a:p>
+          <a:pPr lvl="0" algn="ctr" defTabSz="400050">
+            <a:lnSpc>
+              <a:spcPct val="90000"/>
+            </a:lnSpc>
+            <a:spcBef>
+              <a:spcPct val="0"/>
+            </a:spcBef>
+            <a:spcAft>
+              <a:spcPct val="35000"/>
+            </a:spcAft>
+          </a:pPr>
+          <a:r>
+            <a:rPr lang="en-US" sz="900" kern="1200" dirty="0" err="1" smtClean="0"/>
+            <a:t>tmp.list</a:t>
+          </a:r>
+          <a:endParaRPr lang="en-US" sz="900" kern="1200" dirty="0"/>
+        </a:p>
+      </dsp:txBody>
+      <dsp:txXfrm>
+        <a:off x="4245774" y="1387278"/>
+        <a:ext cx="802621" cy="401310"/>
+      </dsp:txXfrm>
+    </dsp:sp>
+    <dsp:sp modelId="{3F009B34-E212-1940-A9A8-17188D519ECB}">
+      <dsp:nvSpPr>
+        <dsp:cNvPr id="0" name=""/>
+        <dsp:cNvSpPr/>
+      </dsp:nvSpPr>
+      <dsp:spPr>
+        <a:xfrm rot="21596546">
+          <a:off x="2670807" y="2735853"/>
+          <a:ext cx="451297" cy="12150"/>
+        </a:xfrm>
+        <a:custGeom>
+          <a:avLst/>
+          <a:gdLst/>
+          <a:ahLst/>
+          <a:cxnLst/>
+          <a:rect l="0" t="0" r="0" b="0"/>
+          <a:pathLst>
+            <a:path>
+              <a:moveTo>
+                <a:pt x="0" y="6075"/>
+              </a:moveTo>
+              <a:lnTo>
+                <a:pt x="451297" y="6075"/>
+              </a:lnTo>
+            </a:path>
+          </a:pathLst>
+        </a:custGeom>
+        <a:noFill/>
+        <a:ln w="9525" cap="flat" cmpd="sng" algn="ctr">
+          <a:solidFill>
+            <a:schemeClr val="accent1">
+              <a:shade val="60000"/>
+              <a:hueOff val="0"/>
+              <a:satOff val="0"/>
+              <a:lumOff val="0"/>
+              <a:alphaOff val="0"/>
+            </a:schemeClr>
+          </a:solidFill>
+          <a:prstDash val="solid"/>
+        </a:ln>
+        <a:effectLst/>
+      </dsp:spPr>
+      <dsp:style>
+        <a:lnRef idx="1">
+          <a:scrgbClr r="0" g="0" b="0"/>
+        </a:lnRef>
+        <a:fillRef idx="0">
+          <a:scrgbClr r="0" g="0" b="0"/>
+        </a:fillRef>
+        <a:effectRef idx="0">
+          <a:scrgbClr r="0" g="0" b="0"/>
+        </a:effectRef>
+        <a:fontRef idx="minor"/>
+      </dsp:style>
+      <dsp:txBody>
+        <a:bodyPr spcFirstLastPara="0" vert="horz" wrap="square" lIns="12700" tIns="0" rIns="12700" bIns="0" numCol="1" spcCol="1270" anchor="ctr" anchorCtr="0">
+          <a:noAutofit/>
+        </a:bodyPr>
+        <a:lstStyle/>
+        <a:p>
+          <a:pPr lvl="0" algn="ctr" defTabSz="222250">
+            <a:lnSpc>
+              <a:spcPct val="90000"/>
+            </a:lnSpc>
+            <a:spcBef>
+              <a:spcPct val="0"/>
+            </a:spcBef>
+            <a:spcAft>
+              <a:spcPct val="35000"/>
+            </a:spcAft>
+          </a:pPr>
+          <a:endParaRPr lang="en-US" sz="500" kern="1200"/>
+        </a:p>
+      </dsp:txBody>
+      <dsp:txXfrm rot="21596546">
+        <a:off x="2885174" y="2730646"/>
+        <a:ext cx="22564" cy="22564"/>
+      </dsp:txXfrm>
+    </dsp:sp>
+    <dsp:sp modelId="{8125C6A5-ABB3-6345-AC76-5FB72A611740}">
+      <dsp:nvSpPr>
+        <dsp:cNvPr id="0" name=""/>
+        <dsp:cNvSpPr/>
+      </dsp:nvSpPr>
+      <dsp:spPr>
+        <a:xfrm>
+          <a:off x="3122105" y="2541046"/>
+          <a:ext cx="802621" cy="401310"/>
         </a:xfrm>
         <a:prstGeom prst="roundRect">
           <a:avLst>
@@ -2039,12 +3655,12 @@
         </a:fontRef>
       </dsp:style>
       <dsp:txBody>
-        <a:bodyPr spcFirstLastPara="0" vert="horz" wrap="square" lIns="6350" tIns="6350" rIns="6350" bIns="6350" numCol="1" spcCol="1270" anchor="ctr" anchorCtr="0">
+        <a:bodyPr spcFirstLastPara="0" vert="horz" wrap="square" lIns="5715" tIns="5715" rIns="5715" bIns="5715" numCol="1" spcCol="1270" anchor="ctr" anchorCtr="0">
           <a:noAutofit/>
         </a:bodyPr>
         <a:lstStyle/>
         <a:p>
-          <a:pPr lvl="0" algn="ctr" defTabSz="444500">
+          <a:pPr lvl="0" algn="ctr" defTabSz="400050">
             <a:lnSpc>
               <a:spcPct val="90000"/>
             </a:lnSpc>
@@ -2056,26 +3672,26 @@
             </a:spcAft>
           </a:pPr>
           <a:r>
-            <a:rPr lang="en-US" sz="1000" kern="1200" dirty="0" smtClean="0"/>
-            <a:t>Experiment folder</a:t>
+            <a:rPr lang="en-US" sz="900" kern="1200" dirty="0" err="1" smtClean="0"/>
+            <a:t>featL</a:t>
           </a:r>
-          <a:endParaRPr lang="en-US" sz="1000" kern="1200" dirty="0"/>
+          <a:endParaRPr lang="en-US" sz="900" kern="1200" dirty="0"/>
         </a:p>
       </dsp:txBody>
       <dsp:txXfrm>
-        <a:off x="1881579" y="2642316"/>
-        <a:ext cx="845330" cy="409912"/>
+        <a:off x="3122105" y="2541046"/>
+        <a:ext cx="802621" cy="401310"/>
       </dsp:txXfrm>
     </dsp:sp>
-    <dsp:sp modelId="{484F3922-9C69-BA46-9809-7AD14156C2B6}">
+    <dsp:sp modelId="{4ED16191-611F-4144-A940-15AAA4725161}">
       <dsp:nvSpPr>
         <dsp:cNvPr id="0" name=""/>
         <dsp:cNvSpPr/>
       </dsp:nvSpPr>
       <dsp:spPr>
-        <a:xfrm rot="16830559">
-          <a:off x="1958941" y="1901810"/>
-          <a:ext cx="1909777" cy="13183"/>
+        <a:xfrm rot="17692822">
+          <a:off x="3703708" y="2389496"/>
+          <a:ext cx="763083" cy="12150"/>
         </a:xfrm>
         <a:custGeom>
           <a:avLst/>
@@ -2086,10 +3702,10 @@
           <a:pathLst>
             <a:path>
               <a:moveTo>
-                <a:pt x="0" y="6591"/>
+                <a:pt x="0" y="6075"/>
               </a:moveTo>
               <a:lnTo>
-                <a:pt x="1909777" y="6591"/>
+                <a:pt x="763083" y="6075"/>
               </a:lnTo>
             </a:path>
           </a:pathLst>
@@ -2098,7 +3714,7 @@
         <a:ln w="9525" cap="flat" cmpd="sng" algn="ctr">
           <a:solidFill>
             <a:schemeClr val="accent1">
-              <a:shade val="60000"/>
+              <a:shade val="80000"/>
               <a:hueOff val="0"/>
               <a:satOff val="0"/>
               <a:lumOff val="0"/>
@@ -2127,7 +3743,7 @@
         </a:bodyPr>
         <a:lstStyle/>
         <a:p>
-          <a:pPr lvl="0" algn="ctr" defTabSz="266700">
+          <a:pPr lvl="0" algn="ctr" defTabSz="222250">
             <a:lnSpc>
               <a:spcPct val="90000"/>
             </a:lnSpc>
@@ -2138,23 +3754,23 @@
               <a:spcPct val="35000"/>
             </a:spcAft>
           </a:pPr>
-          <a:endParaRPr lang="en-US" sz="600" kern="1200"/>
+          <a:endParaRPr lang="en-US" sz="500" kern="1200"/>
         </a:p>
       </dsp:txBody>
-      <dsp:txXfrm>
-        <a:off x="2866085" y="1860657"/>
-        <a:ext cx="95488" cy="95488"/>
+      <dsp:txXfrm rot="17692822">
+        <a:off x="4066173" y="2376494"/>
+        <a:ext cx="38154" cy="38154"/>
       </dsp:txXfrm>
     </dsp:sp>
-    <dsp:sp modelId="{2C42EB7B-4FDE-E542-A4DA-9522CEFAD7A2}">
+    <dsp:sp modelId="{991AE36F-702E-604E-8B03-3783CDD3AF18}">
       <dsp:nvSpPr>
         <dsp:cNvPr id="0" name=""/>
         <dsp:cNvSpPr/>
       </dsp:nvSpPr>
       <dsp:spPr>
         <a:xfrm>
-          <a:off x="3087997" y="751822"/>
-          <a:ext cx="870836" cy="435418"/>
+          <a:off x="4245774" y="1848786"/>
+          <a:ext cx="802621" cy="401310"/>
         </a:xfrm>
         <a:prstGeom prst="roundRect">
           <a:avLst>
@@ -2214,12 +3830,12 @@
         </a:fontRef>
       </dsp:style>
       <dsp:txBody>
-        <a:bodyPr spcFirstLastPara="0" vert="horz" wrap="square" lIns="6350" tIns="6350" rIns="6350" bIns="6350" numCol="1" spcCol="1270" anchor="ctr" anchorCtr="0">
+        <a:bodyPr spcFirstLastPara="0" vert="horz" wrap="square" lIns="5715" tIns="5715" rIns="5715" bIns="5715" numCol="1" spcCol="1270" anchor="ctr" anchorCtr="0">
           <a:noAutofit/>
         </a:bodyPr>
         <a:lstStyle/>
         <a:p>
-          <a:pPr lvl="0" algn="ctr" defTabSz="444500">
+          <a:pPr lvl="0" algn="ctr" defTabSz="400050">
             <a:lnSpc>
               <a:spcPct val="90000"/>
             </a:lnSpc>
@@ -2231,26 +3847,26 @@
             </a:spcAft>
           </a:pPr>
           <a:r>
-            <a:rPr lang="en-US" sz="1000" kern="1200" dirty="0" smtClean="0"/>
-            <a:t>HMM</a:t>
+            <a:rPr lang="en-US" sz="900" kern="1200" dirty="0" err="1" smtClean="0"/>
+            <a:t>Features_X.mat</a:t>
           </a:r>
-          <a:endParaRPr lang="en-US" sz="1000" kern="1200" dirty="0"/>
+          <a:endParaRPr lang="en-US" sz="900" kern="1200" dirty="0"/>
         </a:p>
       </dsp:txBody>
       <dsp:txXfrm>
-        <a:off x="3100750" y="764575"/>
-        <a:ext cx="845330" cy="409912"/>
+        <a:off x="4245774" y="1848786"/>
+        <a:ext cx="802621" cy="401310"/>
       </dsp:txXfrm>
     </dsp:sp>
-    <dsp:sp modelId="{896BFDBB-DFE8-9640-918F-843F1DF71592}">
+    <dsp:sp modelId="{F9BE6BE1-C741-48BF-B99B-527042DE33E2}">
       <dsp:nvSpPr>
         <dsp:cNvPr id="0" name=""/>
         <dsp:cNvSpPr/>
       </dsp:nvSpPr>
       <dsp:spPr>
-        <a:xfrm rot="17692822">
-          <a:off x="3719032" y="587391"/>
-          <a:ext cx="827939" cy="13183"/>
+        <a:xfrm rot="19457599">
+          <a:off x="3887564" y="2620249"/>
+          <a:ext cx="395372" cy="12150"/>
         </a:xfrm>
         <a:custGeom>
           <a:avLst/>
@@ -2261,10 +3877,10 @@
           <a:pathLst>
             <a:path>
               <a:moveTo>
-                <a:pt x="0" y="6591"/>
+                <a:pt x="0" y="6075"/>
               </a:moveTo>
               <a:lnTo>
-                <a:pt x="827939" y="6591"/>
+                <a:pt x="395372" y="6075"/>
               </a:lnTo>
             </a:path>
           </a:pathLst>
@@ -2313,23 +3929,196 @@
               <a:spcPct val="35000"/>
             </a:spcAft>
           </a:pPr>
-          <a:endParaRPr lang="en-US" sz="500" kern="1200"/>
+          <a:endParaRPr lang="en-GB" sz="500" kern="1200"/>
         </a:p>
       </dsp:txBody>
-      <dsp:txXfrm>
-        <a:off x="4112303" y="573284"/>
-        <a:ext cx="41396" cy="41396"/>
+      <dsp:txXfrm rot="19457599">
+        <a:off x="4075366" y="2616440"/>
+        <a:ext cx="19768" cy="19768"/>
       </dsp:txXfrm>
     </dsp:sp>
-    <dsp:sp modelId="{12ACF3D5-44C2-E344-B5ED-1E70A4542AA4}">
+    <dsp:sp modelId="{B6E113D7-8823-4451-9EDF-1610D06160F5}">
       <dsp:nvSpPr>
         <dsp:cNvPr id="0" name=""/>
         <dsp:cNvSpPr/>
       </dsp:nvSpPr>
       <dsp:spPr>
         <a:xfrm>
-          <a:off x="4307168" y="725"/>
-          <a:ext cx="870836" cy="435418"/>
+          <a:off x="4245774" y="2310293"/>
+          <a:ext cx="802621" cy="401310"/>
+        </a:xfrm>
+        <a:prstGeom prst="roundRect">
+          <a:avLst>
+            <a:gd name="adj" fmla="val 10000"/>
+          </a:avLst>
+        </a:prstGeom>
+        <a:gradFill rotWithShape="1">
+          <a:gsLst>
+            <a:gs pos="0">
+              <a:schemeClr val="accent1">
+                <a:tint val="100000"/>
+                <a:shade val="100000"/>
+                <a:satMod val="130000"/>
+              </a:schemeClr>
+            </a:gs>
+            <a:gs pos="100000">
+              <a:schemeClr val="accent1">
+                <a:tint val="50000"/>
+                <a:shade val="100000"/>
+                <a:satMod val="350000"/>
+              </a:schemeClr>
+            </a:gs>
+          </a:gsLst>
+          <a:lin ang="16200000" scaled="0"/>
+        </a:gradFill>
+        <a:ln w="9525" cap="flat" cmpd="sng" algn="ctr">
+          <a:solidFill>
+            <a:schemeClr val="accent1">
+              <a:shade val="95000"/>
+              <a:satMod val="105000"/>
+            </a:schemeClr>
+          </a:solidFill>
+          <a:prstDash val="solid"/>
+        </a:ln>
+        <a:effectLst>
+          <a:outerShdw blurRad="40000" dist="23000" dir="5400000" rotWithShape="0">
+            <a:srgbClr val="000000">
+              <a:alpha val="35000"/>
+            </a:srgbClr>
+          </a:outerShdw>
+        </a:effectLst>
+      </dsp:spPr>
+      <dsp:style>
+        <a:lnRef idx="1">
+          <a:schemeClr val="accent1"/>
+        </a:lnRef>
+        <a:fillRef idx="3">
+          <a:schemeClr val="accent1"/>
+        </a:fillRef>
+        <a:effectRef idx="2">
+          <a:schemeClr val="accent1"/>
+        </a:effectRef>
+        <a:fontRef idx="minor">
+          <a:schemeClr val="lt1"/>
+        </a:fontRef>
+      </dsp:style>
+      <dsp:txBody>
+        <a:bodyPr spcFirstLastPara="0" vert="horz" wrap="square" lIns="5715" tIns="5715" rIns="5715" bIns="5715" numCol="1" spcCol="1270" anchor="ctr" anchorCtr="0">
+          <a:noAutofit/>
+        </a:bodyPr>
+        <a:lstStyle/>
+        <a:p>
+          <a:pPr lvl="0" algn="ctr" defTabSz="400050">
+            <a:lnSpc>
+              <a:spcPct val="90000"/>
+            </a:lnSpc>
+            <a:spcBef>
+              <a:spcPct val="0"/>
+            </a:spcBef>
+            <a:spcAft>
+              <a:spcPct val="35000"/>
+            </a:spcAft>
+          </a:pPr>
+          <a:r>
+            <a:rPr lang="en-US" sz="900" kern="1200" dirty="0" smtClean="0"/>
+            <a:t>jobObject.mat</a:t>
+          </a:r>
+          <a:endParaRPr lang="en-US" sz="900" kern="1200" dirty="0"/>
+        </a:p>
+      </dsp:txBody>
+      <dsp:txXfrm>
+        <a:off x="4245774" y="2310293"/>
+        <a:ext cx="802621" cy="401310"/>
+      </dsp:txXfrm>
+    </dsp:sp>
+    <dsp:sp modelId="{DEB338D9-5153-3C45-A20C-019BE55E4289}">
+      <dsp:nvSpPr>
+        <dsp:cNvPr id="0" name=""/>
+        <dsp:cNvSpPr/>
+      </dsp:nvSpPr>
+      <dsp:spPr>
+        <a:xfrm rot="2142401">
+          <a:off x="3887564" y="2851003"/>
+          <a:ext cx="395372" cy="12150"/>
+        </a:xfrm>
+        <a:custGeom>
+          <a:avLst/>
+          <a:gdLst/>
+          <a:ahLst/>
+          <a:cxnLst/>
+          <a:rect l="0" t="0" r="0" b="0"/>
+          <a:pathLst>
+            <a:path>
+              <a:moveTo>
+                <a:pt x="0" y="6075"/>
+              </a:moveTo>
+              <a:lnTo>
+                <a:pt x="395372" y="6075"/>
+              </a:lnTo>
+            </a:path>
+          </a:pathLst>
+        </a:custGeom>
+        <a:noFill/>
+        <a:ln w="9525" cap="flat" cmpd="sng" algn="ctr">
+          <a:solidFill>
+            <a:schemeClr val="accent1">
+              <a:shade val="80000"/>
+              <a:hueOff val="0"/>
+              <a:satOff val="0"/>
+              <a:lumOff val="0"/>
+              <a:alphaOff val="0"/>
+            </a:schemeClr>
+          </a:solidFill>
+          <a:prstDash val="solid"/>
+        </a:ln>
+        <a:effectLst/>
+      </dsp:spPr>
+      <dsp:style>
+        <a:lnRef idx="1">
+          <a:scrgbClr r="0" g="0" b="0"/>
+        </a:lnRef>
+        <a:fillRef idx="0">
+          <a:scrgbClr r="0" g="0" b="0"/>
+        </a:fillRef>
+        <a:effectRef idx="0">
+          <a:scrgbClr r="0" g="0" b="0"/>
+        </a:effectRef>
+        <a:fontRef idx="minor"/>
+      </dsp:style>
+      <dsp:txBody>
+        <a:bodyPr spcFirstLastPara="0" vert="horz" wrap="square" lIns="12700" tIns="0" rIns="12700" bIns="0" numCol="1" spcCol="1270" anchor="ctr" anchorCtr="0">
+          <a:noAutofit/>
+        </a:bodyPr>
+        <a:lstStyle/>
+        <a:p>
+          <a:pPr lvl="0" algn="ctr" defTabSz="222250">
+            <a:lnSpc>
+              <a:spcPct val="90000"/>
+            </a:lnSpc>
+            <a:spcBef>
+              <a:spcPct val="0"/>
+            </a:spcBef>
+            <a:spcAft>
+              <a:spcPct val="35000"/>
+            </a:spcAft>
+          </a:pPr>
+          <a:endParaRPr lang="en-US" sz="500" kern="1200"/>
+        </a:p>
+      </dsp:txBody>
+      <dsp:txXfrm rot="2142401">
+        <a:off x="4075366" y="2847194"/>
+        <a:ext cx="19768" cy="19768"/>
+      </dsp:txXfrm>
+    </dsp:sp>
+    <dsp:sp modelId="{3BFE038C-3F2F-0842-838C-F4B0FF121F71}">
+      <dsp:nvSpPr>
+        <dsp:cNvPr id="0" name=""/>
+        <dsp:cNvSpPr/>
+      </dsp:nvSpPr>
+      <dsp:spPr>
+        <a:xfrm>
+          <a:off x="4245774" y="2771800"/>
+          <a:ext cx="802621" cy="401310"/>
         </a:xfrm>
         <a:prstGeom prst="roundRect">
           <a:avLst>
@@ -2389,12 +4178,12 @@
         </a:fontRef>
       </dsp:style>
       <dsp:txBody>
-        <a:bodyPr spcFirstLastPara="0" vert="horz" wrap="square" lIns="6350" tIns="6350" rIns="6350" bIns="6350" numCol="1" spcCol="1270" anchor="ctr" anchorCtr="0">
+        <a:bodyPr spcFirstLastPara="0" vert="horz" wrap="square" lIns="5715" tIns="5715" rIns="5715" bIns="5715" numCol="1" spcCol="1270" anchor="ctr" anchorCtr="0">
           <a:noAutofit/>
         </a:bodyPr>
         <a:lstStyle/>
         <a:p>
-          <a:pPr lvl="0" algn="ctr" defTabSz="444500">
+          <a:pPr lvl="0" algn="ctr" defTabSz="400050">
             <a:lnSpc>
               <a:spcPct val="90000"/>
             </a:lnSpc>
@@ -2406,26 +4195,26 @@
             </a:spcAft>
           </a:pPr>
           <a:r>
-            <a:rPr lang="en-US" sz="1000" kern="1200" dirty="0" smtClean="0"/>
-            <a:t>hmm1</a:t>
+            <a:rPr lang="en-US" sz="900" kern="1200" dirty="0" err="1" smtClean="0"/>
+            <a:t>Labels.mlf</a:t>
           </a:r>
-          <a:endParaRPr lang="en-US" sz="1000" kern="1200" dirty="0"/>
+          <a:endParaRPr lang="en-US" sz="900" kern="1200" dirty="0"/>
         </a:p>
       </dsp:txBody>
       <dsp:txXfrm>
-        <a:off x="4319921" y="13478"/>
-        <a:ext cx="845330" cy="409912"/>
+        <a:off x="4245774" y="2771800"/>
+        <a:ext cx="802621" cy="401310"/>
       </dsp:txXfrm>
     </dsp:sp>
-    <dsp:sp modelId="{1DD71699-0CCA-0A40-8CDC-C2BBA5468CE2}">
+    <dsp:sp modelId="{8A227CA5-77E3-E44D-8FC6-12E69809ADD6}">
       <dsp:nvSpPr>
         <dsp:cNvPr id="0" name=""/>
         <dsp:cNvSpPr/>
       </dsp:nvSpPr>
       <dsp:spPr>
-        <a:xfrm rot="19457599">
-          <a:off x="3918513" y="837756"/>
-          <a:ext cx="428975" cy="13183"/>
+        <a:xfrm rot="3907178">
+          <a:off x="3703708" y="3081756"/>
+          <a:ext cx="763083" cy="12150"/>
         </a:xfrm>
         <a:custGeom>
           <a:avLst/>
@@ -2436,10 +4225,10 @@
           <a:pathLst>
             <a:path>
               <a:moveTo>
-                <a:pt x="0" y="6591"/>
+                <a:pt x="0" y="6075"/>
               </a:moveTo>
               <a:lnTo>
-                <a:pt x="428975" y="6591"/>
+                <a:pt x="763083" y="6075"/>
               </a:lnTo>
             </a:path>
           </a:pathLst>
@@ -2491,20 +4280,20 @@
           <a:endParaRPr lang="en-US" sz="500" kern="1200"/>
         </a:p>
       </dsp:txBody>
-      <dsp:txXfrm>
-        <a:off x="4122277" y="833624"/>
-        <a:ext cx="21448" cy="21448"/>
+      <dsp:txXfrm rot="3907178">
+        <a:off x="4066173" y="3068755"/>
+        <a:ext cx="38154" cy="38154"/>
       </dsp:txXfrm>
     </dsp:sp>
-    <dsp:sp modelId="{CB0DE45B-F500-5342-AF9D-44ECCCAC36D5}">
+    <dsp:sp modelId="{DCA1D83B-1E26-E945-92BA-4480561F7FF3}">
       <dsp:nvSpPr>
         <dsp:cNvPr id="0" name=""/>
         <dsp:cNvSpPr/>
       </dsp:nvSpPr>
       <dsp:spPr>
         <a:xfrm>
-          <a:off x="4307168" y="501456"/>
-          <a:ext cx="870836" cy="435418"/>
+          <a:off x="4245774" y="3233307"/>
+          <a:ext cx="802621" cy="401310"/>
         </a:xfrm>
         <a:prstGeom prst="roundRect">
           <a:avLst>
@@ -2564,12 +4353,12 @@
         </a:fontRef>
       </dsp:style>
       <dsp:txBody>
-        <a:bodyPr spcFirstLastPara="0" vert="horz" wrap="square" lIns="6350" tIns="6350" rIns="6350" bIns="6350" numCol="1" spcCol="1270" anchor="ctr" anchorCtr="0">
+        <a:bodyPr spcFirstLastPara="0" vert="horz" wrap="square" lIns="5715" tIns="5715" rIns="5715" bIns="5715" numCol="1" spcCol="1270" anchor="ctr" anchorCtr="0">
           <a:noAutofit/>
         </a:bodyPr>
         <a:lstStyle/>
         <a:p>
-          <a:pPr lvl="0" algn="ctr" defTabSz="444500">
+          <a:pPr lvl="0" algn="ctr" defTabSz="400050">
             <a:lnSpc>
               <a:spcPct val="90000"/>
             </a:lnSpc>
@@ -2581,26 +4370,26 @@
             </a:spcAft>
           </a:pPr>
           <a:r>
-            <a:rPr lang="en-US" sz="1000" kern="1200" dirty="0" smtClean="0"/>
-            <a:t>hmm2</a:t>
+            <a:rPr lang="en-US" sz="900" kern="1200" dirty="0" err="1" smtClean="0"/>
+            <a:t>List.scp</a:t>
           </a:r>
-          <a:endParaRPr lang="en-US" sz="1000" kern="1200" dirty="0"/>
+          <a:endParaRPr lang="en-US" sz="900" kern="1200" dirty="0"/>
         </a:p>
       </dsp:txBody>
       <dsp:txXfrm>
-        <a:off x="4319921" y="514209"/>
-        <a:ext cx="845330" cy="409912"/>
+        <a:off x="4245774" y="3233307"/>
+        <a:ext cx="802621" cy="401310"/>
       </dsp:txXfrm>
     </dsp:sp>
-    <dsp:sp modelId="{4C569D8C-DCE5-4A4F-AD46-E6530F45BA03}">
+    <dsp:sp modelId="{FB940781-B036-0D4D-8481-11843FB112EB}">
       <dsp:nvSpPr>
         <dsp:cNvPr id="0" name=""/>
         <dsp:cNvSpPr/>
       </dsp:nvSpPr>
       <dsp:spPr>
-        <a:xfrm rot="2142401">
-          <a:off x="3918513" y="1088122"/>
-          <a:ext cx="428975" cy="13183"/>
+        <a:xfrm rot="4664237">
+          <a:off x="1834052" y="3774244"/>
+          <a:ext cx="2124808" cy="12150"/>
         </a:xfrm>
         <a:custGeom>
           <a:avLst/>
@@ -2611,10 +4400,187 @@
           <a:pathLst>
             <a:path>
               <a:moveTo>
-                <a:pt x="0" y="6591"/>
+                <a:pt x="0" y="6075"/>
               </a:moveTo>
               <a:lnTo>
-                <a:pt x="428975" y="6591"/>
+                <a:pt x="2124808" y="6075"/>
+              </a:lnTo>
+            </a:path>
+          </a:pathLst>
+        </a:custGeom>
+        <a:noFill/>
+        <a:ln w="9525" cap="flat" cmpd="sng" algn="ctr">
+          <a:solidFill>
+            <a:schemeClr val="accent1">
+              <a:shade val="60000"/>
+              <a:hueOff val="0"/>
+              <a:satOff val="0"/>
+              <a:lumOff val="0"/>
+              <a:alphaOff val="0"/>
+            </a:schemeClr>
+          </a:solidFill>
+          <a:prstDash val="solid"/>
+        </a:ln>
+        <a:effectLst/>
+      </dsp:spPr>
+      <dsp:style>
+        <a:lnRef idx="1">
+          <a:scrgbClr r="0" g="0" b="0"/>
+        </a:lnRef>
+        <a:fillRef idx="0">
+          <a:scrgbClr r="0" g="0" b="0"/>
+        </a:fillRef>
+        <a:effectRef idx="0">
+          <a:scrgbClr r="0" g="0" b="0"/>
+        </a:effectRef>
+        <a:fontRef idx="minor"/>
+      </dsp:style>
+      <dsp:txBody>
+        <a:bodyPr spcFirstLastPara="0" vert="horz" wrap="square" lIns="12700" tIns="0" rIns="12700" bIns="0" numCol="1" spcCol="1270" anchor="ctr" anchorCtr="0">
+          <a:noAutofit/>
+        </a:bodyPr>
+        <a:lstStyle/>
+        <a:p>
+          <a:pPr lvl="0" algn="ctr" defTabSz="311150">
+            <a:lnSpc>
+              <a:spcPct val="90000"/>
+            </a:lnSpc>
+            <a:spcBef>
+              <a:spcPct val="0"/>
+            </a:spcBef>
+            <a:spcAft>
+              <a:spcPct val="35000"/>
+            </a:spcAft>
+          </a:pPr>
+          <a:endParaRPr lang="en-US" sz="700" kern="1200"/>
+        </a:p>
+      </dsp:txBody>
+      <dsp:txXfrm rot="4664237">
+        <a:off x="2843336" y="3727199"/>
+        <a:ext cx="106240" cy="106240"/>
+      </dsp:txXfrm>
+    </dsp:sp>
+    <dsp:sp modelId="{08AC7F4A-54BD-0A4C-BF93-2E54E1140454}">
+      <dsp:nvSpPr>
+        <dsp:cNvPr id="0" name=""/>
+        <dsp:cNvSpPr/>
+      </dsp:nvSpPr>
+      <dsp:spPr>
+        <a:xfrm>
+          <a:off x="3122105" y="4617828"/>
+          <a:ext cx="802621" cy="401310"/>
+        </a:xfrm>
+        <a:prstGeom prst="roundRect">
+          <a:avLst>
+            <a:gd name="adj" fmla="val 10000"/>
+          </a:avLst>
+        </a:prstGeom>
+        <a:gradFill rotWithShape="1">
+          <a:gsLst>
+            <a:gs pos="0">
+              <a:schemeClr val="accent5">
+                <a:tint val="50000"/>
+                <a:satMod val="300000"/>
+              </a:schemeClr>
+            </a:gs>
+            <a:gs pos="35000">
+              <a:schemeClr val="accent5">
+                <a:tint val="37000"/>
+                <a:satMod val="300000"/>
+              </a:schemeClr>
+            </a:gs>
+            <a:gs pos="100000">
+              <a:schemeClr val="accent5">
+                <a:tint val="15000"/>
+                <a:satMod val="350000"/>
+              </a:schemeClr>
+            </a:gs>
+          </a:gsLst>
+          <a:lin ang="16200000" scaled="1"/>
+        </a:gradFill>
+        <a:ln w="9525" cap="flat" cmpd="sng" algn="ctr">
+          <a:solidFill>
+            <a:schemeClr val="accent5">
+              <a:shade val="95000"/>
+              <a:satMod val="105000"/>
+            </a:schemeClr>
+          </a:solidFill>
+          <a:prstDash val="solid"/>
+        </a:ln>
+        <a:effectLst>
+          <a:outerShdw blurRad="40000" dist="20000" dir="5400000" rotWithShape="0">
+            <a:srgbClr val="000000">
+              <a:alpha val="38000"/>
+            </a:srgbClr>
+          </a:outerShdw>
+        </a:effectLst>
+      </dsp:spPr>
+      <dsp:style>
+        <a:lnRef idx="1">
+          <a:schemeClr val="accent5"/>
+        </a:lnRef>
+        <a:fillRef idx="2">
+          <a:schemeClr val="accent5"/>
+        </a:fillRef>
+        <a:effectRef idx="1">
+          <a:schemeClr val="accent5"/>
+        </a:effectRef>
+        <a:fontRef idx="minor">
+          <a:schemeClr val="dk1"/>
+        </a:fontRef>
+      </dsp:style>
+      <dsp:txBody>
+        <a:bodyPr spcFirstLastPara="0" vert="horz" wrap="square" lIns="5715" tIns="5715" rIns="5715" bIns="5715" numCol="1" spcCol="1270" anchor="ctr" anchorCtr="0">
+          <a:noAutofit/>
+        </a:bodyPr>
+        <a:lstStyle/>
+        <a:p>
+          <a:pPr lvl="0" algn="ctr" defTabSz="400050">
+            <a:lnSpc>
+              <a:spcPct val="90000"/>
+            </a:lnSpc>
+            <a:spcBef>
+              <a:spcPct val="0"/>
+            </a:spcBef>
+            <a:spcAft>
+              <a:spcPct val="35000"/>
+            </a:spcAft>
+          </a:pPr>
+          <a:r>
+            <a:rPr lang="en-US" sz="900" kern="1200" dirty="0" err="1" smtClean="0"/>
+            <a:t>testData</a:t>
+          </a:r>
+          <a:endParaRPr lang="en-US" sz="900" kern="1200" dirty="0"/>
+        </a:p>
+      </dsp:txBody>
+      <dsp:txXfrm>
+        <a:off x="3122105" y="4617828"/>
+        <a:ext cx="802621" cy="401310"/>
+      </dsp:txXfrm>
+    </dsp:sp>
+    <dsp:sp modelId="{C7C74E78-F9FB-1F45-AFE4-DBC0EAF0AEED}">
+      <dsp:nvSpPr>
+        <dsp:cNvPr id="0" name=""/>
+        <dsp:cNvSpPr/>
+      </dsp:nvSpPr>
+      <dsp:spPr>
+        <a:xfrm rot="17350740">
+          <a:off x="3596623" y="4350901"/>
+          <a:ext cx="977254" cy="12150"/>
+        </a:xfrm>
+        <a:custGeom>
+          <a:avLst/>
+          <a:gdLst/>
+          <a:ahLst/>
+          <a:cxnLst/>
+          <a:rect l="0" t="0" r="0" b="0"/>
+          <a:pathLst>
+            <a:path>
+              <a:moveTo>
+                <a:pt x="0" y="6075"/>
+              </a:moveTo>
+              <a:lnTo>
+                <a:pt x="977254" y="6075"/>
               </a:lnTo>
             </a:path>
           </a:pathLst>
@@ -2666,85 +4632,87 @@
           <a:endParaRPr lang="en-US" sz="500" kern="1200"/>
         </a:p>
       </dsp:txBody>
-      <dsp:txXfrm>
-        <a:off x="4122277" y="1083989"/>
-        <a:ext cx="21448" cy="21448"/>
+      <dsp:txXfrm rot="17350740">
+        <a:off x="4060819" y="4332545"/>
+        <a:ext cx="48862" cy="48862"/>
       </dsp:txXfrm>
     </dsp:sp>
-    <dsp:sp modelId="{6EA26667-D5E6-7142-BE46-86F5C9D41BF7}">
+    <dsp:sp modelId="{58BB4A0B-7B2B-4747-B0EF-7D9403963C26}">
       <dsp:nvSpPr>
         <dsp:cNvPr id="0" name=""/>
         <dsp:cNvSpPr/>
       </dsp:nvSpPr>
       <dsp:spPr>
         <a:xfrm>
-          <a:off x="4307168" y="1002187"/>
-          <a:ext cx="870836" cy="435418"/>
+          <a:off x="4245774" y="3694814"/>
+          <a:ext cx="802621" cy="401310"/>
         </a:xfrm>
         <a:prstGeom prst="roundRect">
           <a:avLst>
             <a:gd name="adj" fmla="val 10000"/>
           </a:avLst>
         </a:prstGeom>
-        <a:gradFill rotWithShape="0">
+        <a:gradFill rotWithShape="1">
           <a:gsLst>
             <a:gs pos="0">
-              <a:schemeClr val="accent1">
-                <a:hueOff val="0"/>
-                <a:satOff val="0"/>
-                <a:lumOff val="0"/>
-                <a:alphaOff val="0"/>
-                <a:tint val="100000"/>
-                <a:shade val="100000"/>
-                <a:satMod val="130000"/>
+              <a:schemeClr val="accent5">
+                <a:tint val="50000"/>
+                <a:satMod val="300000"/>
+              </a:schemeClr>
+            </a:gs>
+            <a:gs pos="35000">
+              <a:schemeClr val="accent5">
+                <a:tint val="37000"/>
+                <a:satMod val="300000"/>
               </a:schemeClr>
             </a:gs>
             <a:gs pos="100000">
-              <a:schemeClr val="accent1">
-                <a:hueOff val="0"/>
-                <a:satOff val="0"/>
-                <a:lumOff val="0"/>
-                <a:alphaOff val="0"/>
-                <a:tint val="50000"/>
-                <a:shade val="100000"/>
+              <a:schemeClr val="accent5">
+                <a:tint val="15000"/>
                 <a:satMod val="350000"/>
               </a:schemeClr>
             </a:gs>
           </a:gsLst>
-          <a:lin ang="16200000" scaled="0"/>
+          <a:lin ang="16200000" scaled="1"/>
         </a:gradFill>
-        <a:ln>
-          <a:noFill/>
+        <a:ln w="9525" cap="flat" cmpd="sng" algn="ctr">
+          <a:solidFill>
+            <a:schemeClr val="accent5">
+              <a:shade val="95000"/>
+              <a:satMod val="105000"/>
+            </a:schemeClr>
+          </a:solidFill>
+          <a:prstDash val="solid"/>
         </a:ln>
         <a:effectLst>
-          <a:outerShdw blurRad="40000" dist="23000" dir="5400000" rotWithShape="0">
+          <a:outerShdw blurRad="40000" dist="20000" dir="5400000" rotWithShape="0">
             <a:srgbClr val="000000">
-              <a:alpha val="35000"/>
+              <a:alpha val="38000"/>
             </a:srgbClr>
           </a:outerShdw>
         </a:effectLst>
       </dsp:spPr>
       <dsp:style>
-        <a:lnRef idx="0">
-          <a:scrgbClr r="0" g="0" b="0"/>
+        <a:lnRef idx="1">
+          <a:schemeClr val="accent5"/>
         </a:lnRef>
-        <a:fillRef idx="3">
-          <a:scrgbClr r="0" g="0" b="0"/>
+        <a:fillRef idx="2">
+          <a:schemeClr val="accent5"/>
         </a:fillRef>
-        <a:effectRef idx="2">
-          <a:scrgbClr r="0" g="0" b="0"/>
+        <a:effectRef idx="1">
+          <a:schemeClr val="accent5"/>
         </a:effectRef>
         <a:fontRef idx="minor">
-          <a:schemeClr val="lt1"/>
+          <a:schemeClr val="dk1"/>
         </a:fontRef>
       </dsp:style>
       <dsp:txBody>
-        <a:bodyPr spcFirstLastPara="0" vert="horz" wrap="square" lIns="6350" tIns="6350" rIns="6350" bIns="6350" numCol="1" spcCol="1270" anchor="ctr" anchorCtr="0">
+        <a:bodyPr spcFirstLastPara="0" vert="horz" wrap="square" lIns="5715" tIns="5715" rIns="5715" bIns="5715" numCol="1" spcCol="1270" anchor="ctr" anchorCtr="0">
           <a:noAutofit/>
         </a:bodyPr>
         <a:lstStyle/>
         <a:p>
-          <a:pPr lvl="0" algn="ctr" defTabSz="444500">
+          <a:pPr lvl="0" algn="ctr" defTabSz="400050">
             <a:lnSpc>
               <a:spcPct val="90000"/>
             </a:lnSpc>
@@ -2756,26 +4724,26 @@
             </a:spcAft>
           </a:pPr>
           <a:r>
-            <a:rPr lang="en-US" sz="1000" kern="1200" dirty="0" smtClean="0"/>
-            <a:t>hmm…</a:t>
+            <a:rPr lang="en-US" sz="900" kern="1200" dirty="0" err="1" smtClean="0"/>
+            <a:t>Features_X.mat</a:t>
           </a:r>
-          <a:endParaRPr lang="en-US" sz="1000" kern="1200" dirty="0"/>
+          <a:endParaRPr lang="en-US" sz="900" kern="1200" dirty="0"/>
         </a:p>
       </dsp:txBody>
       <dsp:txXfrm>
-        <a:off x="4319921" y="1014940"/>
-        <a:ext cx="845330" cy="409912"/>
+        <a:off x="4245774" y="3694814"/>
+        <a:ext cx="802621" cy="401310"/>
       </dsp:txXfrm>
     </dsp:sp>
-    <dsp:sp modelId="{F21A2F2E-AD0A-AF4B-9FA3-F3EAD95A302B}">
+    <dsp:sp modelId="{D1551F6F-3DDE-7A4E-8707-682681D08E60}">
       <dsp:nvSpPr>
         <dsp:cNvPr id="0" name=""/>
         <dsp:cNvSpPr/>
       </dsp:nvSpPr>
       <dsp:spPr>
-        <a:xfrm rot="3907178">
-          <a:off x="3719032" y="1338487"/>
-          <a:ext cx="827939" cy="13183"/>
+        <a:xfrm rot="18289469">
+          <a:off x="3804154" y="4581654"/>
+          <a:ext cx="562192" cy="12150"/>
         </a:xfrm>
         <a:custGeom>
           <a:avLst/>
@@ -2786,10 +4754,10 @@
           <a:pathLst>
             <a:path>
               <a:moveTo>
-                <a:pt x="0" y="6591"/>
+                <a:pt x="0" y="6075"/>
               </a:moveTo>
               <a:lnTo>
-                <a:pt x="827939" y="6591"/>
+                <a:pt x="562192" y="6075"/>
               </a:lnTo>
             </a:path>
           </a:pathLst>
@@ -2841,85 +4809,87 @@
           <a:endParaRPr lang="en-US" sz="500" kern="1200"/>
         </a:p>
       </dsp:txBody>
-      <dsp:txXfrm>
-        <a:off x="4112303" y="1324381"/>
-        <a:ext cx="41396" cy="41396"/>
+      <dsp:txXfrm rot="18289469">
+        <a:off x="4071195" y="4573675"/>
+        <a:ext cx="28109" cy="28109"/>
       </dsp:txXfrm>
     </dsp:sp>
-    <dsp:sp modelId="{61C4C204-C9B5-224A-B021-4011A5E59734}">
+    <dsp:sp modelId="{57565EDE-02F1-584D-8C0E-975278B7856B}">
       <dsp:nvSpPr>
         <dsp:cNvPr id="0" name=""/>
         <dsp:cNvSpPr/>
       </dsp:nvSpPr>
       <dsp:spPr>
         <a:xfrm>
-          <a:off x="4307168" y="1502918"/>
-          <a:ext cx="870836" cy="435418"/>
+          <a:off x="4245774" y="4156321"/>
+          <a:ext cx="802621" cy="401310"/>
         </a:xfrm>
         <a:prstGeom prst="roundRect">
           <a:avLst>
             <a:gd name="adj" fmla="val 10000"/>
           </a:avLst>
         </a:prstGeom>
-        <a:gradFill rotWithShape="0">
+        <a:gradFill rotWithShape="1">
           <a:gsLst>
             <a:gs pos="0">
-              <a:schemeClr val="accent1">
-                <a:hueOff val="0"/>
-                <a:satOff val="0"/>
-                <a:lumOff val="0"/>
-                <a:alphaOff val="0"/>
-                <a:tint val="100000"/>
-                <a:shade val="100000"/>
-                <a:satMod val="130000"/>
+              <a:schemeClr val="accent5">
+                <a:tint val="50000"/>
+                <a:satMod val="300000"/>
+              </a:schemeClr>
+            </a:gs>
+            <a:gs pos="35000">
+              <a:schemeClr val="accent5">
+                <a:tint val="37000"/>
+                <a:satMod val="300000"/>
               </a:schemeClr>
             </a:gs>
             <a:gs pos="100000">
-              <a:schemeClr val="accent1">
-                <a:hueOff val="0"/>
-                <a:satOff val="0"/>
-                <a:lumOff val="0"/>
-                <a:alphaOff val="0"/>
-                <a:tint val="50000"/>
-                <a:shade val="100000"/>
+              <a:schemeClr val="accent5">
+                <a:tint val="15000"/>
                 <a:satMod val="350000"/>
               </a:schemeClr>
             </a:gs>
           </a:gsLst>
-          <a:lin ang="16200000" scaled="0"/>
+          <a:lin ang="16200000" scaled="1"/>
         </a:gradFill>
-        <a:ln>
-          <a:noFill/>
+        <a:ln w="9525" cap="flat" cmpd="sng" algn="ctr">
+          <a:solidFill>
+            <a:schemeClr val="accent5">
+              <a:shade val="95000"/>
+              <a:satMod val="105000"/>
+            </a:schemeClr>
+          </a:solidFill>
+          <a:prstDash val="solid"/>
         </a:ln>
         <a:effectLst>
-          <a:outerShdw blurRad="40000" dist="23000" dir="5400000" rotWithShape="0">
+          <a:outerShdw blurRad="40000" dist="20000" dir="5400000" rotWithShape="0">
             <a:srgbClr val="000000">
-              <a:alpha val="35000"/>
+              <a:alpha val="38000"/>
             </a:srgbClr>
           </a:outerShdw>
         </a:effectLst>
       </dsp:spPr>
       <dsp:style>
-        <a:lnRef idx="0">
-          <a:scrgbClr r="0" g="0" b="0"/>
+        <a:lnRef idx="1">
+          <a:schemeClr val="accent5"/>
         </a:lnRef>
-        <a:fillRef idx="3">
-          <a:scrgbClr r="0" g="0" b="0"/>
+        <a:fillRef idx="2">
+          <a:schemeClr val="accent5"/>
         </a:fillRef>
-        <a:effectRef idx="2">
-          <a:scrgbClr r="0" g="0" b="0"/>
+        <a:effectRef idx="1">
+          <a:schemeClr val="accent5"/>
         </a:effectRef>
         <a:fontRef idx="minor">
-          <a:schemeClr val="lt1"/>
+          <a:schemeClr val="dk1"/>
         </a:fontRef>
       </dsp:style>
       <dsp:txBody>
-        <a:bodyPr spcFirstLastPara="0" vert="horz" wrap="square" lIns="6350" tIns="6350" rIns="6350" bIns="6350" numCol="1" spcCol="1270" anchor="ctr" anchorCtr="0">
+        <a:bodyPr spcFirstLastPara="0" vert="horz" wrap="square" lIns="5715" tIns="5715" rIns="5715" bIns="5715" numCol="1" spcCol="1270" anchor="ctr" anchorCtr="0">
           <a:noAutofit/>
         </a:bodyPr>
         <a:lstStyle/>
         <a:p>
-          <a:pPr lvl="0" algn="ctr" defTabSz="444500">
+          <a:pPr lvl="0" algn="ctr" defTabSz="400050">
             <a:lnSpc>
               <a:spcPct val="90000"/>
             </a:lnSpc>
@@ -2931,26 +4901,26 @@
             </a:spcAft>
           </a:pPr>
           <a:r>
-            <a:rPr lang="en-US" sz="1000" kern="1200" dirty="0" err="1" smtClean="0"/>
-            <a:t>tmp.list</a:t>
+            <a:rPr lang="en-US" sz="900" kern="1200" dirty="0" err="1" smtClean="0"/>
+            <a:t>jobObject.mat</a:t>
           </a:r>
-          <a:endParaRPr lang="en-US" sz="1000" kern="1200" dirty="0"/>
+          <a:endParaRPr lang="en-US" sz="900" kern="1200" dirty="0"/>
         </a:p>
       </dsp:txBody>
       <dsp:txXfrm>
-        <a:off x="4319921" y="1515671"/>
-        <a:ext cx="845330" cy="409912"/>
+        <a:off x="4245774" y="4156321"/>
+        <a:ext cx="802621" cy="401310"/>
       </dsp:txXfrm>
     </dsp:sp>
-    <dsp:sp modelId="{3F009B34-E212-1940-A9A8-17188D519ECB}">
+    <dsp:sp modelId="{39B99F2D-8DF7-F642-9295-49840427A027}">
       <dsp:nvSpPr>
         <dsp:cNvPr id="0" name=""/>
         <dsp:cNvSpPr/>
       </dsp:nvSpPr>
       <dsp:spPr>
-        <a:xfrm rot="20413970">
-          <a:off x="2728757" y="2778089"/>
-          <a:ext cx="370145" cy="13183"/>
+        <a:xfrm>
+          <a:off x="3924726" y="4812408"/>
+          <a:ext cx="321048" cy="12150"/>
         </a:xfrm>
         <a:custGeom>
           <a:avLst/>
@@ -2961,185 +4931,10 @@
           <a:pathLst>
             <a:path>
               <a:moveTo>
-                <a:pt x="0" y="6591"/>
+                <a:pt x="0" y="6075"/>
               </a:moveTo>
               <a:lnTo>
-                <a:pt x="370145" y="6591"/>
-              </a:lnTo>
-            </a:path>
-          </a:pathLst>
-        </a:custGeom>
-        <a:noFill/>
-        <a:ln w="9525" cap="flat" cmpd="sng" algn="ctr">
-          <a:solidFill>
-            <a:schemeClr val="accent1">
-              <a:shade val="60000"/>
-              <a:hueOff val="0"/>
-              <a:satOff val="0"/>
-              <a:lumOff val="0"/>
-              <a:alphaOff val="0"/>
-            </a:schemeClr>
-          </a:solidFill>
-          <a:prstDash val="solid"/>
-        </a:ln>
-        <a:effectLst/>
-      </dsp:spPr>
-      <dsp:style>
-        <a:lnRef idx="1">
-          <a:scrgbClr r="0" g="0" b="0"/>
-        </a:lnRef>
-        <a:fillRef idx="0">
-          <a:scrgbClr r="0" g="0" b="0"/>
-        </a:fillRef>
-        <a:effectRef idx="0">
-          <a:scrgbClr r="0" g="0" b="0"/>
-        </a:effectRef>
-        <a:fontRef idx="minor"/>
-      </dsp:style>
-      <dsp:txBody>
-        <a:bodyPr spcFirstLastPara="0" vert="horz" wrap="square" lIns="12700" tIns="0" rIns="12700" bIns="0" numCol="1" spcCol="1270" anchor="ctr" anchorCtr="0">
-          <a:noAutofit/>
-        </a:bodyPr>
-        <a:lstStyle/>
-        <a:p>
-          <a:pPr lvl="0" algn="ctr" defTabSz="222250">
-            <a:lnSpc>
-              <a:spcPct val="90000"/>
-            </a:lnSpc>
-            <a:spcBef>
-              <a:spcPct val="0"/>
-            </a:spcBef>
-            <a:spcAft>
-              <a:spcPct val="35000"/>
-            </a:spcAft>
-          </a:pPr>
-          <a:endParaRPr lang="en-US" sz="500" kern="1200"/>
-        </a:p>
-      </dsp:txBody>
-      <dsp:txXfrm>
-        <a:off x="2904576" y="2775427"/>
-        <a:ext cx="18507" cy="18507"/>
-      </dsp:txXfrm>
-    </dsp:sp>
-    <dsp:sp modelId="{8125C6A5-ABB3-6345-AC76-5FB72A611740}">
-      <dsp:nvSpPr>
-        <dsp:cNvPr id="0" name=""/>
-        <dsp:cNvSpPr/>
-      </dsp:nvSpPr>
-      <dsp:spPr>
-        <a:xfrm>
-          <a:off x="3087997" y="2504380"/>
-          <a:ext cx="870836" cy="435418"/>
-        </a:xfrm>
-        <a:prstGeom prst="roundRect">
-          <a:avLst>
-            <a:gd name="adj" fmla="val 10000"/>
-          </a:avLst>
-        </a:prstGeom>
-        <a:gradFill rotWithShape="0">
-          <a:gsLst>
-            <a:gs pos="0">
-              <a:schemeClr val="accent1">
-                <a:hueOff val="0"/>
-                <a:satOff val="0"/>
-                <a:lumOff val="0"/>
-                <a:alphaOff val="0"/>
-                <a:tint val="100000"/>
-                <a:shade val="100000"/>
-                <a:satMod val="130000"/>
-              </a:schemeClr>
-            </a:gs>
-            <a:gs pos="100000">
-              <a:schemeClr val="accent1">
-                <a:hueOff val="0"/>
-                <a:satOff val="0"/>
-                <a:lumOff val="0"/>
-                <a:alphaOff val="0"/>
-                <a:tint val="50000"/>
-                <a:shade val="100000"/>
-                <a:satMod val="350000"/>
-              </a:schemeClr>
-            </a:gs>
-          </a:gsLst>
-          <a:lin ang="16200000" scaled="0"/>
-        </a:gradFill>
-        <a:ln>
-          <a:noFill/>
-        </a:ln>
-        <a:effectLst>
-          <a:outerShdw blurRad="40000" dist="23000" dir="5400000" rotWithShape="0">
-            <a:srgbClr val="000000">
-              <a:alpha val="35000"/>
-            </a:srgbClr>
-          </a:outerShdw>
-        </a:effectLst>
-      </dsp:spPr>
-      <dsp:style>
-        <a:lnRef idx="0">
-          <a:scrgbClr r="0" g="0" b="0"/>
-        </a:lnRef>
-        <a:fillRef idx="3">
-          <a:scrgbClr r="0" g="0" b="0"/>
-        </a:fillRef>
-        <a:effectRef idx="2">
-          <a:scrgbClr r="0" g="0" b="0"/>
-        </a:effectRef>
-        <a:fontRef idx="minor">
-          <a:schemeClr val="lt1"/>
-        </a:fontRef>
-      </dsp:style>
-      <dsp:txBody>
-        <a:bodyPr spcFirstLastPara="0" vert="horz" wrap="square" lIns="6350" tIns="6350" rIns="6350" bIns="6350" numCol="1" spcCol="1270" anchor="ctr" anchorCtr="0">
-          <a:noAutofit/>
-        </a:bodyPr>
-        <a:lstStyle/>
-        <a:p>
-          <a:pPr lvl="0" algn="ctr" defTabSz="444500">
-            <a:lnSpc>
-              <a:spcPct val="90000"/>
-            </a:lnSpc>
-            <a:spcBef>
-              <a:spcPct val="0"/>
-            </a:spcBef>
-            <a:spcAft>
-              <a:spcPct val="35000"/>
-            </a:spcAft>
-          </a:pPr>
-          <a:r>
-            <a:rPr lang="en-US" sz="1000" kern="1200" dirty="0" err="1" smtClean="0"/>
-            <a:t>featL</a:t>
-          </a:r>
-          <a:endParaRPr lang="en-US" sz="1000" kern="1200" dirty="0"/>
-        </a:p>
-      </dsp:txBody>
-      <dsp:txXfrm>
-        <a:off x="3100750" y="2517133"/>
-        <a:ext cx="845330" cy="409912"/>
-      </dsp:txXfrm>
-    </dsp:sp>
-    <dsp:sp modelId="{4ED16191-611F-4144-A940-15AAA4725161}">
-      <dsp:nvSpPr>
-        <dsp:cNvPr id="0" name=""/>
-        <dsp:cNvSpPr/>
-      </dsp:nvSpPr>
-      <dsp:spPr>
-        <a:xfrm rot="18289469">
-          <a:off x="3828014" y="2465132"/>
-          <a:ext cx="609974" cy="13183"/>
-        </a:xfrm>
-        <a:custGeom>
-          <a:avLst/>
-          <a:gdLst/>
-          <a:ahLst/>
-          <a:cxnLst/>
-          <a:rect l="0" t="0" r="0" b="0"/>
-          <a:pathLst>
-            <a:path>
-              <a:moveTo>
-                <a:pt x="0" y="6591"/>
-              </a:moveTo>
-              <a:lnTo>
-                <a:pt x="609974" y="6591"/>
+                <a:pt x="321048" y="6075"/>
               </a:lnTo>
             </a:path>
           </a:pathLst>
@@ -3192,84 +4987,86 @@
         </a:p>
       </dsp:txBody>
       <dsp:txXfrm>
-        <a:off x="4117752" y="2456475"/>
-        <a:ext cx="30498" cy="30498"/>
+        <a:off x="4077224" y="4810457"/>
+        <a:ext cx="16052" cy="16052"/>
       </dsp:txXfrm>
     </dsp:sp>
-    <dsp:sp modelId="{991AE36F-702E-604E-8B03-3783CDD3AF18}">
+    <dsp:sp modelId="{873E7218-3A62-F847-97BA-4E860644D978}">
       <dsp:nvSpPr>
         <dsp:cNvPr id="0" name=""/>
         <dsp:cNvSpPr/>
       </dsp:nvSpPr>
       <dsp:spPr>
         <a:xfrm>
-          <a:off x="4307168" y="2003649"/>
-          <a:ext cx="870836" cy="435418"/>
+          <a:off x="4245774" y="4617828"/>
+          <a:ext cx="802621" cy="401310"/>
         </a:xfrm>
         <a:prstGeom prst="roundRect">
           <a:avLst>
             <a:gd name="adj" fmla="val 10000"/>
           </a:avLst>
         </a:prstGeom>
-        <a:gradFill rotWithShape="0">
+        <a:gradFill rotWithShape="1">
           <a:gsLst>
             <a:gs pos="0">
-              <a:schemeClr val="accent1">
-                <a:hueOff val="0"/>
-                <a:satOff val="0"/>
-                <a:lumOff val="0"/>
-                <a:alphaOff val="0"/>
-                <a:tint val="100000"/>
-                <a:shade val="100000"/>
-                <a:satMod val="130000"/>
+              <a:schemeClr val="accent5">
+                <a:tint val="50000"/>
+                <a:satMod val="300000"/>
+              </a:schemeClr>
+            </a:gs>
+            <a:gs pos="35000">
+              <a:schemeClr val="accent5">
+                <a:tint val="37000"/>
+                <a:satMod val="300000"/>
               </a:schemeClr>
             </a:gs>
             <a:gs pos="100000">
-              <a:schemeClr val="accent1">
-                <a:hueOff val="0"/>
-                <a:satOff val="0"/>
-                <a:lumOff val="0"/>
-                <a:alphaOff val="0"/>
-                <a:tint val="50000"/>
-                <a:shade val="100000"/>
+              <a:schemeClr val="accent5">
+                <a:tint val="15000"/>
                 <a:satMod val="350000"/>
               </a:schemeClr>
             </a:gs>
           </a:gsLst>
-          <a:lin ang="16200000" scaled="0"/>
+          <a:lin ang="16200000" scaled="1"/>
         </a:gradFill>
-        <a:ln>
-          <a:noFill/>
+        <a:ln w="9525" cap="flat" cmpd="sng" algn="ctr">
+          <a:solidFill>
+            <a:schemeClr val="accent5">
+              <a:shade val="95000"/>
+              <a:satMod val="105000"/>
+            </a:schemeClr>
+          </a:solidFill>
+          <a:prstDash val="solid"/>
         </a:ln>
         <a:effectLst>
-          <a:outerShdw blurRad="40000" dist="23000" dir="5400000" rotWithShape="0">
+          <a:outerShdw blurRad="40000" dist="20000" dir="5400000" rotWithShape="0">
             <a:srgbClr val="000000">
-              <a:alpha val="35000"/>
+              <a:alpha val="38000"/>
             </a:srgbClr>
           </a:outerShdw>
         </a:effectLst>
       </dsp:spPr>
       <dsp:style>
-        <a:lnRef idx="0">
-          <a:scrgbClr r="0" g="0" b="0"/>
+        <a:lnRef idx="1">
+          <a:schemeClr val="accent5"/>
         </a:lnRef>
-        <a:fillRef idx="3">
-          <a:scrgbClr r="0" g="0" b="0"/>
+        <a:fillRef idx="2">
+          <a:schemeClr val="accent5"/>
         </a:fillRef>
-        <a:effectRef idx="2">
-          <a:scrgbClr r="0" g="0" b="0"/>
+        <a:effectRef idx="1">
+          <a:schemeClr val="accent5"/>
         </a:effectRef>
         <a:fontRef idx="minor">
-          <a:schemeClr val="lt1"/>
+          <a:schemeClr val="dk1"/>
         </a:fontRef>
       </dsp:style>
       <dsp:txBody>
-        <a:bodyPr spcFirstLastPara="0" vert="horz" wrap="square" lIns="6350" tIns="6350" rIns="6350" bIns="6350" numCol="1" spcCol="1270" anchor="ctr" anchorCtr="0">
+        <a:bodyPr spcFirstLastPara="0" vert="horz" wrap="square" lIns="5715" tIns="5715" rIns="5715" bIns="5715" numCol="1" spcCol="1270" anchor="ctr" anchorCtr="0">
           <a:noAutofit/>
         </a:bodyPr>
         <a:lstStyle/>
         <a:p>
-          <a:pPr lvl="0" algn="ctr" defTabSz="444500">
+          <a:pPr lvl="0" algn="ctr" defTabSz="400050">
             <a:lnSpc>
               <a:spcPct val="90000"/>
             </a:lnSpc>
@@ -3281,26 +5078,26 @@
             </a:spcAft>
           </a:pPr>
           <a:r>
-            <a:rPr lang="en-US" sz="1000" kern="1200" dirty="0" err="1" smtClean="0"/>
-            <a:t>Features_X.mat</a:t>
+            <a:rPr lang="en-US" sz="900" kern="1200" dirty="0" err="1" smtClean="0"/>
+            <a:t>List.scp</a:t>
           </a:r>
-          <a:endParaRPr lang="en-US" sz="1000" kern="1200" dirty="0"/>
+          <a:endParaRPr lang="en-US" sz="900" kern="1200" dirty="0"/>
         </a:p>
       </dsp:txBody>
       <dsp:txXfrm>
-        <a:off x="4319921" y="2016402"/>
-        <a:ext cx="845330" cy="409912"/>
+        <a:off x="4245774" y="4617828"/>
+        <a:ext cx="802621" cy="401310"/>
       </dsp:txXfrm>
     </dsp:sp>
-    <dsp:sp modelId="{DEB338D9-5153-3C45-A20C-019BE55E4289}">
+    <dsp:sp modelId="{E5733B22-1259-B343-9BDE-90918AA8B96A}">
       <dsp:nvSpPr>
         <dsp:cNvPr id="0" name=""/>
         <dsp:cNvSpPr/>
       </dsp:nvSpPr>
       <dsp:spPr>
-        <a:xfrm>
-          <a:off x="3958834" y="2715498"/>
-          <a:ext cx="348334" cy="13183"/>
+        <a:xfrm rot="3310531">
+          <a:off x="3804154" y="5043162"/>
+          <a:ext cx="562192" cy="12150"/>
         </a:xfrm>
         <a:custGeom>
           <a:avLst/>
@@ -3311,10 +5108,10 @@
           <a:pathLst>
             <a:path>
               <a:moveTo>
-                <a:pt x="0" y="6591"/>
+                <a:pt x="0" y="6075"/>
               </a:moveTo>
               <a:lnTo>
-                <a:pt x="348334" y="6591"/>
+                <a:pt x="562192" y="6075"/>
               </a:lnTo>
             </a:path>
           </a:pathLst>
@@ -3366,85 +5163,87 @@
           <a:endParaRPr lang="en-US" sz="500" kern="1200"/>
         </a:p>
       </dsp:txBody>
-      <dsp:txXfrm>
-        <a:off x="4124293" y="2713381"/>
-        <a:ext cx="17416" cy="17416"/>
+      <dsp:txXfrm rot="3310531">
+        <a:off x="4071195" y="5035182"/>
+        <a:ext cx="28109" cy="28109"/>
       </dsp:txXfrm>
     </dsp:sp>
-    <dsp:sp modelId="{3BFE038C-3F2F-0842-838C-F4B0FF121F71}">
+    <dsp:sp modelId="{02C31283-E609-8A4A-BED4-298B619C1104}">
       <dsp:nvSpPr>
         <dsp:cNvPr id="0" name=""/>
         <dsp:cNvSpPr/>
       </dsp:nvSpPr>
       <dsp:spPr>
         <a:xfrm>
-          <a:off x="4307168" y="2504380"/>
-          <a:ext cx="870836" cy="435418"/>
+          <a:off x="4245774" y="5079335"/>
+          <a:ext cx="802621" cy="401310"/>
         </a:xfrm>
         <a:prstGeom prst="roundRect">
           <a:avLst>
             <a:gd name="adj" fmla="val 10000"/>
           </a:avLst>
         </a:prstGeom>
-        <a:gradFill rotWithShape="0">
+        <a:gradFill rotWithShape="1">
           <a:gsLst>
             <a:gs pos="0">
-              <a:schemeClr val="accent1">
-                <a:hueOff val="0"/>
-                <a:satOff val="0"/>
-                <a:lumOff val="0"/>
-                <a:alphaOff val="0"/>
-                <a:tint val="100000"/>
-                <a:shade val="100000"/>
-                <a:satMod val="130000"/>
+              <a:schemeClr val="accent5">
+                <a:tint val="50000"/>
+                <a:satMod val="300000"/>
+              </a:schemeClr>
+            </a:gs>
+            <a:gs pos="35000">
+              <a:schemeClr val="accent5">
+                <a:tint val="37000"/>
+                <a:satMod val="300000"/>
               </a:schemeClr>
             </a:gs>
             <a:gs pos="100000">
-              <a:schemeClr val="accent1">
-                <a:hueOff val="0"/>
-                <a:satOff val="0"/>
-                <a:lumOff val="0"/>
-                <a:alphaOff val="0"/>
-                <a:tint val="50000"/>
-                <a:shade val="100000"/>
+              <a:schemeClr val="accent5">
+                <a:tint val="15000"/>
                 <a:satMod val="350000"/>
               </a:schemeClr>
             </a:gs>
           </a:gsLst>
-          <a:lin ang="16200000" scaled="0"/>
+          <a:lin ang="16200000" scaled="1"/>
         </a:gradFill>
-        <a:ln>
-          <a:noFill/>
+        <a:ln w="9525" cap="flat" cmpd="sng" algn="ctr">
+          <a:solidFill>
+            <a:schemeClr val="accent5">
+              <a:shade val="95000"/>
+              <a:satMod val="105000"/>
+            </a:schemeClr>
+          </a:solidFill>
+          <a:prstDash val="solid"/>
         </a:ln>
         <a:effectLst>
-          <a:outerShdw blurRad="40000" dist="23000" dir="5400000" rotWithShape="0">
+          <a:outerShdw blurRad="40000" dist="20000" dir="5400000" rotWithShape="0">
             <a:srgbClr val="000000">
-              <a:alpha val="35000"/>
+              <a:alpha val="38000"/>
             </a:srgbClr>
           </a:outerShdw>
         </a:effectLst>
       </dsp:spPr>
       <dsp:style>
-        <a:lnRef idx="0">
-          <a:scrgbClr r="0" g="0" b="0"/>
+        <a:lnRef idx="1">
+          <a:schemeClr val="accent5"/>
         </a:lnRef>
-        <a:fillRef idx="3">
-          <a:scrgbClr r="0" g="0" b="0"/>
+        <a:fillRef idx="2">
+          <a:schemeClr val="accent5"/>
         </a:fillRef>
-        <a:effectRef idx="2">
-          <a:scrgbClr r="0" g="0" b="0"/>
+        <a:effectRef idx="1">
+          <a:schemeClr val="accent5"/>
         </a:effectRef>
         <a:fontRef idx="minor">
-          <a:schemeClr val="lt1"/>
+          <a:schemeClr val="dk1"/>
         </a:fontRef>
       </dsp:style>
       <dsp:txBody>
-        <a:bodyPr spcFirstLastPara="0" vert="horz" wrap="square" lIns="6350" tIns="6350" rIns="6350" bIns="6350" numCol="1" spcCol="1270" anchor="ctr" anchorCtr="0">
+        <a:bodyPr spcFirstLastPara="0" vert="horz" wrap="square" lIns="5715" tIns="5715" rIns="5715" bIns="5715" numCol="1" spcCol="1270" anchor="ctr" anchorCtr="0">
           <a:noAutofit/>
         </a:bodyPr>
         <a:lstStyle/>
         <a:p>
-          <a:pPr lvl="0" algn="ctr" defTabSz="444500">
+          <a:pPr lvl="0" algn="ctr" defTabSz="400050">
             <a:lnSpc>
               <a:spcPct val="90000"/>
             </a:lnSpc>
@@ -3456,26 +5255,26 @@
             </a:spcAft>
           </a:pPr>
           <a:r>
-            <a:rPr lang="en-US" sz="1000" kern="1200" dirty="0" err="1" smtClean="0"/>
-            <a:t>Labels.mlf</a:t>
+            <a:rPr lang="en-US" sz="900" kern="1200" dirty="0" err="1" smtClean="0"/>
+            <a:t>Result.mlf</a:t>
           </a:r>
-          <a:endParaRPr lang="en-US" sz="1000" kern="1200" dirty="0"/>
+          <a:endParaRPr lang="en-US" sz="900" kern="1200" dirty="0"/>
         </a:p>
       </dsp:txBody>
       <dsp:txXfrm>
-        <a:off x="4319921" y="2517133"/>
-        <a:ext cx="845330" cy="409912"/>
+        <a:off x="4245774" y="5079335"/>
+        <a:ext cx="802621" cy="401310"/>
       </dsp:txXfrm>
     </dsp:sp>
-    <dsp:sp modelId="{8A227CA5-77E3-E44D-8FC6-12E69809ADD6}">
+    <dsp:sp modelId="{71E1BBFA-A853-7842-84E6-5F001D5FEB47}">
       <dsp:nvSpPr>
         <dsp:cNvPr id="0" name=""/>
         <dsp:cNvSpPr/>
       </dsp:nvSpPr>
       <dsp:spPr>
-        <a:xfrm rot="3310531">
-          <a:off x="3828014" y="2965863"/>
-          <a:ext cx="609974" cy="13183"/>
+        <a:xfrm rot="4249260">
+          <a:off x="3596623" y="5273915"/>
+          <a:ext cx="977254" cy="12150"/>
         </a:xfrm>
         <a:custGeom>
           <a:avLst/>
@@ -3486,10 +5285,10 @@
           <a:pathLst>
             <a:path>
               <a:moveTo>
-                <a:pt x="0" y="6591"/>
+                <a:pt x="0" y="6075"/>
               </a:moveTo>
               <a:lnTo>
-                <a:pt x="609974" y="6591"/>
+                <a:pt x="977254" y="6075"/>
               </a:lnTo>
             </a:path>
           </a:pathLst>
@@ -3541,85 +5340,87 @@
           <a:endParaRPr lang="en-US" sz="500" kern="1200"/>
         </a:p>
       </dsp:txBody>
-      <dsp:txXfrm>
-        <a:off x="4117752" y="2957206"/>
-        <a:ext cx="30498" cy="30498"/>
+      <dsp:txXfrm rot="4249260">
+        <a:off x="4060819" y="5255559"/>
+        <a:ext cx="48862" cy="48862"/>
       </dsp:txXfrm>
     </dsp:sp>
-    <dsp:sp modelId="{DCA1D83B-1E26-E945-92BA-4480561F7FF3}">
+    <dsp:sp modelId="{140C74B4-2B31-CE41-9CD4-AD44B6191608}">
       <dsp:nvSpPr>
         <dsp:cNvPr id="0" name=""/>
         <dsp:cNvSpPr/>
       </dsp:nvSpPr>
       <dsp:spPr>
         <a:xfrm>
-          <a:off x="4307168" y="3005111"/>
-          <a:ext cx="870836" cy="435418"/>
+          <a:off x="4245774" y="5540842"/>
+          <a:ext cx="802621" cy="401310"/>
         </a:xfrm>
         <a:prstGeom prst="roundRect">
           <a:avLst>
             <a:gd name="adj" fmla="val 10000"/>
           </a:avLst>
         </a:prstGeom>
-        <a:gradFill rotWithShape="0">
+        <a:gradFill rotWithShape="1">
           <a:gsLst>
             <a:gs pos="0">
-              <a:schemeClr val="accent1">
-                <a:hueOff val="0"/>
-                <a:satOff val="0"/>
-                <a:lumOff val="0"/>
-                <a:alphaOff val="0"/>
-                <a:tint val="100000"/>
-                <a:shade val="100000"/>
-                <a:satMod val="130000"/>
+              <a:schemeClr val="accent5">
+                <a:tint val="50000"/>
+                <a:satMod val="300000"/>
+              </a:schemeClr>
+            </a:gs>
+            <a:gs pos="35000">
+              <a:schemeClr val="accent5">
+                <a:tint val="37000"/>
+                <a:satMod val="300000"/>
               </a:schemeClr>
             </a:gs>
             <a:gs pos="100000">
-              <a:schemeClr val="accent1">
-                <a:hueOff val="0"/>
-                <a:satOff val="0"/>
-                <a:lumOff val="0"/>
-                <a:alphaOff val="0"/>
-                <a:tint val="50000"/>
-                <a:shade val="100000"/>
+              <a:schemeClr val="accent5">
+                <a:tint val="15000"/>
                 <a:satMod val="350000"/>
               </a:schemeClr>
             </a:gs>
           </a:gsLst>
-          <a:lin ang="16200000" scaled="0"/>
+          <a:lin ang="16200000" scaled="1"/>
         </a:gradFill>
-        <a:ln>
-          <a:noFill/>
+        <a:ln w="9525" cap="flat" cmpd="sng" algn="ctr">
+          <a:solidFill>
+            <a:schemeClr val="accent5">
+              <a:shade val="95000"/>
+              <a:satMod val="105000"/>
+            </a:schemeClr>
+          </a:solidFill>
+          <a:prstDash val="solid"/>
         </a:ln>
         <a:effectLst>
-          <a:outerShdw blurRad="40000" dist="23000" dir="5400000" rotWithShape="0">
+          <a:outerShdw blurRad="40000" dist="20000" dir="5400000" rotWithShape="0">
             <a:srgbClr val="000000">
-              <a:alpha val="35000"/>
+              <a:alpha val="38000"/>
             </a:srgbClr>
           </a:outerShdw>
         </a:effectLst>
       </dsp:spPr>
       <dsp:style>
-        <a:lnRef idx="0">
-          <a:scrgbClr r="0" g="0" b="0"/>
+        <a:lnRef idx="1">
+          <a:schemeClr val="accent5"/>
         </a:lnRef>
-        <a:fillRef idx="3">
-          <a:scrgbClr r="0" g="0" b="0"/>
+        <a:fillRef idx="2">
+          <a:schemeClr val="accent5"/>
         </a:fillRef>
-        <a:effectRef idx="2">
-          <a:scrgbClr r="0" g="0" b="0"/>
+        <a:effectRef idx="1">
+          <a:schemeClr val="accent5"/>
         </a:effectRef>
         <a:fontRef idx="minor">
-          <a:schemeClr val="lt1"/>
+          <a:schemeClr val="dk1"/>
         </a:fontRef>
       </dsp:style>
       <dsp:txBody>
-        <a:bodyPr spcFirstLastPara="0" vert="horz" wrap="square" lIns="6350" tIns="6350" rIns="6350" bIns="6350" numCol="1" spcCol="1270" anchor="ctr" anchorCtr="0">
+        <a:bodyPr spcFirstLastPara="0" vert="horz" wrap="square" lIns="5715" tIns="5715" rIns="5715" bIns="5715" numCol="1" spcCol="1270" anchor="ctr" anchorCtr="0">
           <a:noAutofit/>
         </a:bodyPr>
         <a:lstStyle/>
         <a:p>
-          <a:pPr lvl="0" algn="ctr" defTabSz="444500">
+          <a:pPr lvl="0" algn="ctr" defTabSz="400050">
             <a:lnSpc>
               <a:spcPct val="90000"/>
             </a:lnSpc>
@@ -3631,1065 +5432,15 @@
             </a:spcAft>
           </a:pPr>
           <a:r>
-            <a:rPr lang="en-US" sz="1000" kern="1200" dirty="0" err="1" smtClean="0"/>
-            <a:t>List.scp</a:t>
+            <a:rPr lang="en-US" sz="900" kern="1200" dirty="0" err="1" smtClean="0"/>
+            <a:t>Tmp.list</a:t>
           </a:r>
-          <a:endParaRPr lang="en-US" sz="1000" kern="1200" dirty="0"/>
+          <a:endParaRPr lang="en-US" sz="900" kern="1200" dirty="0"/>
         </a:p>
       </dsp:txBody>
       <dsp:txXfrm>
-        <a:off x="4319921" y="3017864"/>
-        <a:ext cx="845330" cy="409912"/>
-      </dsp:txXfrm>
-    </dsp:sp>
-    <dsp:sp modelId="{FB940781-B036-0D4D-8481-11843FB112EB}">
-      <dsp:nvSpPr>
-        <dsp:cNvPr id="0" name=""/>
-        <dsp:cNvSpPr/>
-      </dsp:nvSpPr>
-      <dsp:spPr>
-        <a:xfrm rot="4769441">
-          <a:off x="1958941" y="3779551"/>
-          <a:ext cx="1909777" cy="13183"/>
-        </a:xfrm>
-        <a:custGeom>
-          <a:avLst/>
-          <a:gdLst/>
-          <a:ahLst/>
-          <a:cxnLst/>
-          <a:rect l="0" t="0" r="0" b="0"/>
-          <a:pathLst>
-            <a:path>
-              <a:moveTo>
-                <a:pt x="0" y="6591"/>
-              </a:moveTo>
-              <a:lnTo>
-                <a:pt x="1909777" y="6591"/>
-              </a:lnTo>
-            </a:path>
-          </a:pathLst>
-        </a:custGeom>
-        <a:noFill/>
-        <a:ln w="9525" cap="flat" cmpd="sng" algn="ctr">
-          <a:solidFill>
-            <a:schemeClr val="accent1">
-              <a:shade val="60000"/>
-              <a:hueOff val="0"/>
-              <a:satOff val="0"/>
-              <a:lumOff val="0"/>
-              <a:alphaOff val="0"/>
-            </a:schemeClr>
-          </a:solidFill>
-          <a:prstDash val="solid"/>
-        </a:ln>
-        <a:effectLst/>
-      </dsp:spPr>
-      <dsp:style>
-        <a:lnRef idx="1">
-          <a:scrgbClr r="0" g="0" b="0"/>
-        </a:lnRef>
-        <a:fillRef idx="0">
-          <a:scrgbClr r="0" g="0" b="0"/>
-        </a:fillRef>
-        <a:effectRef idx="0">
-          <a:scrgbClr r="0" g="0" b="0"/>
-        </a:effectRef>
-        <a:fontRef idx="minor"/>
-      </dsp:style>
-      <dsp:txBody>
-        <a:bodyPr spcFirstLastPara="0" vert="horz" wrap="square" lIns="12700" tIns="0" rIns="12700" bIns="0" numCol="1" spcCol="1270" anchor="ctr" anchorCtr="0">
-          <a:noAutofit/>
-        </a:bodyPr>
-        <a:lstStyle/>
-        <a:p>
-          <a:pPr lvl="0" algn="ctr" defTabSz="266700">
-            <a:lnSpc>
-              <a:spcPct val="90000"/>
-            </a:lnSpc>
-            <a:spcBef>
-              <a:spcPct val="0"/>
-            </a:spcBef>
-            <a:spcAft>
-              <a:spcPct val="35000"/>
-            </a:spcAft>
-          </a:pPr>
-          <a:endParaRPr lang="en-US" sz="600" kern="1200"/>
-        </a:p>
-      </dsp:txBody>
-      <dsp:txXfrm>
-        <a:off x="2866085" y="3738398"/>
-        <a:ext cx="95488" cy="95488"/>
-      </dsp:txXfrm>
-    </dsp:sp>
-    <dsp:sp modelId="{08AC7F4A-54BD-0A4C-BF93-2E54E1140454}">
-      <dsp:nvSpPr>
-        <dsp:cNvPr id="0" name=""/>
-        <dsp:cNvSpPr/>
-      </dsp:nvSpPr>
-      <dsp:spPr>
-        <a:xfrm>
-          <a:off x="3087997" y="4507304"/>
-          <a:ext cx="870836" cy="435418"/>
-        </a:xfrm>
-        <a:prstGeom prst="roundRect">
-          <a:avLst>
-            <a:gd name="adj" fmla="val 10000"/>
-          </a:avLst>
-        </a:prstGeom>
-        <a:gradFill rotWithShape="0">
-          <a:gsLst>
-            <a:gs pos="0">
-              <a:schemeClr val="accent1">
-                <a:hueOff val="0"/>
-                <a:satOff val="0"/>
-                <a:lumOff val="0"/>
-                <a:alphaOff val="0"/>
-                <a:tint val="100000"/>
-                <a:shade val="100000"/>
-                <a:satMod val="130000"/>
-              </a:schemeClr>
-            </a:gs>
-            <a:gs pos="100000">
-              <a:schemeClr val="accent1">
-                <a:hueOff val="0"/>
-                <a:satOff val="0"/>
-                <a:lumOff val="0"/>
-                <a:alphaOff val="0"/>
-                <a:tint val="50000"/>
-                <a:shade val="100000"/>
-                <a:satMod val="350000"/>
-              </a:schemeClr>
-            </a:gs>
-          </a:gsLst>
-          <a:lin ang="16200000" scaled="0"/>
-        </a:gradFill>
-        <a:ln>
-          <a:noFill/>
-        </a:ln>
-        <a:effectLst>
-          <a:outerShdw blurRad="40000" dist="23000" dir="5400000" rotWithShape="0">
-            <a:srgbClr val="000000">
-              <a:alpha val="35000"/>
-            </a:srgbClr>
-          </a:outerShdw>
-        </a:effectLst>
-      </dsp:spPr>
-      <dsp:style>
-        <a:lnRef idx="0">
-          <a:scrgbClr r="0" g="0" b="0"/>
-        </a:lnRef>
-        <a:fillRef idx="3">
-          <a:scrgbClr r="0" g="0" b="0"/>
-        </a:fillRef>
-        <a:effectRef idx="2">
-          <a:scrgbClr r="0" g="0" b="0"/>
-        </a:effectRef>
-        <a:fontRef idx="minor">
-          <a:schemeClr val="lt1"/>
-        </a:fontRef>
-      </dsp:style>
-      <dsp:txBody>
-        <a:bodyPr spcFirstLastPara="0" vert="horz" wrap="square" lIns="6350" tIns="6350" rIns="6350" bIns="6350" numCol="1" spcCol="1270" anchor="ctr" anchorCtr="0">
-          <a:noAutofit/>
-        </a:bodyPr>
-        <a:lstStyle/>
-        <a:p>
-          <a:pPr lvl="0" algn="ctr" defTabSz="444500">
-            <a:lnSpc>
-              <a:spcPct val="90000"/>
-            </a:lnSpc>
-            <a:spcBef>
-              <a:spcPct val="0"/>
-            </a:spcBef>
-            <a:spcAft>
-              <a:spcPct val="35000"/>
-            </a:spcAft>
-          </a:pPr>
-          <a:r>
-            <a:rPr lang="en-US" sz="1000" kern="1200" dirty="0" err="1" smtClean="0"/>
-            <a:t>testData</a:t>
-          </a:r>
-          <a:endParaRPr lang="en-US" sz="1000" kern="1200" dirty="0"/>
-        </a:p>
-      </dsp:txBody>
-      <dsp:txXfrm>
-        <a:off x="3100750" y="4520057"/>
-        <a:ext cx="845330" cy="409912"/>
-      </dsp:txXfrm>
-    </dsp:sp>
-    <dsp:sp modelId="{C7C74E78-F9FB-1F45-AFE4-DBC0EAF0AEED}">
-      <dsp:nvSpPr>
-        <dsp:cNvPr id="0" name=""/>
-        <dsp:cNvSpPr/>
-      </dsp:nvSpPr>
-      <dsp:spPr>
-        <a:xfrm rot="17350740">
-          <a:off x="3602845" y="4217691"/>
-          <a:ext cx="1060312" cy="13183"/>
-        </a:xfrm>
-        <a:custGeom>
-          <a:avLst/>
-          <a:gdLst/>
-          <a:ahLst/>
-          <a:cxnLst/>
-          <a:rect l="0" t="0" r="0" b="0"/>
-          <a:pathLst>
-            <a:path>
-              <a:moveTo>
-                <a:pt x="0" y="6591"/>
-              </a:moveTo>
-              <a:lnTo>
-                <a:pt x="1060312" y="6591"/>
-              </a:lnTo>
-            </a:path>
-          </a:pathLst>
-        </a:custGeom>
-        <a:noFill/>
-        <a:ln w="9525" cap="flat" cmpd="sng" algn="ctr">
-          <a:solidFill>
-            <a:schemeClr val="accent1">
-              <a:shade val="80000"/>
-              <a:hueOff val="0"/>
-              <a:satOff val="0"/>
-              <a:lumOff val="0"/>
-              <a:alphaOff val="0"/>
-            </a:schemeClr>
-          </a:solidFill>
-          <a:prstDash val="solid"/>
-        </a:ln>
-        <a:effectLst/>
-      </dsp:spPr>
-      <dsp:style>
-        <a:lnRef idx="1">
-          <a:scrgbClr r="0" g="0" b="0"/>
-        </a:lnRef>
-        <a:fillRef idx="0">
-          <a:scrgbClr r="0" g="0" b="0"/>
-        </a:fillRef>
-        <a:effectRef idx="0">
-          <a:scrgbClr r="0" g="0" b="0"/>
-        </a:effectRef>
-        <a:fontRef idx="minor"/>
-      </dsp:style>
-      <dsp:txBody>
-        <a:bodyPr spcFirstLastPara="0" vert="horz" wrap="square" lIns="12700" tIns="0" rIns="12700" bIns="0" numCol="1" spcCol="1270" anchor="ctr" anchorCtr="0">
-          <a:noAutofit/>
-        </a:bodyPr>
-        <a:lstStyle/>
-        <a:p>
-          <a:pPr lvl="0" algn="ctr" defTabSz="222250">
-            <a:lnSpc>
-              <a:spcPct val="90000"/>
-            </a:lnSpc>
-            <a:spcBef>
-              <a:spcPct val="0"/>
-            </a:spcBef>
-            <a:spcAft>
-              <a:spcPct val="35000"/>
-            </a:spcAft>
-          </a:pPr>
-          <a:endParaRPr lang="en-US" sz="500" kern="1200"/>
-        </a:p>
-      </dsp:txBody>
-      <dsp:txXfrm>
-        <a:off x="4106493" y="4197775"/>
-        <a:ext cx="53015" cy="53015"/>
-      </dsp:txXfrm>
-    </dsp:sp>
-    <dsp:sp modelId="{58BB4A0B-7B2B-4747-B0EF-7D9403963C26}">
-      <dsp:nvSpPr>
-        <dsp:cNvPr id="0" name=""/>
-        <dsp:cNvSpPr/>
-      </dsp:nvSpPr>
-      <dsp:spPr>
-        <a:xfrm>
-          <a:off x="4307168" y="3505842"/>
-          <a:ext cx="870836" cy="435418"/>
-        </a:xfrm>
-        <a:prstGeom prst="roundRect">
-          <a:avLst>
-            <a:gd name="adj" fmla="val 10000"/>
-          </a:avLst>
-        </a:prstGeom>
-        <a:gradFill rotWithShape="0">
-          <a:gsLst>
-            <a:gs pos="0">
-              <a:schemeClr val="accent1">
-                <a:hueOff val="0"/>
-                <a:satOff val="0"/>
-                <a:lumOff val="0"/>
-                <a:alphaOff val="0"/>
-                <a:tint val="100000"/>
-                <a:shade val="100000"/>
-                <a:satMod val="130000"/>
-              </a:schemeClr>
-            </a:gs>
-            <a:gs pos="100000">
-              <a:schemeClr val="accent1">
-                <a:hueOff val="0"/>
-                <a:satOff val="0"/>
-                <a:lumOff val="0"/>
-                <a:alphaOff val="0"/>
-                <a:tint val="50000"/>
-                <a:shade val="100000"/>
-                <a:satMod val="350000"/>
-              </a:schemeClr>
-            </a:gs>
-          </a:gsLst>
-          <a:lin ang="16200000" scaled="0"/>
-        </a:gradFill>
-        <a:ln>
-          <a:noFill/>
-        </a:ln>
-        <a:effectLst>
-          <a:outerShdw blurRad="40000" dist="23000" dir="5400000" rotWithShape="0">
-            <a:srgbClr val="000000">
-              <a:alpha val="35000"/>
-            </a:srgbClr>
-          </a:outerShdw>
-        </a:effectLst>
-      </dsp:spPr>
-      <dsp:style>
-        <a:lnRef idx="0">
-          <a:scrgbClr r="0" g="0" b="0"/>
-        </a:lnRef>
-        <a:fillRef idx="3">
-          <a:scrgbClr r="0" g="0" b="0"/>
-        </a:fillRef>
-        <a:effectRef idx="2">
-          <a:scrgbClr r="0" g="0" b="0"/>
-        </a:effectRef>
-        <a:fontRef idx="minor">
-          <a:schemeClr val="lt1"/>
-        </a:fontRef>
-      </dsp:style>
-      <dsp:txBody>
-        <a:bodyPr spcFirstLastPara="0" vert="horz" wrap="square" lIns="6350" tIns="6350" rIns="6350" bIns="6350" numCol="1" spcCol="1270" anchor="ctr" anchorCtr="0">
-          <a:noAutofit/>
-        </a:bodyPr>
-        <a:lstStyle/>
-        <a:p>
-          <a:pPr lvl="0" algn="ctr" defTabSz="444500">
-            <a:lnSpc>
-              <a:spcPct val="90000"/>
-            </a:lnSpc>
-            <a:spcBef>
-              <a:spcPct val="0"/>
-            </a:spcBef>
-            <a:spcAft>
-              <a:spcPct val="35000"/>
-            </a:spcAft>
-          </a:pPr>
-          <a:r>
-            <a:rPr lang="en-US" sz="1000" kern="1200" dirty="0" err="1" smtClean="0"/>
-            <a:t>Features_X.mat</a:t>
-          </a:r>
-          <a:endParaRPr lang="en-US" sz="1000" kern="1200" dirty="0"/>
-        </a:p>
-      </dsp:txBody>
-      <dsp:txXfrm>
-        <a:off x="4319921" y="3518595"/>
-        <a:ext cx="845330" cy="409912"/>
-      </dsp:txXfrm>
-    </dsp:sp>
-    <dsp:sp modelId="{D1551F6F-3DDE-7A4E-8707-682681D08E60}">
-      <dsp:nvSpPr>
-        <dsp:cNvPr id="0" name=""/>
-        <dsp:cNvSpPr/>
-      </dsp:nvSpPr>
-      <dsp:spPr>
-        <a:xfrm rot="18289469">
-          <a:off x="3828014" y="4468056"/>
-          <a:ext cx="609974" cy="13183"/>
-        </a:xfrm>
-        <a:custGeom>
-          <a:avLst/>
-          <a:gdLst/>
-          <a:ahLst/>
-          <a:cxnLst/>
-          <a:rect l="0" t="0" r="0" b="0"/>
-          <a:pathLst>
-            <a:path>
-              <a:moveTo>
-                <a:pt x="0" y="6591"/>
-              </a:moveTo>
-              <a:lnTo>
-                <a:pt x="609974" y="6591"/>
-              </a:lnTo>
-            </a:path>
-          </a:pathLst>
-        </a:custGeom>
-        <a:noFill/>
-        <a:ln w="9525" cap="flat" cmpd="sng" algn="ctr">
-          <a:solidFill>
-            <a:schemeClr val="accent1">
-              <a:shade val="80000"/>
-              <a:hueOff val="0"/>
-              <a:satOff val="0"/>
-              <a:lumOff val="0"/>
-              <a:alphaOff val="0"/>
-            </a:schemeClr>
-          </a:solidFill>
-          <a:prstDash val="solid"/>
-        </a:ln>
-        <a:effectLst/>
-      </dsp:spPr>
-      <dsp:style>
-        <a:lnRef idx="1">
-          <a:scrgbClr r="0" g="0" b="0"/>
-        </a:lnRef>
-        <a:fillRef idx="0">
-          <a:scrgbClr r="0" g="0" b="0"/>
-        </a:fillRef>
-        <a:effectRef idx="0">
-          <a:scrgbClr r="0" g="0" b="0"/>
-        </a:effectRef>
-        <a:fontRef idx="minor"/>
-      </dsp:style>
-      <dsp:txBody>
-        <a:bodyPr spcFirstLastPara="0" vert="horz" wrap="square" lIns="12700" tIns="0" rIns="12700" bIns="0" numCol="1" spcCol="1270" anchor="ctr" anchorCtr="0">
-          <a:noAutofit/>
-        </a:bodyPr>
-        <a:lstStyle/>
-        <a:p>
-          <a:pPr lvl="0" algn="ctr" defTabSz="222250">
-            <a:lnSpc>
-              <a:spcPct val="90000"/>
-            </a:lnSpc>
-            <a:spcBef>
-              <a:spcPct val="0"/>
-            </a:spcBef>
-            <a:spcAft>
-              <a:spcPct val="35000"/>
-            </a:spcAft>
-          </a:pPr>
-          <a:endParaRPr lang="en-US" sz="500" kern="1200"/>
-        </a:p>
-      </dsp:txBody>
-      <dsp:txXfrm>
-        <a:off x="4117752" y="4459399"/>
-        <a:ext cx="30498" cy="30498"/>
-      </dsp:txXfrm>
-    </dsp:sp>
-    <dsp:sp modelId="{57565EDE-02F1-584D-8C0E-975278B7856B}">
-      <dsp:nvSpPr>
-        <dsp:cNvPr id="0" name=""/>
-        <dsp:cNvSpPr/>
-      </dsp:nvSpPr>
-      <dsp:spPr>
-        <a:xfrm>
-          <a:off x="4307168" y="4006573"/>
-          <a:ext cx="870836" cy="435418"/>
-        </a:xfrm>
-        <a:prstGeom prst="roundRect">
-          <a:avLst>
-            <a:gd name="adj" fmla="val 10000"/>
-          </a:avLst>
-        </a:prstGeom>
-        <a:gradFill rotWithShape="0">
-          <a:gsLst>
-            <a:gs pos="0">
-              <a:schemeClr val="accent1">
-                <a:hueOff val="0"/>
-                <a:satOff val="0"/>
-                <a:lumOff val="0"/>
-                <a:alphaOff val="0"/>
-                <a:tint val="100000"/>
-                <a:shade val="100000"/>
-                <a:satMod val="130000"/>
-              </a:schemeClr>
-            </a:gs>
-            <a:gs pos="100000">
-              <a:schemeClr val="accent1">
-                <a:hueOff val="0"/>
-                <a:satOff val="0"/>
-                <a:lumOff val="0"/>
-                <a:alphaOff val="0"/>
-                <a:tint val="50000"/>
-                <a:shade val="100000"/>
-                <a:satMod val="350000"/>
-              </a:schemeClr>
-            </a:gs>
-          </a:gsLst>
-          <a:lin ang="16200000" scaled="0"/>
-        </a:gradFill>
-        <a:ln>
-          <a:noFill/>
-        </a:ln>
-        <a:effectLst>
-          <a:outerShdw blurRad="40000" dist="23000" dir="5400000" rotWithShape="0">
-            <a:srgbClr val="000000">
-              <a:alpha val="35000"/>
-            </a:srgbClr>
-          </a:outerShdw>
-        </a:effectLst>
-      </dsp:spPr>
-      <dsp:style>
-        <a:lnRef idx="0">
-          <a:scrgbClr r="0" g="0" b="0"/>
-        </a:lnRef>
-        <a:fillRef idx="3">
-          <a:scrgbClr r="0" g="0" b="0"/>
-        </a:fillRef>
-        <a:effectRef idx="2">
-          <a:scrgbClr r="0" g="0" b="0"/>
-        </a:effectRef>
-        <a:fontRef idx="minor">
-          <a:schemeClr val="lt1"/>
-        </a:fontRef>
-      </dsp:style>
-      <dsp:txBody>
-        <a:bodyPr spcFirstLastPara="0" vert="horz" wrap="square" lIns="6350" tIns="6350" rIns="6350" bIns="6350" numCol="1" spcCol="1270" anchor="ctr" anchorCtr="0">
-          <a:noAutofit/>
-        </a:bodyPr>
-        <a:lstStyle/>
-        <a:p>
-          <a:pPr lvl="0" algn="ctr" defTabSz="444500">
-            <a:lnSpc>
-              <a:spcPct val="90000"/>
-            </a:lnSpc>
-            <a:spcBef>
-              <a:spcPct val="0"/>
-            </a:spcBef>
-            <a:spcAft>
-              <a:spcPct val="35000"/>
-            </a:spcAft>
-          </a:pPr>
-          <a:r>
-            <a:rPr lang="en-US" sz="1000" kern="1200" dirty="0" err="1" smtClean="0"/>
-            <a:t>jobObject.mat</a:t>
-          </a:r>
-          <a:endParaRPr lang="en-US" sz="1000" kern="1200" dirty="0"/>
-        </a:p>
-      </dsp:txBody>
-      <dsp:txXfrm>
-        <a:off x="4319921" y="4019326"/>
-        <a:ext cx="845330" cy="409912"/>
-      </dsp:txXfrm>
-    </dsp:sp>
-    <dsp:sp modelId="{39B99F2D-8DF7-F642-9295-49840427A027}">
-      <dsp:nvSpPr>
-        <dsp:cNvPr id="0" name=""/>
-        <dsp:cNvSpPr/>
-      </dsp:nvSpPr>
-      <dsp:spPr>
-        <a:xfrm>
-          <a:off x="3958834" y="4718422"/>
-          <a:ext cx="348334" cy="13183"/>
-        </a:xfrm>
-        <a:custGeom>
-          <a:avLst/>
-          <a:gdLst/>
-          <a:ahLst/>
-          <a:cxnLst/>
-          <a:rect l="0" t="0" r="0" b="0"/>
-          <a:pathLst>
-            <a:path>
-              <a:moveTo>
-                <a:pt x="0" y="6591"/>
-              </a:moveTo>
-              <a:lnTo>
-                <a:pt x="348334" y="6591"/>
-              </a:lnTo>
-            </a:path>
-          </a:pathLst>
-        </a:custGeom>
-        <a:noFill/>
-        <a:ln w="9525" cap="flat" cmpd="sng" algn="ctr">
-          <a:solidFill>
-            <a:schemeClr val="accent1">
-              <a:shade val="80000"/>
-              <a:hueOff val="0"/>
-              <a:satOff val="0"/>
-              <a:lumOff val="0"/>
-              <a:alphaOff val="0"/>
-            </a:schemeClr>
-          </a:solidFill>
-          <a:prstDash val="solid"/>
-        </a:ln>
-        <a:effectLst/>
-      </dsp:spPr>
-      <dsp:style>
-        <a:lnRef idx="1">
-          <a:scrgbClr r="0" g="0" b="0"/>
-        </a:lnRef>
-        <a:fillRef idx="0">
-          <a:scrgbClr r="0" g="0" b="0"/>
-        </a:fillRef>
-        <a:effectRef idx="0">
-          <a:scrgbClr r="0" g="0" b="0"/>
-        </a:effectRef>
-        <a:fontRef idx="minor"/>
-      </dsp:style>
-      <dsp:txBody>
-        <a:bodyPr spcFirstLastPara="0" vert="horz" wrap="square" lIns="12700" tIns="0" rIns="12700" bIns="0" numCol="1" spcCol="1270" anchor="ctr" anchorCtr="0">
-          <a:noAutofit/>
-        </a:bodyPr>
-        <a:lstStyle/>
-        <a:p>
-          <a:pPr lvl="0" algn="ctr" defTabSz="222250">
-            <a:lnSpc>
-              <a:spcPct val="90000"/>
-            </a:lnSpc>
-            <a:spcBef>
-              <a:spcPct val="0"/>
-            </a:spcBef>
-            <a:spcAft>
-              <a:spcPct val="35000"/>
-            </a:spcAft>
-          </a:pPr>
-          <a:endParaRPr lang="en-US" sz="500" kern="1200"/>
-        </a:p>
-      </dsp:txBody>
-      <dsp:txXfrm>
-        <a:off x="4124293" y="4716305"/>
-        <a:ext cx="17416" cy="17416"/>
-      </dsp:txXfrm>
-    </dsp:sp>
-    <dsp:sp modelId="{873E7218-3A62-F847-97BA-4E860644D978}">
-      <dsp:nvSpPr>
-        <dsp:cNvPr id="0" name=""/>
-        <dsp:cNvSpPr/>
-      </dsp:nvSpPr>
-      <dsp:spPr>
-        <a:xfrm>
-          <a:off x="4307168" y="4507304"/>
-          <a:ext cx="870836" cy="435418"/>
-        </a:xfrm>
-        <a:prstGeom prst="roundRect">
-          <a:avLst>
-            <a:gd name="adj" fmla="val 10000"/>
-          </a:avLst>
-        </a:prstGeom>
-        <a:gradFill rotWithShape="0">
-          <a:gsLst>
-            <a:gs pos="0">
-              <a:schemeClr val="accent1">
-                <a:hueOff val="0"/>
-                <a:satOff val="0"/>
-                <a:lumOff val="0"/>
-                <a:alphaOff val="0"/>
-                <a:tint val="100000"/>
-                <a:shade val="100000"/>
-                <a:satMod val="130000"/>
-              </a:schemeClr>
-            </a:gs>
-            <a:gs pos="100000">
-              <a:schemeClr val="accent1">
-                <a:hueOff val="0"/>
-                <a:satOff val="0"/>
-                <a:lumOff val="0"/>
-                <a:alphaOff val="0"/>
-                <a:tint val="50000"/>
-                <a:shade val="100000"/>
-                <a:satMod val="350000"/>
-              </a:schemeClr>
-            </a:gs>
-          </a:gsLst>
-          <a:lin ang="16200000" scaled="0"/>
-        </a:gradFill>
-        <a:ln>
-          <a:noFill/>
-        </a:ln>
-        <a:effectLst>
-          <a:outerShdw blurRad="40000" dist="23000" dir="5400000" rotWithShape="0">
-            <a:srgbClr val="000000">
-              <a:alpha val="35000"/>
-            </a:srgbClr>
-          </a:outerShdw>
-        </a:effectLst>
-      </dsp:spPr>
-      <dsp:style>
-        <a:lnRef idx="0">
-          <a:scrgbClr r="0" g="0" b="0"/>
-        </a:lnRef>
-        <a:fillRef idx="3">
-          <a:scrgbClr r="0" g="0" b="0"/>
-        </a:fillRef>
-        <a:effectRef idx="2">
-          <a:scrgbClr r="0" g="0" b="0"/>
-        </a:effectRef>
-        <a:fontRef idx="minor">
-          <a:schemeClr val="lt1"/>
-        </a:fontRef>
-      </dsp:style>
-      <dsp:txBody>
-        <a:bodyPr spcFirstLastPara="0" vert="horz" wrap="square" lIns="6350" tIns="6350" rIns="6350" bIns="6350" numCol="1" spcCol="1270" anchor="ctr" anchorCtr="0">
-          <a:noAutofit/>
-        </a:bodyPr>
-        <a:lstStyle/>
-        <a:p>
-          <a:pPr lvl="0" algn="ctr" defTabSz="444500">
-            <a:lnSpc>
-              <a:spcPct val="90000"/>
-            </a:lnSpc>
-            <a:spcBef>
-              <a:spcPct val="0"/>
-            </a:spcBef>
-            <a:spcAft>
-              <a:spcPct val="35000"/>
-            </a:spcAft>
-          </a:pPr>
-          <a:r>
-            <a:rPr lang="en-US" sz="1000" kern="1200" dirty="0" err="1" smtClean="0"/>
-            <a:t>List.scp</a:t>
-          </a:r>
-          <a:endParaRPr lang="en-US" sz="1000" kern="1200" dirty="0"/>
-        </a:p>
-      </dsp:txBody>
-      <dsp:txXfrm>
-        <a:off x="4319921" y="4520057"/>
-        <a:ext cx="845330" cy="409912"/>
-      </dsp:txXfrm>
-    </dsp:sp>
-    <dsp:sp modelId="{E5733B22-1259-B343-9BDE-90918AA8B96A}">
-      <dsp:nvSpPr>
-        <dsp:cNvPr id="0" name=""/>
-        <dsp:cNvSpPr/>
-      </dsp:nvSpPr>
-      <dsp:spPr>
-        <a:xfrm rot="3310531">
-          <a:off x="3828014" y="4968787"/>
-          <a:ext cx="609974" cy="13183"/>
-        </a:xfrm>
-        <a:custGeom>
-          <a:avLst/>
-          <a:gdLst/>
-          <a:ahLst/>
-          <a:cxnLst/>
-          <a:rect l="0" t="0" r="0" b="0"/>
-          <a:pathLst>
-            <a:path>
-              <a:moveTo>
-                <a:pt x="0" y="6591"/>
-              </a:moveTo>
-              <a:lnTo>
-                <a:pt x="609974" y="6591"/>
-              </a:lnTo>
-            </a:path>
-          </a:pathLst>
-        </a:custGeom>
-        <a:noFill/>
-        <a:ln w="9525" cap="flat" cmpd="sng" algn="ctr">
-          <a:solidFill>
-            <a:schemeClr val="accent1">
-              <a:shade val="80000"/>
-              <a:hueOff val="0"/>
-              <a:satOff val="0"/>
-              <a:lumOff val="0"/>
-              <a:alphaOff val="0"/>
-            </a:schemeClr>
-          </a:solidFill>
-          <a:prstDash val="solid"/>
-        </a:ln>
-        <a:effectLst/>
-      </dsp:spPr>
-      <dsp:style>
-        <a:lnRef idx="1">
-          <a:scrgbClr r="0" g="0" b="0"/>
-        </a:lnRef>
-        <a:fillRef idx="0">
-          <a:scrgbClr r="0" g="0" b="0"/>
-        </a:fillRef>
-        <a:effectRef idx="0">
-          <a:scrgbClr r="0" g="0" b="0"/>
-        </a:effectRef>
-        <a:fontRef idx="minor"/>
-      </dsp:style>
-      <dsp:txBody>
-        <a:bodyPr spcFirstLastPara="0" vert="horz" wrap="square" lIns="12700" tIns="0" rIns="12700" bIns="0" numCol="1" spcCol="1270" anchor="ctr" anchorCtr="0">
-          <a:noAutofit/>
-        </a:bodyPr>
-        <a:lstStyle/>
-        <a:p>
-          <a:pPr lvl="0" algn="ctr" defTabSz="222250">
-            <a:lnSpc>
-              <a:spcPct val="90000"/>
-            </a:lnSpc>
-            <a:spcBef>
-              <a:spcPct val="0"/>
-            </a:spcBef>
-            <a:spcAft>
-              <a:spcPct val="35000"/>
-            </a:spcAft>
-          </a:pPr>
-          <a:endParaRPr lang="en-US" sz="500" kern="1200"/>
-        </a:p>
-      </dsp:txBody>
-      <dsp:txXfrm>
-        <a:off x="4117752" y="4960130"/>
-        <a:ext cx="30498" cy="30498"/>
-      </dsp:txXfrm>
-    </dsp:sp>
-    <dsp:sp modelId="{02C31283-E609-8A4A-BED4-298B619C1104}">
-      <dsp:nvSpPr>
-        <dsp:cNvPr id="0" name=""/>
-        <dsp:cNvSpPr/>
-      </dsp:nvSpPr>
-      <dsp:spPr>
-        <a:xfrm>
-          <a:off x="4307168" y="5008035"/>
-          <a:ext cx="870836" cy="435418"/>
-        </a:xfrm>
-        <a:prstGeom prst="roundRect">
-          <a:avLst>
-            <a:gd name="adj" fmla="val 10000"/>
-          </a:avLst>
-        </a:prstGeom>
-        <a:gradFill rotWithShape="0">
-          <a:gsLst>
-            <a:gs pos="0">
-              <a:schemeClr val="accent1">
-                <a:hueOff val="0"/>
-                <a:satOff val="0"/>
-                <a:lumOff val="0"/>
-                <a:alphaOff val="0"/>
-                <a:tint val="100000"/>
-                <a:shade val="100000"/>
-                <a:satMod val="130000"/>
-              </a:schemeClr>
-            </a:gs>
-            <a:gs pos="100000">
-              <a:schemeClr val="accent1">
-                <a:hueOff val="0"/>
-                <a:satOff val="0"/>
-                <a:lumOff val="0"/>
-                <a:alphaOff val="0"/>
-                <a:tint val="50000"/>
-                <a:shade val="100000"/>
-                <a:satMod val="350000"/>
-              </a:schemeClr>
-            </a:gs>
-          </a:gsLst>
-          <a:lin ang="16200000" scaled="0"/>
-        </a:gradFill>
-        <a:ln>
-          <a:noFill/>
-        </a:ln>
-        <a:effectLst>
-          <a:outerShdw blurRad="40000" dist="23000" dir="5400000" rotWithShape="0">
-            <a:srgbClr val="000000">
-              <a:alpha val="35000"/>
-            </a:srgbClr>
-          </a:outerShdw>
-        </a:effectLst>
-      </dsp:spPr>
-      <dsp:style>
-        <a:lnRef idx="0">
-          <a:scrgbClr r="0" g="0" b="0"/>
-        </a:lnRef>
-        <a:fillRef idx="3">
-          <a:scrgbClr r="0" g="0" b="0"/>
-        </a:fillRef>
-        <a:effectRef idx="2">
-          <a:scrgbClr r="0" g="0" b="0"/>
-        </a:effectRef>
-        <a:fontRef idx="minor">
-          <a:schemeClr val="lt1"/>
-        </a:fontRef>
-      </dsp:style>
-      <dsp:txBody>
-        <a:bodyPr spcFirstLastPara="0" vert="horz" wrap="square" lIns="6350" tIns="6350" rIns="6350" bIns="6350" numCol="1" spcCol="1270" anchor="ctr" anchorCtr="0">
-          <a:noAutofit/>
-        </a:bodyPr>
-        <a:lstStyle/>
-        <a:p>
-          <a:pPr lvl="0" algn="ctr" defTabSz="444500">
-            <a:lnSpc>
-              <a:spcPct val="90000"/>
-            </a:lnSpc>
-            <a:spcBef>
-              <a:spcPct val="0"/>
-            </a:spcBef>
-            <a:spcAft>
-              <a:spcPct val="35000"/>
-            </a:spcAft>
-          </a:pPr>
-          <a:r>
-            <a:rPr lang="en-US" sz="1000" kern="1200" dirty="0" err="1" smtClean="0"/>
-            <a:t>Result.mlf</a:t>
-          </a:r>
-          <a:endParaRPr lang="en-US" sz="1000" kern="1200" dirty="0"/>
-        </a:p>
-      </dsp:txBody>
-      <dsp:txXfrm>
-        <a:off x="4319921" y="5020788"/>
-        <a:ext cx="845330" cy="409912"/>
-      </dsp:txXfrm>
-    </dsp:sp>
-    <dsp:sp modelId="{71E1BBFA-A853-7842-84E6-5F001D5FEB47}">
-      <dsp:nvSpPr>
-        <dsp:cNvPr id="0" name=""/>
-        <dsp:cNvSpPr/>
-      </dsp:nvSpPr>
-      <dsp:spPr>
-        <a:xfrm rot="4249260">
-          <a:off x="3602845" y="5219153"/>
-          <a:ext cx="1060312" cy="13183"/>
-        </a:xfrm>
-        <a:custGeom>
-          <a:avLst/>
-          <a:gdLst/>
-          <a:ahLst/>
-          <a:cxnLst/>
-          <a:rect l="0" t="0" r="0" b="0"/>
-          <a:pathLst>
-            <a:path>
-              <a:moveTo>
-                <a:pt x="0" y="6591"/>
-              </a:moveTo>
-              <a:lnTo>
-                <a:pt x="1060312" y="6591"/>
-              </a:lnTo>
-            </a:path>
-          </a:pathLst>
-        </a:custGeom>
-        <a:noFill/>
-        <a:ln w="9525" cap="flat" cmpd="sng" algn="ctr">
-          <a:solidFill>
-            <a:schemeClr val="accent1">
-              <a:shade val="80000"/>
-              <a:hueOff val="0"/>
-              <a:satOff val="0"/>
-              <a:lumOff val="0"/>
-              <a:alphaOff val="0"/>
-            </a:schemeClr>
-          </a:solidFill>
-          <a:prstDash val="solid"/>
-        </a:ln>
-        <a:effectLst/>
-      </dsp:spPr>
-      <dsp:style>
-        <a:lnRef idx="1">
-          <a:scrgbClr r="0" g="0" b="0"/>
-        </a:lnRef>
-        <a:fillRef idx="0">
-          <a:scrgbClr r="0" g="0" b="0"/>
-        </a:fillRef>
-        <a:effectRef idx="0">
-          <a:scrgbClr r="0" g="0" b="0"/>
-        </a:effectRef>
-        <a:fontRef idx="minor"/>
-      </dsp:style>
-      <dsp:txBody>
-        <a:bodyPr spcFirstLastPara="0" vert="horz" wrap="square" lIns="12700" tIns="0" rIns="12700" bIns="0" numCol="1" spcCol="1270" anchor="ctr" anchorCtr="0">
-          <a:noAutofit/>
-        </a:bodyPr>
-        <a:lstStyle/>
-        <a:p>
-          <a:pPr lvl="0" algn="ctr" defTabSz="222250">
-            <a:lnSpc>
-              <a:spcPct val="90000"/>
-            </a:lnSpc>
-            <a:spcBef>
-              <a:spcPct val="0"/>
-            </a:spcBef>
-            <a:spcAft>
-              <a:spcPct val="35000"/>
-            </a:spcAft>
-          </a:pPr>
-          <a:endParaRPr lang="en-US" sz="500" kern="1200"/>
-        </a:p>
-      </dsp:txBody>
-      <dsp:txXfrm>
-        <a:off x="4106493" y="5199237"/>
-        <a:ext cx="53015" cy="53015"/>
-      </dsp:txXfrm>
-    </dsp:sp>
-    <dsp:sp modelId="{140C74B4-2B31-CE41-9CD4-AD44B6191608}">
-      <dsp:nvSpPr>
-        <dsp:cNvPr id="0" name=""/>
-        <dsp:cNvSpPr/>
-      </dsp:nvSpPr>
-      <dsp:spPr>
-        <a:xfrm>
-          <a:off x="4307168" y="5508767"/>
-          <a:ext cx="870836" cy="435418"/>
-        </a:xfrm>
-        <a:prstGeom prst="roundRect">
-          <a:avLst>
-            <a:gd name="adj" fmla="val 10000"/>
-          </a:avLst>
-        </a:prstGeom>
-        <a:gradFill rotWithShape="0">
-          <a:gsLst>
-            <a:gs pos="0">
-              <a:schemeClr val="accent1">
-                <a:hueOff val="0"/>
-                <a:satOff val="0"/>
-                <a:lumOff val="0"/>
-                <a:alphaOff val="0"/>
-                <a:tint val="100000"/>
-                <a:shade val="100000"/>
-                <a:satMod val="130000"/>
-              </a:schemeClr>
-            </a:gs>
-            <a:gs pos="100000">
-              <a:schemeClr val="accent1">
-                <a:hueOff val="0"/>
-                <a:satOff val="0"/>
-                <a:lumOff val="0"/>
-                <a:alphaOff val="0"/>
-                <a:tint val="50000"/>
-                <a:shade val="100000"/>
-                <a:satMod val="350000"/>
-              </a:schemeClr>
-            </a:gs>
-          </a:gsLst>
-          <a:lin ang="16200000" scaled="0"/>
-        </a:gradFill>
-        <a:ln>
-          <a:noFill/>
-        </a:ln>
-        <a:effectLst>
-          <a:outerShdw blurRad="40000" dist="23000" dir="5400000" rotWithShape="0">
-            <a:srgbClr val="000000">
-              <a:alpha val="35000"/>
-            </a:srgbClr>
-          </a:outerShdw>
-        </a:effectLst>
-      </dsp:spPr>
-      <dsp:style>
-        <a:lnRef idx="0">
-          <a:scrgbClr r="0" g="0" b="0"/>
-        </a:lnRef>
-        <a:fillRef idx="3">
-          <a:scrgbClr r="0" g="0" b="0"/>
-        </a:fillRef>
-        <a:effectRef idx="2">
-          <a:scrgbClr r="0" g="0" b="0"/>
-        </a:effectRef>
-        <a:fontRef idx="minor">
-          <a:schemeClr val="lt1"/>
-        </a:fontRef>
-      </dsp:style>
-      <dsp:txBody>
-        <a:bodyPr spcFirstLastPara="0" vert="horz" wrap="square" lIns="6350" tIns="6350" rIns="6350" bIns="6350" numCol="1" spcCol="1270" anchor="ctr" anchorCtr="0">
-          <a:noAutofit/>
-        </a:bodyPr>
-        <a:lstStyle/>
-        <a:p>
-          <a:pPr lvl="0" algn="ctr" defTabSz="444500">
-            <a:lnSpc>
-              <a:spcPct val="90000"/>
-            </a:lnSpc>
-            <a:spcBef>
-              <a:spcPct val="0"/>
-            </a:spcBef>
-            <a:spcAft>
-              <a:spcPct val="35000"/>
-            </a:spcAft>
-          </a:pPr>
-          <a:r>
-            <a:rPr lang="en-US" sz="1000" kern="1200" dirty="0" err="1" smtClean="0"/>
-            <a:t>Tmp.list</a:t>
-          </a:r>
-          <a:endParaRPr lang="en-US" sz="1000" kern="1200" dirty="0"/>
-        </a:p>
-      </dsp:txBody>
-      <dsp:txXfrm>
-        <a:off x="4319921" y="5521520"/>
-        <a:ext cx="845330" cy="409912"/>
+        <a:off x="4245774" y="5540842"/>
+        <a:ext cx="802621" cy="401310"/>
       </dsp:txXfrm>
     </dsp:sp>
   </dsp:spTree>
@@ -6485,7 +7236,8 @@
           <a:p>
             <a:fld id="{D79BFCBE-9852-E148-85B6-73DD69560B56}" type="datetimeFigureOut">
               <a:rPr lang="en-US" smtClean="0"/>
-              <a:t>16/10/2011</a:t>
+              <a:pPr/>
+              <a:t>11/10/2011</a:t>
             </a:fld>
             <a:endParaRPr lang="en-US"/>
           </a:p>
@@ -6527,6 +7279,7 @@
           <a:p>
             <a:fld id="{69CB8E44-703F-474C-8363-F4873CE6F252}" type="slidenum">
               <a:rPr lang="en-US" smtClean="0"/>
+              <a:pPr/>
               <a:t>‹#›</a:t>
             </a:fld>
             <a:endParaRPr lang="en-US"/>
@@ -6536,7 +7289,7 @@
     </p:spTree>
     <p:extLst>
       <p:ext uri="{BB962C8B-B14F-4D97-AF65-F5344CB8AC3E}">
-        <p14:creationId xmlns:p14="http://schemas.microsoft.com/office/powerpoint/2010/main" val="39631338"/>
+        <p14:creationId xmlns="" xmlns:p14="http://schemas.microsoft.com/office/powerpoint/2010/main" val="39631338"/>
       </p:ext>
     </p:extLst>
   </p:cSld>
@@ -6655,7 +7408,8 @@
           <a:p>
             <a:fld id="{D79BFCBE-9852-E148-85B6-73DD69560B56}" type="datetimeFigureOut">
               <a:rPr lang="en-US" smtClean="0"/>
-              <a:t>16/10/2011</a:t>
+              <a:pPr/>
+              <a:t>11/10/2011</a:t>
             </a:fld>
             <a:endParaRPr lang="en-US"/>
           </a:p>
@@ -6697,6 +7451,7 @@
           <a:p>
             <a:fld id="{69CB8E44-703F-474C-8363-F4873CE6F252}" type="slidenum">
               <a:rPr lang="en-US" smtClean="0"/>
+              <a:pPr/>
               <a:t>‹#›</a:t>
             </a:fld>
             <a:endParaRPr lang="en-US"/>
@@ -6706,7 +7461,7 @@
     </p:spTree>
     <p:extLst>
       <p:ext uri="{BB962C8B-B14F-4D97-AF65-F5344CB8AC3E}">
-        <p14:creationId xmlns:p14="http://schemas.microsoft.com/office/powerpoint/2010/main" val="356639820"/>
+        <p14:creationId xmlns="" xmlns:p14="http://schemas.microsoft.com/office/powerpoint/2010/main" val="356639820"/>
       </p:ext>
     </p:extLst>
   </p:cSld>
@@ -6835,7 +7590,8 @@
           <a:p>
             <a:fld id="{D79BFCBE-9852-E148-85B6-73DD69560B56}" type="datetimeFigureOut">
               <a:rPr lang="en-US" smtClean="0"/>
-              <a:t>16/10/2011</a:t>
+              <a:pPr/>
+              <a:t>11/10/2011</a:t>
             </a:fld>
             <a:endParaRPr lang="en-US"/>
           </a:p>
@@ -6877,6 +7633,7 @@
           <a:p>
             <a:fld id="{69CB8E44-703F-474C-8363-F4873CE6F252}" type="slidenum">
               <a:rPr lang="en-US" smtClean="0"/>
+              <a:pPr/>
               <a:t>‹#›</a:t>
             </a:fld>
             <a:endParaRPr lang="en-US"/>
@@ -6886,7 +7643,7 @@
     </p:spTree>
     <p:extLst>
       <p:ext uri="{BB962C8B-B14F-4D97-AF65-F5344CB8AC3E}">
-        <p14:creationId xmlns:p14="http://schemas.microsoft.com/office/powerpoint/2010/main" val="4121263721"/>
+        <p14:creationId xmlns="" xmlns:p14="http://schemas.microsoft.com/office/powerpoint/2010/main" val="4121263721"/>
       </p:ext>
     </p:extLst>
   </p:cSld>
@@ -7005,7 +7762,8 @@
           <a:p>
             <a:fld id="{D79BFCBE-9852-E148-85B6-73DD69560B56}" type="datetimeFigureOut">
               <a:rPr lang="en-US" smtClean="0"/>
-              <a:t>16/10/2011</a:t>
+              <a:pPr/>
+              <a:t>11/10/2011</a:t>
             </a:fld>
             <a:endParaRPr lang="en-US"/>
           </a:p>
@@ -7047,6 +7805,7 @@
           <a:p>
             <a:fld id="{69CB8E44-703F-474C-8363-F4873CE6F252}" type="slidenum">
               <a:rPr lang="en-US" smtClean="0"/>
+              <a:pPr/>
               <a:t>‹#›</a:t>
             </a:fld>
             <a:endParaRPr lang="en-US"/>
@@ -7056,7 +7815,7 @@
     </p:spTree>
     <p:extLst>
       <p:ext uri="{BB962C8B-B14F-4D97-AF65-F5344CB8AC3E}">
-        <p14:creationId xmlns:p14="http://schemas.microsoft.com/office/powerpoint/2010/main" val="2887098912"/>
+        <p14:creationId xmlns="" xmlns:p14="http://schemas.microsoft.com/office/powerpoint/2010/main" val="2887098912"/>
       </p:ext>
     </p:extLst>
   </p:cSld>
@@ -7251,7 +8010,8 @@
           <a:p>
             <a:fld id="{D79BFCBE-9852-E148-85B6-73DD69560B56}" type="datetimeFigureOut">
               <a:rPr lang="en-US" smtClean="0"/>
-              <a:t>16/10/2011</a:t>
+              <a:pPr/>
+              <a:t>11/10/2011</a:t>
             </a:fld>
             <a:endParaRPr lang="en-US"/>
           </a:p>
@@ -7293,6 +8053,7 @@
           <a:p>
             <a:fld id="{69CB8E44-703F-474C-8363-F4873CE6F252}" type="slidenum">
               <a:rPr lang="en-US" smtClean="0"/>
+              <a:pPr/>
               <a:t>‹#›</a:t>
             </a:fld>
             <a:endParaRPr lang="en-US"/>
@@ -7302,7 +8063,7 @@
     </p:spTree>
     <p:extLst>
       <p:ext uri="{BB962C8B-B14F-4D97-AF65-F5344CB8AC3E}">
-        <p14:creationId xmlns:p14="http://schemas.microsoft.com/office/powerpoint/2010/main" val="949359081"/>
+        <p14:creationId xmlns="" xmlns:p14="http://schemas.microsoft.com/office/powerpoint/2010/main" val="949359081"/>
       </p:ext>
     </p:extLst>
   </p:cSld>
@@ -7539,7 +8300,8 @@
           <a:p>
             <a:fld id="{D79BFCBE-9852-E148-85B6-73DD69560B56}" type="datetimeFigureOut">
               <a:rPr lang="en-US" smtClean="0"/>
-              <a:t>16/10/2011</a:t>
+              <a:pPr/>
+              <a:t>11/10/2011</a:t>
             </a:fld>
             <a:endParaRPr lang="en-US"/>
           </a:p>
@@ -7581,6 +8343,7 @@
           <a:p>
             <a:fld id="{69CB8E44-703F-474C-8363-F4873CE6F252}" type="slidenum">
               <a:rPr lang="en-US" smtClean="0"/>
+              <a:pPr/>
               <a:t>‹#›</a:t>
             </a:fld>
             <a:endParaRPr lang="en-US"/>
@@ -7590,7 +8353,7 @@
     </p:spTree>
     <p:extLst>
       <p:ext uri="{BB962C8B-B14F-4D97-AF65-F5344CB8AC3E}">
-        <p14:creationId xmlns:p14="http://schemas.microsoft.com/office/powerpoint/2010/main" val="1401576934"/>
+        <p14:creationId xmlns="" xmlns:p14="http://schemas.microsoft.com/office/powerpoint/2010/main" val="1401576934"/>
       </p:ext>
     </p:extLst>
   </p:cSld>
@@ -7961,7 +8724,8 @@
           <a:p>
             <a:fld id="{D79BFCBE-9852-E148-85B6-73DD69560B56}" type="datetimeFigureOut">
               <a:rPr lang="en-US" smtClean="0"/>
-              <a:t>16/10/2011</a:t>
+              <a:pPr/>
+              <a:t>11/10/2011</a:t>
             </a:fld>
             <a:endParaRPr lang="en-US"/>
           </a:p>
@@ -8003,6 +8767,7 @@
           <a:p>
             <a:fld id="{69CB8E44-703F-474C-8363-F4873CE6F252}" type="slidenum">
               <a:rPr lang="en-US" smtClean="0"/>
+              <a:pPr/>
               <a:t>‹#›</a:t>
             </a:fld>
             <a:endParaRPr lang="en-US"/>
@@ -8012,7 +8777,7 @@
     </p:spTree>
     <p:extLst>
       <p:ext uri="{BB962C8B-B14F-4D97-AF65-F5344CB8AC3E}">
-        <p14:creationId xmlns:p14="http://schemas.microsoft.com/office/powerpoint/2010/main" val="3736634390"/>
+        <p14:creationId xmlns="" xmlns:p14="http://schemas.microsoft.com/office/powerpoint/2010/main" val="3736634390"/>
       </p:ext>
     </p:extLst>
   </p:cSld>
@@ -8079,7 +8844,8 @@
           <a:p>
             <a:fld id="{D79BFCBE-9852-E148-85B6-73DD69560B56}" type="datetimeFigureOut">
               <a:rPr lang="en-US" smtClean="0"/>
-              <a:t>16/10/2011</a:t>
+              <a:pPr/>
+              <a:t>11/10/2011</a:t>
             </a:fld>
             <a:endParaRPr lang="en-US"/>
           </a:p>
@@ -8121,6 +8887,7 @@
           <a:p>
             <a:fld id="{69CB8E44-703F-474C-8363-F4873CE6F252}" type="slidenum">
               <a:rPr lang="en-US" smtClean="0"/>
+              <a:pPr/>
               <a:t>‹#›</a:t>
             </a:fld>
             <a:endParaRPr lang="en-US"/>
@@ -8130,7 +8897,7 @@
     </p:spTree>
     <p:extLst>
       <p:ext uri="{BB962C8B-B14F-4D97-AF65-F5344CB8AC3E}">
-        <p14:creationId xmlns:p14="http://schemas.microsoft.com/office/powerpoint/2010/main" val="430504229"/>
+        <p14:creationId xmlns="" xmlns:p14="http://schemas.microsoft.com/office/powerpoint/2010/main" val="430504229"/>
       </p:ext>
     </p:extLst>
   </p:cSld>
@@ -8174,7 +8941,8 @@
           <a:p>
             <a:fld id="{D79BFCBE-9852-E148-85B6-73DD69560B56}" type="datetimeFigureOut">
               <a:rPr lang="en-US" smtClean="0"/>
-              <a:t>16/10/2011</a:t>
+              <a:pPr/>
+              <a:t>11/10/2011</a:t>
             </a:fld>
             <a:endParaRPr lang="en-US"/>
           </a:p>
@@ -8216,6 +8984,7 @@
           <a:p>
             <a:fld id="{69CB8E44-703F-474C-8363-F4873CE6F252}" type="slidenum">
               <a:rPr lang="en-US" smtClean="0"/>
+              <a:pPr/>
               <a:t>‹#›</a:t>
             </a:fld>
             <a:endParaRPr lang="en-US"/>
@@ -8225,7 +8994,7 @@
     </p:spTree>
     <p:extLst>
       <p:ext uri="{BB962C8B-B14F-4D97-AF65-F5344CB8AC3E}">
-        <p14:creationId xmlns:p14="http://schemas.microsoft.com/office/powerpoint/2010/main" val="41438763"/>
+        <p14:creationId xmlns="" xmlns:p14="http://schemas.microsoft.com/office/powerpoint/2010/main" val="41438763"/>
       </p:ext>
     </p:extLst>
   </p:cSld>
@@ -8451,7 +9220,8 @@
           <a:p>
             <a:fld id="{D79BFCBE-9852-E148-85B6-73DD69560B56}" type="datetimeFigureOut">
               <a:rPr lang="en-US" smtClean="0"/>
-              <a:t>16/10/2011</a:t>
+              <a:pPr/>
+              <a:t>11/10/2011</a:t>
             </a:fld>
             <a:endParaRPr lang="en-US"/>
           </a:p>
@@ -8493,6 +9263,7 @@
           <a:p>
             <a:fld id="{69CB8E44-703F-474C-8363-F4873CE6F252}" type="slidenum">
               <a:rPr lang="en-US" smtClean="0"/>
+              <a:pPr/>
               <a:t>‹#›</a:t>
             </a:fld>
             <a:endParaRPr lang="en-US"/>
@@ -8502,7 +9273,7 @@
     </p:spTree>
     <p:extLst>
       <p:ext uri="{BB962C8B-B14F-4D97-AF65-F5344CB8AC3E}">
-        <p14:creationId xmlns:p14="http://schemas.microsoft.com/office/powerpoint/2010/main" val="660561024"/>
+        <p14:creationId xmlns="" xmlns:p14="http://schemas.microsoft.com/office/powerpoint/2010/main" val="660561024"/>
       </p:ext>
     </p:extLst>
   </p:cSld>
@@ -8704,7 +9475,8 @@
           <a:p>
             <a:fld id="{D79BFCBE-9852-E148-85B6-73DD69560B56}" type="datetimeFigureOut">
               <a:rPr lang="en-US" smtClean="0"/>
-              <a:t>16/10/2011</a:t>
+              <a:pPr/>
+              <a:t>11/10/2011</a:t>
             </a:fld>
             <a:endParaRPr lang="en-US"/>
           </a:p>
@@ -8746,6 +9518,7 @@
           <a:p>
             <a:fld id="{69CB8E44-703F-474C-8363-F4873CE6F252}" type="slidenum">
               <a:rPr lang="en-US" smtClean="0"/>
+              <a:pPr/>
               <a:t>‹#›</a:t>
             </a:fld>
             <a:endParaRPr lang="en-US"/>
@@ -8755,7 +9528,7 @@
     </p:spTree>
     <p:extLst>
       <p:ext uri="{BB962C8B-B14F-4D97-AF65-F5344CB8AC3E}">
-        <p14:creationId xmlns:p14="http://schemas.microsoft.com/office/powerpoint/2010/main" val="3273881872"/>
+        <p14:creationId xmlns="" xmlns:p14="http://schemas.microsoft.com/office/powerpoint/2010/main" val="3273881872"/>
       </p:ext>
     </p:extLst>
   </p:cSld>
@@ -8917,7 +9690,8 @@
           <a:p>
             <a:fld id="{D79BFCBE-9852-E148-85B6-73DD69560B56}" type="datetimeFigureOut">
               <a:rPr lang="en-US" smtClean="0"/>
-              <a:t>16/10/2011</a:t>
+              <a:pPr/>
+              <a:t>11/10/2011</a:t>
             </a:fld>
             <a:endParaRPr lang="en-US"/>
           </a:p>
@@ -8995,6 +9769,7 @@
           <a:p>
             <a:fld id="{69CB8E44-703F-474C-8363-F4873CE6F252}" type="slidenum">
               <a:rPr lang="en-US" smtClean="0"/>
+              <a:pPr/>
               <a:t>‹#›</a:t>
             </a:fld>
             <a:endParaRPr lang="en-US"/>
@@ -9004,7 +9779,7 @@
     </p:spTree>
     <p:extLst>
       <p:ext uri="{BB962C8B-B14F-4D97-AF65-F5344CB8AC3E}">
-        <p14:creationId xmlns:p14="http://schemas.microsoft.com/office/powerpoint/2010/main" val="273023772"/>
+        <p14:creationId xmlns="" xmlns:p14="http://schemas.microsoft.com/office/powerpoint/2010/main" val="273023772"/>
       </p:ext>
     </p:extLst>
   </p:cSld>
@@ -9299,7 +10074,7 @@
           <p:nvPr>
             <p:extLst>
               <p:ext uri="{D42A27DB-BD31-4B8C-83A1-F6EECF244321}">
-                <p14:modId xmlns:p14="http://schemas.microsoft.com/office/powerpoint/2010/main" val="2727524671"/>
+                <p14:modId xmlns="" xmlns:p14="http://schemas.microsoft.com/office/powerpoint/2010/main" val="2727524671"/>
               </p:ext>
             </p:extLst>
           </p:nvPr>
@@ -9317,7 +10092,7 @@
     </p:spTree>
     <p:extLst>
       <p:ext uri="{BB962C8B-B14F-4D97-AF65-F5344CB8AC3E}">
-        <p14:creationId xmlns:p14="http://schemas.microsoft.com/office/powerpoint/2010/main" val="2634575190"/>
+        <p14:creationId xmlns="" xmlns:p14="http://schemas.microsoft.com/office/powerpoint/2010/main" val="2634575190"/>
       </p:ext>
     </p:extLst>
   </p:cSld>
